--- a/adv_new/Module 03 - Exception handling and Logging.pptx
+++ b/adv_new/Module 03 - Exception handling and Logging.pptx
@@ -5,7 +5,7 @@
     <p:sldMasterId id="2147483648" r:id="rId1"/>
   </p:sldMasterIdLst>
   <p:notesMasterIdLst>
-    <p:notesMasterId r:id="rId35"/>
+    <p:notesMasterId r:id="rId36"/>
   </p:notesMasterIdLst>
   <p:sldIdLst>
     <p:sldId id="321" r:id="rId2"/>
@@ -40,7 +40,8 @@
     <p:sldId id="345" r:id="rId31"/>
     <p:sldId id="346" r:id="rId32"/>
     <p:sldId id="347" r:id="rId33"/>
-    <p:sldId id="316" r:id="rId34"/>
+    <p:sldId id="348" r:id="rId34"/>
+    <p:sldId id="316" r:id="rId35"/>
   </p:sldIdLst>
   <p:sldSz cx="12192000" cy="6858000"/>
   <p:notesSz cx="6858000" cy="9144000"/>
@@ -513,7 +514,7 @@
           <a:p>
             <a:fld id="{81043921-7569-41A3-B947-8944ED878C50}" type="datetimeFigureOut">
               <a:rPr lang="he-IL" smtClean="0"/>
-              <a:t>ו'/תמוז/תשפ"ג</a:t>
+              <a:t>כ'/תמוז/תשפ"ג</a:t>
             </a:fld>
             <a:endParaRPr lang="he-IL"/>
           </a:p>
@@ -5424,7 +5425,7 @@
           <a:p>
             <a:fld id="{A9D9B7D1-305C-49A9-9D59-000E5D30F1FD}" type="datetimeFigureOut">
               <a:rPr lang="he-IL" smtClean="0"/>
-              <a:t>ו'/תמוז/תשפ"ג</a:t>
+              <a:t>כ'/תמוז/תשפ"ג</a:t>
             </a:fld>
             <a:endParaRPr lang="he-IL"/>
           </a:p>
@@ -5624,7 +5625,7 @@
           <a:p>
             <a:fld id="{A9D9B7D1-305C-49A9-9D59-000E5D30F1FD}" type="datetimeFigureOut">
               <a:rPr lang="he-IL" smtClean="0"/>
-              <a:t>ו'/תמוז/תשפ"ג</a:t>
+              <a:t>כ'/תמוז/תשפ"ג</a:t>
             </a:fld>
             <a:endParaRPr lang="he-IL"/>
           </a:p>
@@ -5834,7 +5835,7 @@
           <a:p>
             <a:fld id="{A9D9B7D1-305C-49A9-9D59-000E5D30F1FD}" type="datetimeFigureOut">
               <a:rPr lang="he-IL" smtClean="0"/>
-              <a:t>ו'/תמוז/תשפ"ג</a:t>
+              <a:t>כ'/תמוז/תשפ"ג</a:t>
             </a:fld>
             <a:endParaRPr lang="he-IL"/>
           </a:p>
@@ -7968,7 +7969,7 @@
           <a:p>
             <a:fld id="{A9D9B7D1-305C-49A9-9D59-000E5D30F1FD}" type="datetimeFigureOut">
               <a:rPr lang="he-IL" smtClean="0"/>
-              <a:t>ו'/תמוז/תשפ"ג</a:t>
+              <a:t>כ'/תמוז/תשפ"ג</a:t>
             </a:fld>
             <a:endParaRPr lang="he-IL"/>
           </a:p>
@@ -8244,7 +8245,7 @@
           <a:p>
             <a:fld id="{A9D9B7D1-305C-49A9-9D59-000E5D30F1FD}" type="datetimeFigureOut">
               <a:rPr lang="he-IL" smtClean="0"/>
-              <a:t>ו'/תמוז/תשפ"ג</a:t>
+              <a:t>כ'/תמוז/תשפ"ג</a:t>
             </a:fld>
             <a:endParaRPr lang="he-IL"/>
           </a:p>
@@ -8512,7 +8513,7 @@
           <a:p>
             <a:fld id="{A9D9B7D1-305C-49A9-9D59-000E5D30F1FD}" type="datetimeFigureOut">
               <a:rPr lang="he-IL" smtClean="0"/>
-              <a:t>ו'/תמוז/תשפ"ג</a:t>
+              <a:t>כ'/תמוז/תשפ"ג</a:t>
             </a:fld>
             <a:endParaRPr lang="he-IL"/>
           </a:p>
@@ -8927,7 +8928,7 @@
           <a:p>
             <a:fld id="{A9D9B7D1-305C-49A9-9D59-000E5D30F1FD}" type="datetimeFigureOut">
               <a:rPr lang="he-IL" smtClean="0"/>
-              <a:t>ו'/תמוז/תשפ"ג</a:t>
+              <a:t>כ'/תמוז/תשפ"ג</a:t>
             </a:fld>
             <a:endParaRPr lang="he-IL"/>
           </a:p>
@@ -9069,7 +9070,7 @@
           <a:p>
             <a:fld id="{A9D9B7D1-305C-49A9-9D59-000E5D30F1FD}" type="datetimeFigureOut">
               <a:rPr lang="he-IL" smtClean="0"/>
-              <a:t>ו'/תמוז/תשפ"ג</a:t>
+              <a:t>כ'/תמוז/תשפ"ג</a:t>
             </a:fld>
             <a:endParaRPr lang="he-IL"/>
           </a:p>
@@ -9182,7 +9183,7 @@
           <a:p>
             <a:fld id="{A9D9B7D1-305C-49A9-9D59-000E5D30F1FD}" type="datetimeFigureOut">
               <a:rPr lang="he-IL" smtClean="0"/>
-              <a:t>ו'/תמוז/תשפ"ג</a:t>
+              <a:t>כ'/תמוז/תשפ"ג</a:t>
             </a:fld>
             <a:endParaRPr lang="he-IL"/>
           </a:p>
@@ -9495,7 +9496,7 @@
           <a:p>
             <a:fld id="{A9D9B7D1-305C-49A9-9D59-000E5D30F1FD}" type="datetimeFigureOut">
               <a:rPr lang="he-IL" smtClean="0"/>
-              <a:t>ו'/תמוז/תשפ"ג</a:t>
+              <a:t>כ'/תמוז/תשפ"ג</a:t>
             </a:fld>
             <a:endParaRPr lang="he-IL"/>
           </a:p>
@@ -9784,7 +9785,7 @@
           <a:p>
             <a:fld id="{A9D9B7D1-305C-49A9-9D59-000E5D30F1FD}" type="datetimeFigureOut">
               <a:rPr lang="he-IL" smtClean="0"/>
-              <a:t>ו'/תמוז/תשפ"ג</a:t>
+              <a:t>כ'/תמוז/תשפ"ג</a:t>
             </a:fld>
             <a:endParaRPr lang="he-IL"/>
           </a:p>
@@ -10027,7 +10028,7 @@
           <a:p>
             <a:fld id="{A9D9B7D1-305C-49A9-9D59-000E5D30F1FD}" type="datetimeFigureOut">
               <a:rPr lang="he-IL" smtClean="0"/>
-              <a:t>ו'/תמוז/תשפ"ג</a:t>
+              <a:t>כ'/תמוז/תשפ"ג</a:t>
             </a:fld>
             <a:endParaRPr lang="he-IL"/>
           </a:p>
@@ -11115,7 +11116,7 @@
         </p:nvSpPr>
         <p:spPr>
           <a:xfrm>
-            <a:off x="838200" y="1970086"/>
+            <a:off x="651933" y="1952330"/>
             <a:ext cx="10888133" cy="2554545"/>
           </a:xfrm>
           <a:prstGeom prst="rect">
@@ -11225,6 +11226,53 @@
           </a:p>
         </p:txBody>
       </p:sp>
+      <p:pic>
+        <p:nvPicPr>
+          <p:cNvPr id="4" name="Picture 2" descr="Exception &amp; Error Handling in Python | Tutorial by DataCamp | DataCamp">
+            <a:extLst>
+              <a:ext uri="{FF2B5EF4-FFF2-40B4-BE49-F238E27FC236}">
+                <a16:creationId xmlns:a16="http://schemas.microsoft.com/office/drawing/2014/main" id="{804FBBB7-1B1E-4DEC-8111-4E2C5FFBDDCB}"/>
+              </a:ext>
+            </a:extLst>
+          </p:cNvPr>
+          <p:cNvPicPr>
+            <a:picLocks noChangeAspect="1" noChangeArrowheads="1"/>
+          </p:cNvPicPr>
+          <p:nvPr/>
+        </p:nvPicPr>
+        <p:blipFill>
+          <a:blip r:embed="rId3">
+            <a:extLst>
+              <a:ext uri="{28A0092B-C50C-407E-A947-70E740481C1C}">
+                <a14:useLocalDpi xmlns:a14="http://schemas.microsoft.com/office/drawing/2010/main" val="0"/>
+              </a:ext>
+            </a:extLst>
+          </a:blip>
+          <a:srcRect/>
+          <a:stretch>
+            <a:fillRect/>
+          </a:stretch>
+        </p:blipFill>
+        <p:spPr bwMode="auto">
+          <a:xfrm>
+            <a:off x="5610041" y="1416897"/>
+            <a:ext cx="5743759" cy="4606096"/>
+          </a:xfrm>
+          <a:prstGeom prst="rect">
+            <a:avLst/>
+          </a:prstGeom>
+          <a:noFill/>
+          <a:extLst>
+            <a:ext uri="{909E8E84-426E-40DD-AFC4-6F175D3DCCD1}">
+              <a14:hiddenFill xmlns:a14="http://schemas.microsoft.com/office/drawing/2010/main">
+                <a:solidFill>
+                  <a:srgbClr val="FFFFFF"/>
+                </a:solidFill>
+              </a14:hiddenFill>
+            </a:ext>
+          </a:extLst>
+        </p:spPr>
+      </p:pic>
     </p:spTree>
     <p:extLst>
       <p:ext uri="{BB962C8B-B14F-4D97-AF65-F5344CB8AC3E}">
@@ -19388,7 +19436,7 @@
         <p:spPr>
           <a:xfrm>
             <a:off x="838200" y="1690688"/>
-            <a:ext cx="10515600" cy="4486275"/>
+            <a:ext cx="10515599" cy="4486275"/>
           </a:xfrm>
         </p:spPr>
         <p:txBody>
@@ -21509,6 +21557,61 @@
 </file>
 
 <file path=ppt/slides/slide33.xml><?xml version="1.0" encoding="utf-8"?>
+<p:sld xmlns:a="http://schemas.openxmlformats.org/drawingml/2006/main" xmlns:r="http://schemas.openxmlformats.org/officeDocument/2006/relationships" xmlns:p="http://schemas.openxmlformats.org/presentationml/2006/main">
+  <p:cSld>
+    <p:spTree>
+      <p:nvGrpSpPr>
+        <p:cNvPr id="1" name=""/>
+        <p:cNvGrpSpPr/>
+        <p:nvPr/>
+      </p:nvGrpSpPr>
+      <p:grpSpPr>
+        <a:xfrm>
+          <a:off x="0" y="0"/>
+          <a:ext cx="0" cy="0"/>
+          <a:chOff x="0" y="0"/>
+          <a:chExt cx="0" cy="0"/>
+        </a:xfrm>
+      </p:grpSpPr>
+      <p:sp>
+        <p:nvSpPr>
+          <p:cNvPr id="3" name="Title 2"/>
+          <p:cNvSpPr>
+            <a:spLocks noGrp="1"/>
+          </p:cNvSpPr>
+          <p:nvPr>
+            <p:ph type="title"/>
+          </p:nvPr>
+        </p:nvSpPr>
+        <p:spPr/>
+        <p:txBody>
+          <a:bodyPr>
+            <a:normAutofit/>
+          </a:bodyPr>
+          <a:lstStyle/>
+          <a:p>
+            <a:r>
+              <a:rPr lang="en-US" dirty="0"/>
+              <a:t>Lab 03</a:t>
+            </a:r>
+            <a:endParaRPr lang="he-IL" dirty="0"/>
+          </a:p>
+        </p:txBody>
+      </p:sp>
+    </p:spTree>
+    <p:extLst>
+      <p:ext uri="{BB962C8B-B14F-4D97-AF65-F5344CB8AC3E}">
+        <p14:creationId xmlns:p14="http://schemas.microsoft.com/office/powerpoint/2010/main" val="3933336084"/>
+      </p:ext>
+    </p:extLst>
+  </p:cSld>
+  <p:clrMapOvr>
+    <a:masterClrMapping/>
+  </p:clrMapOvr>
+</p:sld>
+</file>
+
+<file path=ppt/slides/slide34.xml><?xml version="1.0" encoding="utf-8"?>
 <p:sld xmlns:a="http://schemas.openxmlformats.org/drawingml/2006/main" xmlns:r="http://schemas.openxmlformats.org/officeDocument/2006/relationships" xmlns:p="http://schemas.openxmlformats.org/presentationml/2006/main">
   <p:cSld>
     <p:spTree>
@@ -21705,6 +21808,53 @@
           </a:p>
         </p:txBody>
       </p:sp>
+      <p:pic>
+        <p:nvPicPr>
+          <p:cNvPr id="1028" name="Picture 4" descr="Exception &amp; Error Handling in Python | Tutorial by DataCamp | DataCamp">
+            <a:extLst>
+              <a:ext uri="{FF2B5EF4-FFF2-40B4-BE49-F238E27FC236}">
+                <a16:creationId xmlns:a16="http://schemas.microsoft.com/office/drawing/2014/main" id="{C6E25270-671E-474A-B0CA-AAE83604B235}"/>
+              </a:ext>
+            </a:extLst>
+          </p:cNvPr>
+          <p:cNvPicPr>
+            <a:picLocks noChangeAspect="1" noChangeArrowheads="1"/>
+          </p:cNvPicPr>
+          <p:nvPr/>
+        </p:nvPicPr>
+        <p:blipFill>
+          <a:blip r:embed="rId3">
+            <a:extLst>
+              <a:ext uri="{28A0092B-C50C-407E-A947-70E740481C1C}">
+                <a14:useLocalDpi xmlns:a14="http://schemas.microsoft.com/office/drawing/2010/main" val="0"/>
+              </a:ext>
+            </a:extLst>
+          </a:blip>
+          <a:srcRect/>
+          <a:stretch>
+            <a:fillRect/>
+          </a:stretch>
+        </p:blipFill>
+        <p:spPr bwMode="auto">
+          <a:xfrm>
+            <a:off x="6581959" y="1203833"/>
+            <a:ext cx="4995935" cy="4862512"/>
+          </a:xfrm>
+          <a:prstGeom prst="rect">
+            <a:avLst/>
+          </a:prstGeom>
+          <a:noFill/>
+          <a:extLst>
+            <a:ext uri="{909E8E84-426E-40DD-AFC4-6F175D3DCCD1}">
+              <a14:hiddenFill xmlns:a14="http://schemas.microsoft.com/office/drawing/2010/main">
+                <a:solidFill>
+                  <a:srgbClr val="FFFFFF"/>
+                </a:solidFill>
+              </a14:hiddenFill>
+            </a:ext>
+          </a:extLst>
+        </p:spPr>
+      </p:pic>
     </p:spTree>
     <p:extLst>
       <p:ext uri="{BB962C8B-B14F-4D97-AF65-F5344CB8AC3E}">

--- a/adv_new/Module 03 - Exception handling and Logging.pptx
+++ b/adv_new/Module 03 - Exception handling and Logging.pptx
@@ -8,7 +8,7 @@
     <p:notesMasterId r:id="rId36"/>
   </p:notesMasterIdLst>
   <p:sldIdLst>
-    <p:sldId id="321" r:id="rId2"/>
+    <p:sldId id="349" r:id="rId2"/>
     <p:sldId id="258" r:id="rId3"/>
     <p:sldId id="264" r:id="rId4"/>
     <p:sldId id="322" r:id="rId5"/>
@@ -783,11 +783,11 @@
 </file>
 
 <file path=ppt/notesSlides/notesSlide1.xml><?xml version="1.0" encoding="utf-8"?>
-<p:notes xmlns:a="http://schemas.openxmlformats.org/drawingml/2006/main" xmlns:r="http://schemas.openxmlformats.org/officeDocument/2006/relationships" xmlns:p="http://schemas.openxmlformats.org/presentationml/2006/main">
+<p:notes xmlns:a="http://schemas.openxmlformats.org/drawingml/2006/main" xmlns:r="http://schemas.openxmlformats.org/officeDocument/2006/relationships" xmlns:p="http://schemas.openxmlformats.org/presentationml/2006/main" showMasterSp="0" showMasterPhAnim="0">
   <p:cSld>
     <p:spTree>
       <p:nvGrpSpPr>
-        <p:cNvPr id="1" name=""/>
+        <p:cNvPr id="1" name="Shape 158"/>
         <p:cNvGrpSpPr/>
         <p:nvPr/>
       </p:nvGrpSpPr>
@@ -801,207 +801,84 @@
       </p:grpSpPr>
       <p:sp>
         <p:nvSpPr>
-          <p:cNvPr id="2" name="Slide Image Placeholder 1"/>
-          <p:cNvSpPr>
-            <a:spLocks noGrp="1" noRot="1" noChangeAspect="1"/>
-          </p:cNvSpPr>
-          <p:nvPr>
-            <p:ph type="sldImg"/>
-          </p:nvPr>
-        </p:nvSpPr>
-        <p:spPr/>
-      </p:sp>
-      <p:sp>
-        <p:nvSpPr>
-          <p:cNvPr id="3" name="Notes Placeholder 2"/>
-          <p:cNvSpPr>
+          <p:cNvPr id="159" name="Google Shape;159;p3:notes"/>
+          <p:cNvSpPr txBox="1">
             <a:spLocks noGrp="1"/>
           </p:cNvSpPr>
           <p:nvPr>
             <p:ph type="body" idx="1"/>
           </p:nvPr>
         </p:nvSpPr>
-        <p:spPr/>
+        <p:spPr>
+          <a:xfrm>
+            <a:off x="685800" y="4400550"/>
+            <a:ext cx="5486400" cy="3600450"/>
+          </a:xfrm>
+          <a:prstGeom prst="rect">
+            <a:avLst/>
+          </a:prstGeom>
+        </p:spPr>
         <p:txBody>
-          <a:bodyPr/>
+          <a:bodyPr spcFirstLastPara="1" wrap="square" lIns="91425" tIns="45700" rIns="91425" bIns="45700" anchor="t" anchorCtr="0">
+            <a:noAutofit/>
+          </a:bodyPr>
           <a:lstStyle/>
           <a:p>
-            <a:r>
-              <a:rPr lang="en-US" dirty="0"/>
-              <a:t>Python is dynamically-typed and garbage-collected. It supports multiple programming paradigms, including structured (particularly, procedural), object-oriented and functional programming.</a:t>
-            </a:r>
-          </a:p>
-          <a:p>
-            <a:endParaRPr lang="en-US" sz="1200" dirty="0">
-              <a:cs typeface="Calibri"/>
-            </a:endParaRPr>
-          </a:p>
-          <a:p>
-            <a:r>
-              <a:rPr lang="en-US" dirty="0">
-                <a:cs typeface="Calibri"/>
-              </a:rPr>
-              <a:t>It was built to be as readable as possible, and is </a:t>
-            </a:r>
-            <a:r>
-              <a:rPr lang="en-US" dirty="0"/>
-              <a:t>significant indentation driven (Off-side rule).</a:t>
-            </a:r>
-            <a:endParaRPr lang="en-US" dirty="0">
-              <a:cs typeface="Calibri"/>
-            </a:endParaRPr>
-          </a:p>
-          <a:p>
-            <a:pPr algn="l" rtl="0" eaLnBrk="1" hangingPunct="1"/>
-            <a:endParaRPr lang="en-US"/>
-          </a:p>
-          <a:p>
-            <a:r>
-              <a:rPr lang="en-US" dirty="0"/>
-              <a:t>The language's core philosophy is summarized in the document </a:t>
-            </a:r>
-            <a:r>
-              <a:rPr lang="en-US" i="1" dirty="0"/>
-              <a:t>The Zen of Python</a:t>
-            </a:r>
-            <a:r>
-              <a:rPr lang="en-US" dirty="0"/>
-              <a:t> (</a:t>
-            </a:r>
-            <a:r>
-              <a:rPr lang="en-US" i="1" dirty="0"/>
-              <a:t>PEP 20</a:t>
-            </a:r>
-            <a:r>
-              <a:rPr lang="en-US" dirty="0"/>
-              <a:t>), which includes aphorisms such as:</a:t>
-            </a:r>
-            <a:endParaRPr lang="en-US" dirty="0">
-              <a:cs typeface="Calibri"/>
-            </a:endParaRPr>
-          </a:p>
-          <a:p>
-            <a:pPr marL="285750" indent="-285750">
-              <a:buFont typeface="Arial"/>
-              <a:buChar char="•"/>
+            <a:pPr marL="0" lvl="0" indent="0" algn="l" rtl="0">
+              <a:spcBef>
+                <a:spcPts val="0"/>
+              </a:spcBef>
+              <a:spcAft>
+                <a:spcPts val="0"/>
+              </a:spcAft>
+              <a:buNone/>
             </a:pPr>
-            <a:r>
-              <a:rPr lang="en-US" dirty="0"/>
-              <a:t>Beautiful is better than ugly.</a:t>
-            </a:r>
-            <a:endParaRPr lang="en-US" dirty="0">
-              <a:cs typeface="Calibri"/>
-            </a:endParaRPr>
-          </a:p>
-          <a:p>
-            <a:pPr marL="285750" indent="-285750">
-              <a:buFont typeface="Arial"/>
-              <a:buChar char="•"/>
-            </a:pPr>
-            <a:r>
-              <a:rPr lang="en-US" dirty="0"/>
-              <a:t>Explicit is better than implicit.</a:t>
-            </a:r>
-            <a:endParaRPr lang="en-US" dirty="0">
-              <a:cs typeface="Calibri"/>
-            </a:endParaRPr>
-          </a:p>
-          <a:p>
-            <a:pPr marL="285750" indent="-285750">
-              <a:buFont typeface="Arial"/>
-              <a:buChar char="•"/>
-            </a:pPr>
-            <a:r>
-              <a:rPr lang="en-US" dirty="0"/>
-              <a:t>Simple is better than complex.</a:t>
-            </a:r>
-            <a:endParaRPr lang="en-US" dirty="0">
-              <a:cs typeface="Calibri"/>
-            </a:endParaRPr>
-          </a:p>
-          <a:p>
-            <a:pPr marL="285750" indent="-285750">
-              <a:buFont typeface="Arial"/>
-              <a:buChar char="•"/>
-            </a:pPr>
-            <a:r>
-              <a:rPr lang="en-US" dirty="0"/>
-              <a:t>Complex is better than complicated.</a:t>
-            </a:r>
-            <a:endParaRPr lang="en-US" dirty="0">
-              <a:cs typeface="Calibri"/>
-            </a:endParaRPr>
-          </a:p>
-          <a:p>
-            <a:pPr marL="285750" indent="-285750">
-              <a:buFont typeface="Arial"/>
-              <a:buChar char="•"/>
-            </a:pPr>
-            <a:r>
-              <a:rPr lang="en-US" dirty="0"/>
-              <a:t>Readability counts.</a:t>
-            </a:r>
-            <a:endParaRPr lang="en-US" dirty="0">
-              <a:cs typeface="Calibri"/>
-            </a:endParaRPr>
-          </a:p>
-          <a:p>
-            <a:pPr algn="l"/>
-            <a:endParaRPr lang="en-US" dirty="0">
-              <a:cs typeface="Calibri"/>
-            </a:endParaRPr>
-          </a:p>
-          <a:p>
-            <a:endParaRPr lang="en-US" u="sng"/>
-          </a:p>
-          <a:p>
-            <a:pPr algn="l" rtl="0" eaLnBrk="1" hangingPunct="1"/>
-            <a:r>
-              <a:rPr lang="en-US" u="sng" dirty="0"/>
-              <a:t>For further reading:</a:t>
-            </a:r>
-          </a:p>
-          <a:p>
-            <a:r>
-              <a:rPr lang="en-US" dirty="0">
-                <a:hlinkClick r:id="rId3"/>
-              </a:rPr>
-              <a:t>Python (programming language) - Wikipedia</a:t>
-            </a:r>
-            <a:endParaRPr lang="en-US"/>
+            <a:endParaRPr/>
           </a:p>
         </p:txBody>
       </p:sp>
       <p:sp>
         <p:nvSpPr>
-          <p:cNvPr id="4" name="Slide Number Placeholder 3"/>
+          <p:cNvPr id="160" name="Google Shape;160;p3:notes"/>
           <p:cNvSpPr>
-            <a:spLocks noGrp="1"/>
+            <a:spLocks noGrp="1" noRot="1" noChangeAspect="1"/>
           </p:cNvSpPr>
           <p:nvPr>
-            <p:ph type="sldNum" sz="quarter" idx="10"/>
+            <p:ph type="sldImg" idx="2"/>
           </p:nvPr>
         </p:nvSpPr>
-        <p:spPr/>
-        <p:txBody>
-          <a:bodyPr/>
-          <a:lstStyle/>
-          <a:p>
-            <a:fld id="{C18343ED-3762-4D46-A439-B4D407E13EF8}" type="slidenum">
-              <a:rPr lang="en-US" smtClean="0"/>
-              <a:pPr/>
-              <a:t>3</a:t>
-            </a:fld>
-            <a:endParaRPr lang="en-US"/>
-          </a:p>
-        </p:txBody>
+        <p:spPr>
+          <a:xfrm>
+            <a:off x="685800" y="1143000"/>
+            <a:ext cx="5486400" cy="3086100"/>
+          </a:xfrm>
+          <a:custGeom>
+            <a:avLst/>
+            <a:gdLst/>
+            <a:ahLst/>
+            <a:cxnLst/>
+            <a:rect l="l" t="t" r="r" b="b"/>
+            <a:pathLst>
+              <a:path w="120000" h="120000" extrusionOk="0">
+                <a:moveTo>
+                  <a:pt x="0" y="0"/>
+                </a:moveTo>
+                <a:lnTo>
+                  <a:pt x="120000" y="0"/>
+                </a:lnTo>
+                <a:lnTo>
+                  <a:pt x="120000" y="120000"/>
+                </a:lnTo>
+                <a:lnTo>
+                  <a:pt x="0" y="120000"/>
+                </a:lnTo>
+                <a:close/>
+              </a:path>
+            </a:pathLst>
+          </a:custGeom>
+        </p:spPr>
       </p:sp>
     </p:spTree>
-    <p:extLst>
-      <p:ext uri="{BB962C8B-B14F-4D97-AF65-F5344CB8AC3E}">
-        <p14:creationId xmlns:p14="http://schemas.microsoft.com/office/powerpoint/2010/main" val="3003253182"/>
-      </p:ext>
-    </p:extLst>
   </p:cSld>
   <p:clrMapOvr>
     <a:masterClrMapping/>
@@ -1192,7 +1069,7 @@
             <a:fld id="{C18343ED-3762-4D46-A439-B4D407E13EF8}" type="slidenum">
               <a:rPr lang="en-US" smtClean="0"/>
               <a:pPr/>
-              <a:t>18</a:t>
+              <a:t>16</a:t>
             </a:fld>
             <a:endParaRPr lang="en-US"/>
           </a:p>
@@ -1201,7 +1078,7 @@
     </p:spTree>
     <p:extLst>
       <p:ext uri="{BB962C8B-B14F-4D97-AF65-F5344CB8AC3E}">
-        <p14:creationId xmlns:p14="http://schemas.microsoft.com/office/powerpoint/2010/main" val="925471829"/>
+        <p14:creationId xmlns:p14="http://schemas.microsoft.com/office/powerpoint/2010/main" val="89710469"/>
       </p:ext>
     </p:extLst>
   </p:cSld>
@@ -1394,7 +1271,7 @@
             <a:fld id="{C18343ED-3762-4D46-A439-B4D407E13EF8}" type="slidenum">
               <a:rPr lang="en-US" smtClean="0"/>
               <a:pPr/>
-              <a:t>20</a:t>
+              <a:t>18</a:t>
             </a:fld>
             <a:endParaRPr lang="en-US"/>
           </a:p>
@@ -1403,7 +1280,7 @@
     </p:spTree>
     <p:extLst>
       <p:ext uri="{BB962C8B-B14F-4D97-AF65-F5344CB8AC3E}">
-        <p14:creationId xmlns:p14="http://schemas.microsoft.com/office/powerpoint/2010/main" val="1013721948"/>
+        <p14:creationId xmlns:p14="http://schemas.microsoft.com/office/powerpoint/2010/main" val="925471829"/>
       </p:ext>
     </p:extLst>
   </p:cSld>
@@ -1596,7 +1473,7 @@
             <a:fld id="{C18343ED-3762-4D46-A439-B4D407E13EF8}" type="slidenum">
               <a:rPr lang="en-US" smtClean="0"/>
               <a:pPr/>
-              <a:t>21</a:t>
+              <a:t>20</a:t>
             </a:fld>
             <a:endParaRPr lang="en-US"/>
           </a:p>
@@ -1605,7 +1482,7 @@
     </p:spTree>
     <p:extLst>
       <p:ext uri="{BB962C8B-B14F-4D97-AF65-F5344CB8AC3E}">
-        <p14:creationId xmlns:p14="http://schemas.microsoft.com/office/powerpoint/2010/main" val="4059802478"/>
+        <p14:creationId xmlns:p14="http://schemas.microsoft.com/office/powerpoint/2010/main" val="1013721948"/>
       </p:ext>
     </p:extLst>
   </p:cSld>
@@ -1798,7 +1675,7 @@
             <a:fld id="{C18343ED-3762-4D46-A439-B4D407E13EF8}" type="slidenum">
               <a:rPr lang="en-US" smtClean="0"/>
               <a:pPr/>
-              <a:t>22</a:t>
+              <a:t>21</a:t>
             </a:fld>
             <a:endParaRPr lang="en-US"/>
           </a:p>
@@ -1807,7 +1684,7 @@
     </p:spTree>
     <p:extLst>
       <p:ext uri="{BB962C8B-B14F-4D97-AF65-F5344CB8AC3E}">
-        <p14:creationId xmlns:p14="http://schemas.microsoft.com/office/powerpoint/2010/main" val="2779051556"/>
+        <p14:creationId xmlns:p14="http://schemas.microsoft.com/office/powerpoint/2010/main" val="4059802478"/>
       </p:ext>
     </p:extLst>
   </p:cSld>
@@ -2000,7 +1877,7 @@
             <a:fld id="{C18343ED-3762-4D46-A439-B4D407E13EF8}" type="slidenum">
               <a:rPr lang="en-US" smtClean="0"/>
               <a:pPr/>
-              <a:t>24</a:t>
+              <a:t>22</a:t>
             </a:fld>
             <a:endParaRPr lang="en-US"/>
           </a:p>
@@ -2009,7 +1886,7 @@
     </p:spTree>
     <p:extLst>
       <p:ext uri="{BB962C8B-B14F-4D97-AF65-F5344CB8AC3E}">
-        <p14:creationId xmlns:p14="http://schemas.microsoft.com/office/powerpoint/2010/main" val="4284277943"/>
+        <p14:creationId xmlns:p14="http://schemas.microsoft.com/office/powerpoint/2010/main" val="2779051556"/>
       </p:ext>
     </p:extLst>
   </p:cSld>
@@ -2202,7 +2079,7 @@
             <a:fld id="{C18343ED-3762-4D46-A439-B4D407E13EF8}" type="slidenum">
               <a:rPr lang="en-US" smtClean="0"/>
               <a:pPr/>
-              <a:t>25</a:t>
+              <a:t>24</a:t>
             </a:fld>
             <a:endParaRPr lang="en-US"/>
           </a:p>
@@ -2211,7 +2088,7 @@
     </p:spTree>
     <p:extLst>
       <p:ext uri="{BB962C8B-B14F-4D97-AF65-F5344CB8AC3E}">
-        <p14:creationId xmlns:p14="http://schemas.microsoft.com/office/powerpoint/2010/main" val="4049306696"/>
+        <p14:creationId xmlns:p14="http://schemas.microsoft.com/office/powerpoint/2010/main" val="4284277943"/>
       </p:ext>
     </p:extLst>
   </p:cSld>
@@ -2404,7 +2281,7 @@
             <a:fld id="{C18343ED-3762-4D46-A439-B4D407E13EF8}" type="slidenum">
               <a:rPr lang="en-US" smtClean="0"/>
               <a:pPr/>
-              <a:t>26</a:t>
+              <a:t>25</a:t>
             </a:fld>
             <a:endParaRPr lang="en-US"/>
           </a:p>
@@ -2413,7 +2290,7 @@
     </p:spTree>
     <p:extLst>
       <p:ext uri="{BB962C8B-B14F-4D97-AF65-F5344CB8AC3E}">
-        <p14:creationId xmlns:p14="http://schemas.microsoft.com/office/powerpoint/2010/main" val="2265530404"/>
+        <p14:creationId xmlns:p14="http://schemas.microsoft.com/office/powerpoint/2010/main" val="4049306696"/>
       </p:ext>
     </p:extLst>
   </p:cSld>
@@ -2606,7 +2483,7 @@
             <a:fld id="{C18343ED-3762-4D46-A439-B4D407E13EF8}" type="slidenum">
               <a:rPr lang="en-US" smtClean="0"/>
               <a:pPr/>
-              <a:t>27</a:t>
+              <a:t>26</a:t>
             </a:fld>
             <a:endParaRPr lang="en-US"/>
           </a:p>
@@ -2615,7 +2492,7 @@
     </p:spTree>
     <p:extLst>
       <p:ext uri="{BB962C8B-B14F-4D97-AF65-F5344CB8AC3E}">
-        <p14:creationId xmlns:p14="http://schemas.microsoft.com/office/powerpoint/2010/main" val="1740627314"/>
+        <p14:creationId xmlns:p14="http://schemas.microsoft.com/office/powerpoint/2010/main" val="2265530404"/>
       </p:ext>
     </p:extLst>
   </p:cSld>
@@ -2808,7 +2685,7 @@
             <a:fld id="{C18343ED-3762-4D46-A439-B4D407E13EF8}" type="slidenum">
               <a:rPr lang="en-US" smtClean="0"/>
               <a:pPr/>
-              <a:t>28</a:t>
+              <a:t>27</a:t>
             </a:fld>
             <a:endParaRPr lang="en-US"/>
           </a:p>
@@ -2817,7 +2694,7 @@
     </p:spTree>
     <p:extLst>
       <p:ext uri="{BB962C8B-B14F-4D97-AF65-F5344CB8AC3E}">
-        <p14:creationId xmlns:p14="http://schemas.microsoft.com/office/powerpoint/2010/main" val="720033712"/>
+        <p14:creationId xmlns:p14="http://schemas.microsoft.com/office/powerpoint/2010/main" val="1740627314"/>
       </p:ext>
     </p:extLst>
   </p:cSld>
@@ -3010,7 +2887,7 @@
             <a:fld id="{C18343ED-3762-4D46-A439-B4D407E13EF8}" type="slidenum">
               <a:rPr lang="en-US" smtClean="0"/>
               <a:pPr/>
-              <a:t>29</a:t>
+              <a:t>28</a:t>
             </a:fld>
             <a:endParaRPr lang="en-US"/>
           </a:p>
@@ -3019,7 +2896,7 @@
     </p:spTree>
     <p:extLst>
       <p:ext uri="{BB962C8B-B14F-4D97-AF65-F5344CB8AC3E}">
-        <p14:creationId xmlns:p14="http://schemas.microsoft.com/office/powerpoint/2010/main" val="4212036400"/>
+        <p14:creationId xmlns:p14="http://schemas.microsoft.com/office/powerpoint/2010/main" val="720033712"/>
       </p:ext>
     </p:extLst>
   </p:cSld>
@@ -3237,7 +3114,7 @@
             <a:fld id="{C18343ED-3762-4D46-A439-B4D407E13EF8}" type="slidenum">
               <a:rPr lang="en-US" smtClean="0"/>
               <a:pPr/>
-              <a:t>4</a:t>
+              <a:t>3</a:t>
             </a:fld>
             <a:endParaRPr lang="en-US"/>
           </a:p>
@@ -3246,7 +3123,7 @@
     </p:spTree>
     <p:extLst>
       <p:ext uri="{BB962C8B-B14F-4D97-AF65-F5344CB8AC3E}">
-        <p14:creationId xmlns:p14="http://schemas.microsoft.com/office/powerpoint/2010/main" val="2030585090"/>
+        <p14:creationId xmlns:p14="http://schemas.microsoft.com/office/powerpoint/2010/main" val="3003253182"/>
       </p:ext>
     </p:extLst>
   </p:cSld>
@@ -3439,7 +3316,7 @@
             <a:fld id="{C18343ED-3762-4D46-A439-B4D407E13EF8}" type="slidenum">
               <a:rPr lang="en-US" smtClean="0"/>
               <a:pPr/>
-              <a:t>30</a:t>
+              <a:t>29</a:t>
             </a:fld>
             <a:endParaRPr lang="en-US"/>
           </a:p>
@@ -3448,7 +3325,7 @@
     </p:spTree>
     <p:extLst>
       <p:ext uri="{BB962C8B-B14F-4D97-AF65-F5344CB8AC3E}">
-        <p14:creationId xmlns:p14="http://schemas.microsoft.com/office/powerpoint/2010/main" val="2757570517"/>
+        <p14:creationId xmlns:p14="http://schemas.microsoft.com/office/powerpoint/2010/main" val="4212036400"/>
       </p:ext>
     </p:extLst>
   </p:cSld>
@@ -3641,6 +3518,208 @@
             <a:fld id="{C18343ED-3762-4D46-A439-B4D407E13EF8}" type="slidenum">
               <a:rPr lang="en-US" smtClean="0"/>
               <a:pPr/>
+              <a:t>30</a:t>
+            </a:fld>
+            <a:endParaRPr lang="en-US"/>
+          </a:p>
+        </p:txBody>
+      </p:sp>
+    </p:spTree>
+    <p:extLst>
+      <p:ext uri="{BB962C8B-B14F-4D97-AF65-F5344CB8AC3E}">
+        <p14:creationId xmlns:p14="http://schemas.microsoft.com/office/powerpoint/2010/main" val="2757570517"/>
+      </p:ext>
+    </p:extLst>
+  </p:cSld>
+  <p:clrMapOvr>
+    <a:masterClrMapping/>
+  </p:clrMapOvr>
+</p:notes>
+</file>
+
+<file path=ppt/notesSlides/notesSlide22.xml><?xml version="1.0" encoding="utf-8"?>
+<p:notes xmlns:a="http://schemas.openxmlformats.org/drawingml/2006/main" xmlns:r="http://schemas.openxmlformats.org/officeDocument/2006/relationships" xmlns:p="http://schemas.openxmlformats.org/presentationml/2006/main">
+  <p:cSld>
+    <p:spTree>
+      <p:nvGrpSpPr>
+        <p:cNvPr id="1" name=""/>
+        <p:cNvGrpSpPr/>
+        <p:nvPr/>
+      </p:nvGrpSpPr>
+      <p:grpSpPr>
+        <a:xfrm>
+          <a:off x="0" y="0"/>
+          <a:ext cx="0" cy="0"/>
+          <a:chOff x="0" y="0"/>
+          <a:chExt cx="0" cy="0"/>
+        </a:xfrm>
+      </p:grpSpPr>
+      <p:sp>
+        <p:nvSpPr>
+          <p:cNvPr id="2" name="Slide Image Placeholder 1"/>
+          <p:cNvSpPr>
+            <a:spLocks noGrp="1" noRot="1" noChangeAspect="1"/>
+          </p:cNvSpPr>
+          <p:nvPr>
+            <p:ph type="sldImg"/>
+          </p:nvPr>
+        </p:nvSpPr>
+        <p:spPr/>
+      </p:sp>
+      <p:sp>
+        <p:nvSpPr>
+          <p:cNvPr id="3" name="Notes Placeholder 2"/>
+          <p:cNvSpPr>
+            <a:spLocks noGrp="1"/>
+          </p:cNvSpPr>
+          <p:nvPr>
+            <p:ph type="body" idx="1"/>
+          </p:nvPr>
+        </p:nvSpPr>
+        <p:spPr/>
+        <p:txBody>
+          <a:bodyPr/>
+          <a:lstStyle/>
+          <a:p>
+            <a:r>
+              <a:rPr lang="en-US" dirty="0">
+                <a:solidFill>
+                  <a:srgbClr val="000000"/>
+                </a:solidFill>
+                <a:latin typeface="Tahoma"/>
+                <a:ea typeface="Tahoma"/>
+                <a:cs typeface="Tahoma"/>
+              </a:rPr>
+              <a:t>PyCharm is currently one of the most used IDE for python development, It provides code analysis, a graphical debugger, an integrated unit tester, integration with version control systems (VCSes), and supports web development with Django as well as data science with Anaconda.</a:t>
+            </a:r>
+          </a:p>
+          <a:p>
+            <a:endParaRPr lang="en-US" dirty="0">
+              <a:solidFill>
+                <a:srgbClr val="000000"/>
+              </a:solidFill>
+              <a:latin typeface="Tahoma"/>
+              <a:ea typeface="Tahoma"/>
+              <a:cs typeface="Tahoma"/>
+            </a:endParaRPr>
+          </a:p>
+          <a:p>
+            <a:r>
+              <a:rPr lang="en-US" dirty="0">
+                <a:solidFill>
+                  <a:srgbClr val="000000"/>
+                </a:solidFill>
+                <a:latin typeface="Tahoma"/>
+                <a:ea typeface="Tahoma"/>
+                <a:cs typeface="Tahoma"/>
+              </a:rPr>
+              <a:t>It was created by JetBrains</a:t>
+            </a:r>
+          </a:p>
+          <a:p>
+            <a:endParaRPr lang="en-US" dirty="0">
+              <a:solidFill>
+                <a:srgbClr val="000000"/>
+              </a:solidFill>
+              <a:latin typeface="Tahoma"/>
+              <a:ea typeface="Tahoma"/>
+              <a:cs typeface="Tahoma"/>
+            </a:endParaRPr>
+          </a:p>
+          <a:p>
+            <a:r>
+              <a:rPr lang="en-US" dirty="0">
+                <a:solidFill>
+                  <a:srgbClr val="000000"/>
+                </a:solidFill>
+                <a:latin typeface="Tahoma"/>
+                <a:ea typeface="Tahoma"/>
+                <a:cs typeface="Tahoma"/>
+              </a:rPr>
+              <a:t>It is mostly popular because of many things, such as:</a:t>
+            </a:r>
+          </a:p>
+          <a:p>
+            <a:pPr marL="171450" indent="-171450">
+              <a:buFont typeface="Arial"/>
+              <a:buChar char="•"/>
+            </a:pPr>
+            <a:r>
+              <a:rPr lang="en-US" dirty="0">
+                <a:solidFill>
+                  <a:srgbClr val="000000"/>
+                </a:solidFill>
+                <a:latin typeface="Tahoma"/>
+                <a:ea typeface="Tahoma"/>
+                <a:cs typeface="Tahoma"/>
+              </a:rPr>
+              <a:t>It is considered as an intelligent code editor, fast and safe refactoring, and smart code.</a:t>
+            </a:r>
+          </a:p>
+          <a:p>
+            <a:pPr marL="171450" indent="-171450">
+              <a:buFont typeface="Arial"/>
+              <a:buChar char="•"/>
+            </a:pPr>
+            <a:r>
+              <a:rPr lang="en-US" dirty="0">
+                <a:solidFill>
+                  <a:srgbClr val="000000"/>
+                </a:solidFill>
+                <a:latin typeface="Tahoma"/>
+                <a:ea typeface="Tahoma"/>
+                <a:cs typeface="Tahoma"/>
+              </a:rPr>
+              <a:t>Features for debugging, profiling, remote development, testing the code, auto code completion, quick fixing, error detection and tools of the database.</a:t>
+            </a:r>
+          </a:p>
+          <a:p>
+            <a:pPr marL="171450" indent="-171450">
+              <a:buFont typeface="Arial"/>
+              <a:buChar char="•"/>
+            </a:pPr>
+            <a:r>
+              <a:rPr lang="en-US" dirty="0">
+                <a:solidFill>
+                  <a:srgbClr val="000000"/>
+                </a:solidFill>
+                <a:latin typeface="Tahoma"/>
+                <a:ea typeface="Tahoma"/>
+                <a:cs typeface="Tahoma"/>
+              </a:rPr>
+              <a:t>Support for Popular web technologies, web frameworks, scientific libraries and version control. </a:t>
+            </a:r>
+          </a:p>
+          <a:p>
+            <a:endParaRPr lang="en-US" dirty="0">
+              <a:solidFill>
+                <a:srgbClr val="000000"/>
+              </a:solidFill>
+              <a:latin typeface="Tahoma"/>
+              <a:ea typeface="Tahoma"/>
+              <a:cs typeface="Tahoma"/>
+            </a:endParaRPr>
+          </a:p>
+        </p:txBody>
+      </p:sp>
+      <p:sp>
+        <p:nvSpPr>
+          <p:cNvPr id="4" name="Slide Number Placeholder 3"/>
+          <p:cNvSpPr>
+            <a:spLocks noGrp="1"/>
+          </p:cNvSpPr>
+          <p:nvPr>
+            <p:ph type="sldNum" sz="quarter" idx="10"/>
+          </p:nvPr>
+        </p:nvSpPr>
+        <p:spPr/>
+        <p:txBody>
+          <a:bodyPr/>
+          <a:lstStyle/>
+          <a:p>
+            <a:fld id="{C18343ED-3762-4D46-A439-B4D407E13EF8}" type="slidenum">
+              <a:rPr lang="en-US" smtClean="0"/>
+              <a:pPr/>
               <a:t>31</a:t>
             </a:fld>
             <a:endParaRPr lang="en-US"/>
@@ -3660,7 +3739,7 @@
 </p:notes>
 </file>
 
-<file path=ppt/notesSlides/notesSlide22.xml><?xml version="1.0" encoding="utf-8"?>
+<file path=ppt/notesSlides/notesSlide23.xml><?xml version="1.0" encoding="utf-8"?>
 <p:notes xmlns:a="http://schemas.openxmlformats.org/drawingml/2006/main" xmlns:r="http://schemas.openxmlformats.org/officeDocument/2006/relationships" xmlns:p="http://schemas.openxmlformats.org/presentationml/2006/main">
   <p:cSld>
     <p:spTree>
@@ -3907,123 +3986,148 @@
           <a:lstStyle/>
           <a:p>
             <a:r>
+              <a:rPr lang="en-US" dirty="0"/>
+              <a:t>Python is dynamically-typed and garbage-collected. It supports multiple programming paradigms, including structured (particularly, procedural), object-oriented and functional programming.</a:t>
+            </a:r>
+          </a:p>
+          <a:p>
+            <a:endParaRPr lang="en-US" sz="1200" dirty="0">
+              <a:cs typeface="Calibri"/>
+            </a:endParaRPr>
+          </a:p>
+          <a:p>
+            <a:r>
               <a:rPr lang="en-US" dirty="0">
-                <a:solidFill>
-                  <a:srgbClr val="000000"/>
-                </a:solidFill>
-                <a:latin typeface="Tahoma"/>
-                <a:ea typeface="Tahoma"/>
-                <a:cs typeface="Tahoma"/>
-              </a:rPr>
-              <a:t>PyCharm is currently one of the most used IDE for python development, It provides code analysis, a graphical debugger, an integrated unit tester, integration with version control systems (VCSes), and supports web development with Django as well as data science with Anaconda.</a:t>
-            </a:r>
-          </a:p>
-          <a:p>
+                <a:cs typeface="Calibri"/>
+              </a:rPr>
+              <a:t>It was built to be as readable as possible, and is </a:t>
+            </a:r>
+            <a:r>
+              <a:rPr lang="en-US" dirty="0"/>
+              <a:t>significant indentation driven (Off-side rule).</a:t>
+            </a:r>
             <a:endParaRPr lang="en-US" dirty="0">
-              <a:solidFill>
-                <a:srgbClr val="000000"/>
-              </a:solidFill>
-              <a:latin typeface="Tahoma"/>
-              <a:ea typeface="Tahoma"/>
-              <a:cs typeface="Tahoma"/>
+              <a:cs typeface="Calibri"/>
             </a:endParaRPr>
           </a:p>
           <a:p>
-            <a:r>
-              <a:rPr lang="en-US" dirty="0">
-                <a:solidFill>
-                  <a:srgbClr val="000000"/>
-                </a:solidFill>
-                <a:latin typeface="Tahoma"/>
-                <a:ea typeface="Tahoma"/>
-                <a:cs typeface="Tahoma"/>
-              </a:rPr>
-              <a:t>It was created by JetBrains</a:t>
-            </a:r>
-          </a:p>
-          <a:p>
+            <a:pPr algn="l" rtl="0" eaLnBrk="1" hangingPunct="1"/>
+            <a:endParaRPr lang="en-US"/>
+          </a:p>
+          <a:p>
+            <a:r>
+              <a:rPr lang="en-US" dirty="0"/>
+              <a:t>The language's core philosophy is summarized in the document </a:t>
+            </a:r>
+            <a:r>
+              <a:rPr lang="en-US" i="1" dirty="0"/>
+              <a:t>The Zen of Python</a:t>
+            </a:r>
+            <a:r>
+              <a:rPr lang="en-US" dirty="0"/>
+              <a:t> (</a:t>
+            </a:r>
+            <a:r>
+              <a:rPr lang="en-US" i="1" dirty="0"/>
+              <a:t>PEP 20</a:t>
+            </a:r>
+            <a:r>
+              <a:rPr lang="en-US" dirty="0"/>
+              <a:t>), which includes aphorisms such as:</a:t>
+            </a:r>
             <a:endParaRPr lang="en-US" dirty="0">
-              <a:solidFill>
-                <a:srgbClr val="000000"/>
-              </a:solidFill>
-              <a:latin typeface="Tahoma"/>
-              <a:ea typeface="Tahoma"/>
-              <a:cs typeface="Tahoma"/>
+              <a:cs typeface="Calibri"/>
             </a:endParaRPr>
           </a:p>
           <a:p>
-            <a:r>
-              <a:rPr lang="en-US" dirty="0">
-                <a:solidFill>
-                  <a:srgbClr val="000000"/>
-                </a:solidFill>
-                <a:latin typeface="Tahoma"/>
-                <a:ea typeface="Tahoma"/>
-                <a:cs typeface="Tahoma"/>
-              </a:rPr>
-              <a:t>It is mostly popular because of many things, such as:</a:t>
-            </a:r>
-          </a:p>
-          <a:p>
-            <a:pPr marL="171450" indent="-171450">
+            <a:pPr marL="285750" indent="-285750">
               <a:buFont typeface="Arial"/>
               <a:buChar char="•"/>
             </a:pPr>
             <a:r>
-              <a:rPr lang="en-US" dirty="0">
-                <a:solidFill>
-                  <a:srgbClr val="000000"/>
-                </a:solidFill>
-                <a:latin typeface="Tahoma"/>
-                <a:ea typeface="Tahoma"/>
-                <a:cs typeface="Tahoma"/>
-              </a:rPr>
-              <a:t>It is considered as an intelligent code editor, fast and safe refactoring, and smart code.</a:t>
-            </a:r>
-          </a:p>
-          <a:p>
-            <a:pPr marL="171450" indent="-171450">
+              <a:rPr lang="en-US" dirty="0"/>
+              <a:t>Beautiful is better than ugly.</a:t>
+            </a:r>
+            <a:endParaRPr lang="en-US" dirty="0">
+              <a:cs typeface="Calibri"/>
+            </a:endParaRPr>
+          </a:p>
+          <a:p>
+            <a:pPr marL="285750" indent="-285750">
               <a:buFont typeface="Arial"/>
               <a:buChar char="•"/>
             </a:pPr>
             <a:r>
-              <a:rPr lang="en-US" dirty="0">
-                <a:solidFill>
-                  <a:srgbClr val="000000"/>
-                </a:solidFill>
-                <a:latin typeface="Tahoma"/>
-                <a:ea typeface="Tahoma"/>
-                <a:cs typeface="Tahoma"/>
-              </a:rPr>
-              <a:t>Features for debugging, profiling, remote development, testing the code, auto code completion, quick fixing, error detection and tools of the database.</a:t>
-            </a:r>
-          </a:p>
-          <a:p>
-            <a:pPr marL="171450" indent="-171450">
+              <a:rPr lang="en-US" dirty="0"/>
+              <a:t>Explicit is better than implicit.</a:t>
+            </a:r>
+            <a:endParaRPr lang="en-US" dirty="0">
+              <a:cs typeface="Calibri"/>
+            </a:endParaRPr>
+          </a:p>
+          <a:p>
+            <a:pPr marL="285750" indent="-285750">
               <a:buFont typeface="Arial"/>
               <a:buChar char="•"/>
             </a:pPr>
             <a:r>
+              <a:rPr lang="en-US" dirty="0"/>
+              <a:t>Simple is better than complex.</a:t>
+            </a:r>
+            <a:endParaRPr lang="en-US" dirty="0">
+              <a:cs typeface="Calibri"/>
+            </a:endParaRPr>
+          </a:p>
+          <a:p>
+            <a:pPr marL="285750" indent="-285750">
+              <a:buFont typeface="Arial"/>
+              <a:buChar char="•"/>
+            </a:pPr>
+            <a:r>
+              <a:rPr lang="en-US" dirty="0"/>
+              <a:t>Complex is better than complicated.</a:t>
+            </a:r>
+            <a:endParaRPr lang="en-US" dirty="0">
+              <a:cs typeface="Calibri"/>
+            </a:endParaRPr>
+          </a:p>
+          <a:p>
+            <a:pPr marL="285750" indent="-285750">
+              <a:buFont typeface="Arial"/>
+              <a:buChar char="•"/>
+            </a:pPr>
+            <a:r>
+              <a:rPr lang="en-US" dirty="0"/>
+              <a:t>Readability counts.</a:t>
+            </a:r>
+            <a:endParaRPr lang="en-US" dirty="0">
+              <a:cs typeface="Calibri"/>
+            </a:endParaRPr>
+          </a:p>
+          <a:p>
+            <a:pPr algn="l"/>
+            <a:endParaRPr lang="en-US" dirty="0">
+              <a:cs typeface="Calibri"/>
+            </a:endParaRPr>
+          </a:p>
+          <a:p>
+            <a:endParaRPr lang="en-US" u="sng"/>
+          </a:p>
+          <a:p>
+            <a:pPr algn="l" rtl="0" eaLnBrk="1" hangingPunct="1"/>
+            <a:r>
+              <a:rPr lang="en-US" u="sng" dirty="0"/>
+              <a:t>For further reading:</a:t>
+            </a:r>
+          </a:p>
+          <a:p>
+            <a:r>
               <a:rPr lang="en-US" dirty="0">
-                <a:solidFill>
-                  <a:srgbClr val="000000"/>
-                </a:solidFill>
-                <a:latin typeface="Tahoma"/>
-                <a:ea typeface="Tahoma"/>
-                <a:cs typeface="Tahoma"/>
-              </a:rPr>
-              <a:t>Support for Popular web technologies, web frameworks, scientific libraries and version control. </a:t>
-            </a:r>
-          </a:p>
-          <a:p>
-            <a:endParaRPr lang="en-US" dirty="0">
-              <a:solidFill>
-                <a:srgbClr val="000000"/>
-              </a:solidFill>
-              <a:latin typeface="Tahoma"/>
-              <a:ea typeface="Tahoma"/>
-              <a:cs typeface="Tahoma"/>
-            </a:endParaRPr>
+                <a:hlinkClick r:id="rId3"/>
+              </a:rPr>
+              <a:t>Python (programming language) - Wikipedia</a:t>
+            </a:r>
+            <a:endParaRPr lang="en-US"/>
           </a:p>
         </p:txBody>
       </p:sp>
@@ -4045,7 +4149,7 @@
             <a:fld id="{C18343ED-3762-4D46-A439-B4D407E13EF8}" type="slidenum">
               <a:rPr lang="en-US" smtClean="0"/>
               <a:pPr/>
-              <a:t>8</a:t>
+              <a:t>4</a:t>
             </a:fld>
             <a:endParaRPr lang="en-US"/>
           </a:p>
@@ -4054,7 +4158,7 @@
     </p:spTree>
     <p:extLst>
       <p:ext uri="{BB962C8B-B14F-4D97-AF65-F5344CB8AC3E}">
-        <p14:creationId xmlns:p14="http://schemas.microsoft.com/office/powerpoint/2010/main" val="3013686146"/>
+        <p14:creationId xmlns:p14="http://schemas.microsoft.com/office/powerpoint/2010/main" val="2030585090"/>
       </p:ext>
     </p:extLst>
   </p:cSld>
@@ -4247,7 +4351,7 @@
             <a:fld id="{C18343ED-3762-4D46-A439-B4D407E13EF8}" type="slidenum">
               <a:rPr lang="en-US" smtClean="0"/>
               <a:pPr/>
-              <a:t>10</a:t>
+              <a:t>8</a:t>
             </a:fld>
             <a:endParaRPr lang="en-US"/>
           </a:p>
@@ -4256,7 +4360,7 @@
     </p:spTree>
     <p:extLst>
       <p:ext uri="{BB962C8B-B14F-4D97-AF65-F5344CB8AC3E}">
-        <p14:creationId xmlns:p14="http://schemas.microsoft.com/office/powerpoint/2010/main" val="4088648762"/>
+        <p14:creationId xmlns:p14="http://schemas.microsoft.com/office/powerpoint/2010/main" val="3013686146"/>
       </p:ext>
     </p:extLst>
   </p:cSld>
@@ -4449,7 +4553,7 @@
             <a:fld id="{C18343ED-3762-4D46-A439-B4D407E13EF8}" type="slidenum">
               <a:rPr lang="en-US" smtClean="0"/>
               <a:pPr/>
-              <a:t>11</a:t>
+              <a:t>10</a:t>
             </a:fld>
             <a:endParaRPr lang="en-US"/>
           </a:p>
@@ -4458,7 +4562,7 @@
     </p:spTree>
     <p:extLst>
       <p:ext uri="{BB962C8B-B14F-4D97-AF65-F5344CB8AC3E}">
-        <p14:creationId xmlns:p14="http://schemas.microsoft.com/office/powerpoint/2010/main" val="1157867576"/>
+        <p14:creationId xmlns:p14="http://schemas.microsoft.com/office/powerpoint/2010/main" val="4088648762"/>
       </p:ext>
     </p:extLst>
   </p:cSld>
@@ -4651,7 +4755,7 @@
             <a:fld id="{C18343ED-3762-4D46-A439-B4D407E13EF8}" type="slidenum">
               <a:rPr lang="en-US" smtClean="0"/>
               <a:pPr/>
-              <a:t>12</a:t>
+              <a:t>11</a:t>
             </a:fld>
             <a:endParaRPr lang="en-US"/>
           </a:p>
@@ -4660,7 +4764,7 @@
     </p:spTree>
     <p:extLst>
       <p:ext uri="{BB962C8B-B14F-4D97-AF65-F5344CB8AC3E}">
-        <p14:creationId xmlns:p14="http://schemas.microsoft.com/office/powerpoint/2010/main" val="849729191"/>
+        <p14:creationId xmlns:p14="http://schemas.microsoft.com/office/powerpoint/2010/main" val="1157867576"/>
       </p:ext>
     </p:extLst>
   </p:cSld>
@@ -4853,7 +4957,7 @@
             <a:fld id="{C18343ED-3762-4D46-A439-B4D407E13EF8}" type="slidenum">
               <a:rPr lang="en-US" smtClean="0"/>
               <a:pPr/>
-              <a:t>13</a:t>
+              <a:t>12</a:t>
             </a:fld>
             <a:endParaRPr lang="en-US"/>
           </a:p>
@@ -4862,7 +4966,7 @@
     </p:spTree>
     <p:extLst>
       <p:ext uri="{BB962C8B-B14F-4D97-AF65-F5344CB8AC3E}">
-        <p14:creationId xmlns:p14="http://schemas.microsoft.com/office/powerpoint/2010/main" val="2779813135"/>
+        <p14:creationId xmlns:p14="http://schemas.microsoft.com/office/powerpoint/2010/main" val="849729191"/>
       </p:ext>
     </p:extLst>
   </p:cSld>
@@ -5055,7 +5159,7 @@
             <a:fld id="{C18343ED-3762-4D46-A439-B4D407E13EF8}" type="slidenum">
               <a:rPr lang="en-US" smtClean="0"/>
               <a:pPr/>
-              <a:t>15</a:t>
+              <a:t>13</a:t>
             </a:fld>
             <a:endParaRPr lang="en-US"/>
           </a:p>
@@ -5064,7 +5168,7 @@
     </p:spTree>
     <p:extLst>
       <p:ext uri="{BB962C8B-B14F-4D97-AF65-F5344CB8AC3E}">
-        <p14:creationId xmlns:p14="http://schemas.microsoft.com/office/powerpoint/2010/main" val="809154506"/>
+        <p14:creationId xmlns:p14="http://schemas.microsoft.com/office/powerpoint/2010/main" val="2779813135"/>
       </p:ext>
     </p:extLst>
   </p:cSld>
@@ -5257,7 +5361,7 @@
             <a:fld id="{C18343ED-3762-4D46-A439-B4D407E13EF8}" type="slidenum">
               <a:rPr lang="en-US" smtClean="0"/>
               <a:pPr/>
-              <a:t>16</a:t>
+              <a:t>15</a:t>
             </a:fld>
             <a:endParaRPr lang="en-US"/>
           </a:p>
@@ -5266,7 +5370,7 @@
     </p:spTree>
     <p:extLst>
       <p:ext uri="{BB962C8B-B14F-4D97-AF65-F5344CB8AC3E}">
-        <p14:creationId xmlns:p14="http://schemas.microsoft.com/office/powerpoint/2010/main" val="89710469"/>
+        <p14:creationId xmlns:p14="http://schemas.microsoft.com/office/powerpoint/2010/main" val="809154506"/>
       </p:ext>
     </p:extLst>
   </p:cSld>
@@ -5909,298 +6013,6 @@
 </file>
 
 <file path=ppt/slideLayouts/slideLayout12.xml><?xml version="1.0" encoding="utf-8"?>
-<p:sldLayout xmlns:a="http://schemas.openxmlformats.org/drawingml/2006/main" xmlns:r="http://schemas.openxmlformats.org/officeDocument/2006/relationships" xmlns:p="http://schemas.openxmlformats.org/presentationml/2006/main" userDrawn="1">
-  <p:cSld name="1_Title Slide">
-    <p:spTree>
-      <p:nvGrpSpPr>
-        <p:cNvPr id="1" name=""/>
-        <p:cNvGrpSpPr/>
-        <p:nvPr/>
-      </p:nvGrpSpPr>
-      <p:grpSpPr>
-        <a:xfrm>
-          <a:off x="0" y="0"/>
-          <a:ext cx="0" cy="0"/>
-          <a:chOff x="0" y="0"/>
-          <a:chExt cx="0" cy="0"/>
-        </a:xfrm>
-      </p:grpSpPr>
-      <p:sp>
-        <p:nvSpPr>
-          <p:cNvPr id="2" name="Title 1"/>
-          <p:cNvSpPr>
-            <a:spLocks noGrp="1"/>
-          </p:cNvSpPr>
-          <p:nvPr>
-            <p:ph type="ctrTitle"/>
-          </p:nvPr>
-        </p:nvSpPr>
-        <p:spPr>
-          <a:xfrm>
-            <a:off x="774049" y="1340768"/>
-            <a:ext cx="9850763" cy="1085850"/>
-          </a:xfrm>
-        </p:spPr>
-        <p:txBody>
-          <a:bodyPr vert="horz" lIns="0" tIns="45720" rIns="91440" bIns="45720" rtlCol="0" anchor="t" anchorCtr="0">
-            <a:normAutofit/>
-          </a:bodyPr>
-          <a:lstStyle>
-            <a:lvl1pPr>
-              <a:defRPr lang="en-US" sz="3200" dirty="0">
-                <a:ln w="3175">
-                  <a:noFill/>
-                </a:ln>
-              </a:defRPr>
-            </a:lvl1pPr>
-          </a:lstStyle>
-          <a:p>
-            <a:pPr lvl="0"/>
-            <a:r>
-              <a:rPr lang="en-US"/>
-              <a:t>Click to edit Master title style</a:t>
-            </a:r>
-          </a:p>
-        </p:txBody>
-      </p:sp>
-      <p:sp>
-        <p:nvSpPr>
-          <p:cNvPr id="11" name="TextBox 10"/>
-          <p:cNvSpPr txBox="1"/>
-          <p:nvPr userDrawn="1"/>
-        </p:nvSpPr>
-        <p:spPr>
-          <a:xfrm>
-            <a:off x="774050" y="6362070"/>
-            <a:ext cx="10506527" cy="261610"/>
-          </a:xfrm>
-          <a:prstGeom prst="rect">
-            <a:avLst/>
-          </a:prstGeom>
-          <a:noFill/>
-        </p:spPr>
-        <p:txBody>
-          <a:bodyPr wrap="square" lIns="0" rtlCol="0">
-            <a:spAutoFit/>
-          </a:bodyPr>
-          <a:lstStyle/>
-          <a:p>
-            <a:pPr algn="l"/>
-            <a:r>
-              <a:rPr lang="en-US" sz="1100" kern="1200">
-                <a:solidFill>
-                  <a:schemeClr val="tx1">
-                    <a:lumMod val="85000"/>
-                    <a:lumOff val="15000"/>
-                  </a:schemeClr>
-                </a:solidFill>
-                <a:latin typeface="Segoe" panose="020B0502040504020203" pitchFamily="34" charset="0"/>
-                <a:ea typeface="+mn-ea"/>
-                <a:cs typeface="+mn-cs"/>
-              </a:rPr>
-              <a:t>Copyright © SELA Software &amp; Education Labs, Ltd. | 14-18 Baruch Hirsch St., </a:t>
-            </a:r>
-            <a:r>
-              <a:rPr lang="en-US" sz="1100" kern="1200" err="1">
-                <a:solidFill>
-                  <a:schemeClr val="tx1">
-                    <a:lumMod val="85000"/>
-                    <a:lumOff val="15000"/>
-                  </a:schemeClr>
-                </a:solidFill>
-                <a:latin typeface="Segoe" panose="020B0502040504020203" pitchFamily="34" charset="0"/>
-                <a:ea typeface="+mn-ea"/>
-                <a:cs typeface="+mn-cs"/>
-              </a:rPr>
-              <a:t>Bnei</a:t>
-            </a:r>
-            <a:r>
-              <a:rPr lang="en-US" sz="1100" kern="1200">
-                <a:solidFill>
-                  <a:schemeClr val="tx1">
-                    <a:lumMod val="85000"/>
-                    <a:lumOff val="15000"/>
-                  </a:schemeClr>
-                </a:solidFill>
-                <a:latin typeface="Segoe" panose="020B0502040504020203" pitchFamily="34" charset="0"/>
-                <a:ea typeface="+mn-ea"/>
-                <a:cs typeface="+mn-cs"/>
-              </a:rPr>
-              <a:t> </a:t>
-            </a:r>
-            <a:r>
-              <a:rPr lang="en-US" sz="1100" kern="1200" err="1">
-                <a:solidFill>
-                  <a:schemeClr val="tx1">
-                    <a:lumMod val="85000"/>
-                    <a:lumOff val="15000"/>
-                  </a:schemeClr>
-                </a:solidFill>
-                <a:latin typeface="Segoe" panose="020B0502040504020203" pitchFamily="34" charset="0"/>
-                <a:ea typeface="+mn-ea"/>
-                <a:cs typeface="+mn-cs"/>
-              </a:rPr>
-              <a:t>Brak</a:t>
-            </a:r>
-            <a:r>
-              <a:rPr lang="en-US" sz="1100" kern="1200">
-                <a:solidFill>
-                  <a:schemeClr val="tx1">
-                    <a:lumMod val="85000"/>
-                    <a:lumOff val="15000"/>
-                  </a:schemeClr>
-                </a:solidFill>
-                <a:latin typeface="Segoe" panose="020B0502040504020203" pitchFamily="34" charset="0"/>
-                <a:ea typeface="+mn-ea"/>
-                <a:cs typeface="+mn-cs"/>
-              </a:rPr>
-              <a:t> 51202, Israel | www.selagroup.com</a:t>
-            </a:r>
-            <a:endParaRPr lang="en-US" sz="800">
-              <a:solidFill>
-                <a:schemeClr val="tx1">
-                  <a:lumMod val="85000"/>
-                  <a:lumOff val="15000"/>
-                </a:schemeClr>
-              </a:solidFill>
-              <a:latin typeface="Segoe" panose="020B0502040504020203" pitchFamily="34" charset="0"/>
-            </a:endParaRPr>
-          </a:p>
-        </p:txBody>
-      </p:sp>
-      <p:pic>
-        <p:nvPicPr>
-          <p:cNvPr id="13" name="Picture 12"/>
-          <p:cNvPicPr>
-            <a:picLocks noChangeAspect="1"/>
-          </p:cNvPicPr>
-          <p:nvPr userDrawn="1"/>
-        </p:nvPicPr>
-        <p:blipFill>
-          <a:blip r:embed="rId2" cstate="print">
-            <a:extLst>
-              <a:ext uri="{28A0092B-C50C-407E-A947-70E740481C1C}">
-                <a14:useLocalDpi xmlns:a14="http://schemas.microsoft.com/office/drawing/2010/main" val="0"/>
-              </a:ext>
-            </a:extLst>
-          </a:blip>
-          <a:stretch>
-            <a:fillRect/>
-          </a:stretch>
-        </p:blipFill>
-        <p:spPr>
-          <a:xfrm>
-            <a:off x="774050" y="534798"/>
-            <a:ext cx="3509932" cy="483907"/>
-          </a:xfrm>
-          <a:prstGeom prst="rect">
-            <a:avLst/>
-          </a:prstGeom>
-        </p:spPr>
-      </p:pic>
-      <p:sp>
-        <p:nvSpPr>
-          <p:cNvPr id="7" name="Text Placeholder 6"/>
-          <p:cNvSpPr>
-            <a:spLocks noGrp="1"/>
-          </p:cNvSpPr>
-          <p:nvPr>
-            <p:ph type="body" sz="quarter" idx="10"/>
-          </p:nvPr>
-        </p:nvSpPr>
-        <p:spPr>
-          <a:xfrm>
-            <a:off x="774701" y="2427289"/>
-            <a:ext cx="9850967" cy="1362075"/>
-          </a:xfrm>
-          <a:prstGeom prst="rect">
-            <a:avLst/>
-          </a:prstGeom>
-        </p:spPr>
-        <p:txBody>
-          <a:bodyPr/>
-          <a:lstStyle>
-            <a:lvl1pPr marL="0" marR="0" indent="0" algn="l" defTabSz="914400" rtl="0" eaLnBrk="1" fontAlgn="auto" latinLnBrk="0" hangingPunct="1">
-              <a:lnSpc>
-                <a:spcPct val="100000"/>
-              </a:lnSpc>
-              <a:spcBef>
-                <a:spcPct val="20000"/>
-              </a:spcBef>
-              <a:spcAft>
-                <a:spcPts val="0"/>
-              </a:spcAft>
-              <a:buClrTx/>
-              <a:buSzTx/>
-              <a:buFontTx/>
-              <a:buNone/>
-              <a:tabLst/>
-              <a:defRPr>
-                <a:solidFill>
-                  <a:srgbClr val="E89636"/>
-                </a:solidFill>
-              </a:defRPr>
-            </a:lvl1pPr>
-            <a:lvl2pPr marL="457200" indent="0" algn="l" rtl="0">
-              <a:buFontTx/>
-              <a:buNone/>
-              <a:defRPr/>
-            </a:lvl2pPr>
-            <a:lvl3pPr marL="914400" indent="0" algn="l" rtl="0">
-              <a:buFontTx/>
-              <a:buNone/>
-              <a:defRPr/>
-            </a:lvl3pPr>
-            <a:lvl4pPr marL="1371600" indent="0" algn="l" rtl="0">
-              <a:buFontTx/>
-              <a:buNone/>
-              <a:defRPr/>
-            </a:lvl4pPr>
-            <a:lvl5pPr marL="1828800" indent="0" algn="l" rtl="0">
-              <a:buFontTx/>
-              <a:buNone/>
-              <a:defRPr/>
-            </a:lvl5pPr>
-          </a:lstStyle>
-          <a:p>
-            <a:pPr lvl="0"/>
-            <a:r>
-              <a:rPr lang="en-US"/>
-              <a:t>Click to edit Master text styles</a:t>
-            </a:r>
-          </a:p>
-        </p:txBody>
-      </p:sp>
-    </p:spTree>
-    <p:extLst>
-      <p:ext uri="{BB962C8B-B14F-4D97-AF65-F5344CB8AC3E}">
-        <p14:creationId xmlns:p14="http://schemas.microsoft.com/office/powerpoint/2010/main" val="2797336940"/>
-      </p:ext>
-    </p:extLst>
-  </p:cSld>
-  <p:clrMapOvr>
-    <a:masterClrMapping/>
-  </p:clrMapOvr>
-  <p:extLst>
-    <p:ext uri="{DCECCB84-F9BA-43D5-87BE-67443E8EF086}">
-      <p15:sldGuideLst xmlns:p15="http://schemas.microsoft.com/office/powerpoint/2012/main">
-        <p15:guide id="1" orient="horz" pos="789">
-          <p15:clr>
-            <a:srgbClr val="FBAE40"/>
-          </p15:clr>
-        </p15:guide>
-        <p15:guide id="2" pos="612">
-          <p15:clr>
-            <a:srgbClr val="FBAE40"/>
-          </p15:clr>
-        </p15:guide>
-      </p15:sldGuideLst>
-    </p:ext>
-  </p:extLst>
-</p:sldLayout>
-</file>
-
-<file path=ppt/slideLayouts/slideLayout13.xml><?xml version="1.0" encoding="utf-8"?>
 <p:sldLayout xmlns:a="http://schemas.openxmlformats.org/drawingml/2006/main" xmlns:r="http://schemas.openxmlformats.org/officeDocument/2006/relationships" xmlns:p="http://schemas.openxmlformats.org/presentationml/2006/main" userDrawn="1">
   <p:cSld name="Demo Page">
     <p:spTree>
@@ -6717,7 +6529,7 @@
 </p:sldLayout>
 </file>
 
-<file path=ppt/slideLayouts/slideLayout14.xml><?xml version="1.0" encoding="utf-8"?>
+<file path=ppt/slideLayouts/slideLayout13.xml><?xml version="1.0" encoding="utf-8"?>
 <p:sldLayout xmlns:a="http://schemas.openxmlformats.org/drawingml/2006/main" xmlns:r="http://schemas.openxmlformats.org/officeDocument/2006/relationships" xmlns:p="http://schemas.openxmlformats.org/presentationml/2006/main" userDrawn="1">
   <p:cSld name="Lab">
     <p:spTree>
@@ -7234,7 +7046,7 @@
 </p:sldLayout>
 </file>
 
-<file path=ppt/slideLayouts/slideLayout15.xml><?xml version="1.0" encoding="utf-8"?>
+<file path=ppt/slideLayouts/slideLayout14.xml><?xml version="1.0" encoding="utf-8"?>
 <p:sldLayout xmlns:a="http://schemas.openxmlformats.org/drawingml/2006/main" xmlns:r="http://schemas.openxmlformats.org/officeDocument/2006/relationships" xmlns:p="http://schemas.openxmlformats.org/presentationml/2006/main" userDrawn="1">
   <p:cSld name="Questions">
     <p:spTree>
@@ -7715,7 +7527,7 @@
 </p:sldLayout>
 </file>
 
-<file path=ppt/slideLayouts/slideLayout16.xml><?xml version="1.0" encoding="utf-8"?>
+<file path=ppt/slideLayouts/slideLayout15.xml><?xml version="1.0" encoding="utf-8"?>
 <p:sldLayout xmlns:a="http://schemas.openxmlformats.org/drawingml/2006/main" xmlns:r="http://schemas.openxmlformats.org/officeDocument/2006/relationships" xmlns:p="http://schemas.openxmlformats.org/presentationml/2006/main" userDrawn="1">
   <p:cSld name="ModuleAgenda">
     <p:spTree>
@@ -7842,6 +7654,63 @@
 </p:sldLayout>
 </file>
 
+<file path=ppt/slideLayouts/slideLayout16.xml><?xml version="1.0" encoding="utf-8"?>
+<p:sldLayout xmlns:a="http://schemas.openxmlformats.org/drawingml/2006/main" xmlns:r="http://schemas.openxmlformats.org/officeDocument/2006/relationships" xmlns:p="http://schemas.openxmlformats.org/presentationml/2006/main" matchingName="6_Title Slide">
+  <p:cSld name="6_Title Slide">
+    <p:spTree>
+      <p:nvGrpSpPr>
+        <p:cNvPr id="1" name="Shape 16"/>
+        <p:cNvGrpSpPr/>
+        <p:nvPr/>
+      </p:nvGrpSpPr>
+      <p:grpSpPr>
+        <a:xfrm>
+          <a:off x="0" y="0"/>
+          <a:ext cx="0" cy="0"/>
+          <a:chOff x="0" y="0"/>
+          <a:chExt cx="0" cy="0"/>
+        </a:xfrm>
+      </p:grpSpPr>
+      <p:pic>
+        <p:nvPicPr>
+          <p:cNvPr id="17" name="Google Shape;17;p10"/>
+          <p:cNvPicPr preferRelativeResize="0"/>
+          <p:nvPr/>
+        </p:nvPicPr>
+        <p:blipFill rotWithShape="1">
+          <a:blip r:embed="rId2">
+            <a:alphaModFix/>
+          </a:blip>
+          <a:srcRect/>
+          <a:stretch/>
+        </p:blipFill>
+        <p:spPr>
+          <a:xfrm>
+            <a:off x="10668000" y="5981612"/>
+            <a:ext cx="1246029" cy="511263"/>
+          </a:xfrm>
+          <a:prstGeom prst="rect">
+            <a:avLst/>
+          </a:prstGeom>
+          <a:noFill/>
+          <a:ln>
+            <a:noFill/>
+          </a:ln>
+        </p:spPr>
+      </p:pic>
+    </p:spTree>
+    <p:extLst>
+      <p:ext uri="{BB962C8B-B14F-4D97-AF65-F5344CB8AC3E}">
+        <p14:creationId xmlns:p14="http://schemas.microsoft.com/office/powerpoint/2010/main" val="111713893"/>
+      </p:ext>
+    </p:extLst>
+  </p:cSld>
+  <p:clrMapOvr>
+    <a:masterClrMapping/>
+  </p:clrMapOvr>
+</p:sldLayout>
+</file>
+
 <file path=ppt/slideLayouts/slideLayout2.xml><?xml version="1.0" encoding="utf-8"?>
 <p:sldLayout xmlns:a="http://schemas.openxmlformats.org/drawingml/2006/main" xmlns:r="http://schemas.openxmlformats.org/officeDocument/2006/relationships" xmlns:p="http://schemas.openxmlformats.org/presentationml/2006/main" type="obj" preserve="1">
   <p:cSld name="Title and Content">
@@ -10144,11 +10013,11 @@
     <p:sldLayoutId id="2147483657" r:id="rId9"/>
     <p:sldLayoutId id="2147483658" r:id="rId10"/>
     <p:sldLayoutId id="2147483659" r:id="rId11"/>
-    <p:sldLayoutId id="2147483660" r:id="rId12"/>
-    <p:sldLayoutId id="2147483665" r:id="rId13"/>
-    <p:sldLayoutId id="2147483667" r:id="rId14"/>
-    <p:sldLayoutId id="2147483670" r:id="rId15"/>
-    <p:sldLayoutId id="2147483671" r:id="rId16"/>
+    <p:sldLayoutId id="2147483665" r:id="rId12"/>
+    <p:sldLayoutId id="2147483667" r:id="rId13"/>
+    <p:sldLayoutId id="2147483670" r:id="rId14"/>
+    <p:sldLayoutId id="2147483671" r:id="rId15"/>
+    <p:sldLayoutId id="2147483672" r:id="rId16"/>
   </p:sldLayoutIdLst>
   <p:txStyles>
     <p:titleStyle>
@@ -10438,7 +10307,7 @@
   <p:cSld>
     <p:spTree>
       <p:nvGrpSpPr>
-        <p:cNvPr id="1" name=""/>
+        <p:cNvPr id="1" name="Shape 161"/>
         <p:cNvGrpSpPr/>
         <p:nvPr/>
       </p:nvGrpSpPr>
@@ -10452,50 +10321,501 @@
       </p:grpSpPr>
       <p:sp>
         <p:nvSpPr>
-          <p:cNvPr id="2" name="Title 1"/>
-          <p:cNvSpPr>
-            <a:spLocks noGrp="1"/>
-          </p:cNvSpPr>
-          <p:nvPr>
-            <p:ph type="ctrTitle"/>
-          </p:nvPr>
+          <p:cNvPr id="162" name="Google Shape;162;p3"/>
+          <p:cNvSpPr/>
+          <p:nvPr/>
         </p:nvSpPr>
         <p:spPr>
           <a:xfrm>
-            <a:off x="2135560" y="1700808"/>
-            <a:ext cx="7388072" cy="1085850"/>
+            <a:off x="753215" y="731221"/>
+            <a:ext cx="1852408" cy="1804715"/>
           </a:xfrm>
+          <a:prstGeom prst="rect">
+            <a:avLst/>
+          </a:prstGeom>
+          <a:noFill/>
+          <a:ln w="114300" cap="flat" cmpd="sng">
+            <a:solidFill>
+              <a:srgbClr val="0071F6"/>
+            </a:solidFill>
+            <a:prstDash val="solid"/>
+            <a:miter lim="800000"/>
+            <a:headEnd type="none" w="sm" len="sm"/>
+            <a:tailEnd type="none" w="sm" len="sm"/>
+          </a:ln>
         </p:spPr>
         <p:txBody>
-          <a:bodyPr>
-            <a:normAutofit/>
+          <a:bodyPr spcFirstLastPara="1" wrap="square" lIns="91425" tIns="45700" rIns="91425" bIns="45700" anchor="ctr" anchorCtr="0">
+            <a:noAutofit/>
           </a:bodyPr>
           <a:lstStyle/>
           <a:p>
-            <a:r>
-              <a:rPr lang="en-US" dirty="0"/>
-              <a:t>Module 03 – Exception handling</a:t>
-            </a:r>
-            <a:endParaRPr lang="he-IL" dirty="0"/>
+            <a:pPr marL="0" marR="0" lvl="0" indent="0" algn="ctr" rtl="0">
+              <a:spcBef>
+                <a:spcPts val="0"/>
+              </a:spcBef>
+              <a:spcAft>
+                <a:spcPts val="0"/>
+              </a:spcAft>
+              <a:buNone/>
+            </a:pPr>
+            <a:endParaRPr sz="10000" b="0" i="0" u="none" strike="noStrike" cap="none">
+              <a:solidFill>
+                <a:schemeClr val="lt1"/>
+              </a:solidFill>
+              <a:latin typeface="Calibri"/>
+              <a:ea typeface="Calibri"/>
+              <a:cs typeface="Calibri"/>
+              <a:sym typeface="Calibri"/>
+            </a:endParaRPr>
           </a:p>
         </p:txBody>
       </p:sp>
+      <p:sp>
+        <p:nvSpPr>
+          <p:cNvPr id="163" name="Google Shape;163;p3"/>
+          <p:cNvSpPr/>
+          <p:nvPr/>
+        </p:nvSpPr>
+        <p:spPr>
+          <a:xfrm>
+            <a:off x="1024128" y="974550"/>
+            <a:ext cx="1938528" cy="1220010"/>
+          </a:xfrm>
+          <a:prstGeom prst="rect">
+            <a:avLst/>
+          </a:prstGeom>
+          <a:solidFill>
+            <a:schemeClr val="lt1"/>
+          </a:solidFill>
+          <a:ln>
+            <a:noFill/>
+          </a:ln>
+        </p:spPr>
+        <p:txBody>
+          <a:bodyPr spcFirstLastPara="1" wrap="square" lIns="91425" tIns="45700" rIns="91425" bIns="45700" anchor="ctr" anchorCtr="0">
+            <a:noAutofit/>
+          </a:bodyPr>
+          <a:lstStyle/>
+          <a:p>
+            <a:pPr marL="0" marR="0" lvl="0" indent="0" algn="ctr" rtl="0">
+              <a:spcBef>
+                <a:spcPts val="0"/>
+              </a:spcBef>
+              <a:spcAft>
+                <a:spcPts val="0"/>
+              </a:spcAft>
+              <a:buNone/>
+            </a:pPr>
+            <a:endParaRPr sz="1800" b="0" i="0" u="none" strike="noStrike" cap="none">
+              <a:solidFill>
+                <a:schemeClr val="lt1"/>
+              </a:solidFill>
+              <a:latin typeface="Calibri"/>
+              <a:ea typeface="Calibri"/>
+              <a:cs typeface="Calibri"/>
+              <a:sym typeface="Calibri"/>
+            </a:endParaRPr>
+          </a:p>
+        </p:txBody>
+      </p:sp>
+      <p:sp>
+        <p:nvSpPr>
+          <p:cNvPr id="164" name="Google Shape;164;p3"/>
+          <p:cNvSpPr txBox="1"/>
+          <p:nvPr/>
+        </p:nvSpPr>
+        <p:spPr>
+          <a:xfrm>
+            <a:off x="1197504" y="1264978"/>
+            <a:ext cx="10094892" cy="696987"/>
+          </a:xfrm>
+          <a:prstGeom prst="rect">
+            <a:avLst/>
+          </a:prstGeom>
+          <a:noFill/>
+          <a:ln>
+            <a:noFill/>
+          </a:ln>
+        </p:spPr>
+        <p:txBody>
+          <a:bodyPr spcFirstLastPara="1" wrap="square" lIns="0" tIns="0" rIns="0" bIns="0" anchor="t" anchorCtr="0">
+            <a:noAutofit/>
+          </a:bodyPr>
+          <a:lstStyle/>
+          <a:p>
+            <a:pPr marL="0" marR="0" lvl="0" indent="0" algn="l" rtl="0">
+              <a:lnSpc>
+                <a:spcPct val="90000"/>
+              </a:lnSpc>
+              <a:spcBef>
+                <a:spcPts val="0"/>
+              </a:spcBef>
+              <a:spcAft>
+                <a:spcPts val="0"/>
+              </a:spcAft>
+              <a:buClr>
+                <a:schemeClr val="dk1"/>
+              </a:buClr>
+              <a:buSzPts val="5000"/>
+              <a:buFont typeface="Lexend"/>
+              <a:buNone/>
+            </a:pPr>
+            <a:r>
+              <a:rPr lang="en-US" sz="5400" b="1" dirty="0">
+                <a:latin typeface="Lexend" panose="020B0604020202020204"/>
+              </a:rPr>
+              <a:t>Module 03 – Exception handling</a:t>
+            </a:r>
+            <a:endParaRPr lang="en-US" sz="5400" b="1" i="0" u="none" strike="noStrike" cap="none" dirty="0">
+              <a:solidFill>
+                <a:schemeClr val="tx2">
+                  <a:lumMod val="25000"/>
+                </a:schemeClr>
+              </a:solidFill>
+              <a:latin typeface="Lexend" panose="020B0604020202020204"/>
+              <a:ea typeface="Lexend" panose="020B0604020202020204"/>
+              <a:cs typeface="Lexend" panose="020B0604020202020204"/>
+              <a:sym typeface="Lexend"/>
+            </a:endParaRPr>
+          </a:p>
+        </p:txBody>
+      </p:sp>
+      <p:grpSp>
+        <p:nvGrpSpPr>
+          <p:cNvPr id="26" name="Group 25">
+            <a:extLst>
+              <a:ext uri="{FF2B5EF4-FFF2-40B4-BE49-F238E27FC236}">
+                <a16:creationId xmlns:a16="http://schemas.microsoft.com/office/drawing/2014/main" id="{3707614E-B472-D72F-3362-F3D5800A79AE}"/>
+              </a:ext>
+            </a:extLst>
+          </p:cNvPr>
+          <p:cNvGrpSpPr/>
+          <p:nvPr/>
+        </p:nvGrpSpPr>
+        <p:grpSpPr>
+          <a:xfrm>
+            <a:off x="4768981" y="6314787"/>
+            <a:ext cx="2898939" cy="435065"/>
+            <a:chOff x="4346126" y="6301065"/>
+            <a:chExt cx="2898939" cy="435065"/>
+          </a:xfrm>
+        </p:grpSpPr>
+        <p:sp>
+          <p:nvSpPr>
+            <p:cNvPr id="27" name="Google Shape;157;p2">
+              <a:extLst>
+                <a:ext uri="{FF2B5EF4-FFF2-40B4-BE49-F238E27FC236}">
+                  <a16:creationId xmlns:a16="http://schemas.microsoft.com/office/drawing/2014/main" id="{4EA5EBB7-68D9-5C27-8971-C58931043AB0}"/>
+                </a:ext>
+              </a:extLst>
+            </p:cNvPr>
+            <p:cNvSpPr txBox="1"/>
+            <p:nvPr/>
+          </p:nvSpPr>
+          <p:spPr>
+            <a:xfrm>
+              <a:off x="4346126" y="6301065"/>
+              <a:ext cx="2898939" cy="260080"/>
+            </a:xfrm>
+            <a:prstGeom prst="rect">
+              <a:avLst/>
+            </a:prstGeom>
+            <a:noFill/>
+            <a:ln>
+              <a:noFill/>
+            </a:ln>
+          </p:spPr>
+          <p:txBody>
+            <a:bodyPr spcFirstLastPara="1" wrap="square" lIns="91425" tIns="45700" rIns="91425" bIns="45700" anchor="t" anchorCtr="0">
+              <a:noAutofit/>
+            </a:bodyPr>
+            <a:lstStyle/>
+            <a:p>
+              <a:pPr marL="0" marR="0" lvl="0" indent="0" algn="ctr" rtl="0">
+                <a:lnSpc>
+                  <a:spcPct val="90000"/>
+                </a:lnSpc>
+                <a:spcBef>
+                  <a:spcPts val="0"/>
+                </a:spcBef>
+                <a:spcAft>
+                  <a:spcPts val="0"/>
+                </a:spcAft>
+                <a:buClr>
+                  <a:schemeClr val="lt1"/>
+                </a:buClr>
+                <a:buSzPts val="4000"/>
+                <a:buFont typeface="Lexend"/>
+                <a:buNone/>
+              </a:pPr>
+              <a:r>
+                <a:rPr lang="en-US" sz="1100" b="1" i="0" u="none" strike="noStrike" cap="none" dirty="0">
+                  <a:solidFill>
+                    <a:srgbClr val="00DBE9"/>
+                  </a:solidFill>
+                  <a:latin typeface="+mn-lt"/>
+                  <a:ea typeface="Lexend"/>
+                  <a:cs typeface="+mn-cs"/>
+                  <a:sym typeface="Lexend"/>
+                  <a:hlinkClick r:id="rId3">
+                    <a:extLst>
+                      <a:ext uri="{A12FA001-AC4F-418D-AE19-62706E023703}">
+                        <ahyp:hlinkClr xmlns:ahyp="http://schemas.microsoft.com/office/drawing/2018/hyperlinkcolor" val="tx"/>
+                      </a:ext>
+                    </a:extLst>
+                  </a:hlinkClick>
+                </a:rPr>
+                <a:t>WWW.SELACLOUD.COM</a:t>
+              </a:r>
+              <a:endParaRPr sz="1100" dirty="0">
+                <a:solidFill>
+                  <a:srgbClr val="00DBE9"/>
+                </a:solidFill>
+                <a:latin typeface="+mn-lt"/>
+                <a:cs typeface="+mn-cs"/>
+              </a:endParaRPr>
+            </a:p>
+            <a:p>
+              <a:pPr marL="0" marR="0" lvl="0" indent="0" algn="ctr" rtl="0">
+                <a:lnSpc>
+                  <a:spcPct val="90000"/>
+                </a:lnSpc>
+                <a:spcBef>
+                  <a:spcPts val="0"/>
+                </a:spcBef>
+                <a:spcAft>
+                  <a:spcPts val="0"/>
+                </a:spcAft>
+                <a:buClr>
+                  <a:schemeClr val="lt1"/>
+                </a:buClr>
+                <a:buSzPts val="4000"/>
+                <a:buFont typeface="Noto Sans Hebrew"/>
+                <a:buNone/>
+              </a:pPr>
+              <a:endParaRPr sz="1100" b="1" i="0" u="none" strike="noStrike" cap="none" dirty="0">
+                <a:solidFill>
+                  <a:srgbClr val="00DBE9"/>
+                </a:solidFill>
+                <a:latin typeface="Lexend Light" pitchFamily="2" charset="0"/>
+                <a:ea typeface="Lexend"/>
+                <a:cs typeface="Lexend"/>
+                <a:sym typeface="Lexend"/>
+              </a:endParaRPr>
+            </a:p>
+          </p:txBody>
+        </p:sp>
+        <p:grpSp>
+          <p:nvGrpSpPr>
+            <p:cNvPr id="28" name="Group 27">
+              <a:extLst>
+                <a:ext uri="{FF2B5EF4-FFF2-40B4-BE49-F238E27FC236}">
+                  <a16:creationId xmlns:a16="http://schemas.microsoft.com/office/drawing/2014/main" id="{60FDA890-33F8-40FC-59E2-9BD7B4CF4B60}"/>
+                </a:ext>
+              </a:extLst>
+            </p:cNvPr>
+            <p:cNvGrpSpPr/>
+            <p:nvPr/>
+          </p:nvGrpSpPr>
+          <p:grpSpPr>
+            <a:xfrm>
+              <a:off x="5196988" y="6503312"/>
+              <a:ext cx="1188416" cy="232818"/>
+              <a:chOff x="5196988" y="6503312"/>
+              <a:chExt cx="1188416" cy="232818"/>
+            </a:xfrm>
+          </p:grpSpPr>
+          <p:pic>
+            <p:nvPicPr>
+              <p:cNvPr id="29" name="Picture 28" descr="Icon&#10;&#10;Description automatically generated">
+                <a:hlinkClick r:id="rId4"/>
+                <a:extLst>
+                  <a:ext uri="{FF2B5EF4-FFF2-40B4-BE49-F238E27FC236}">
+                    <a16:creationId xmlns:a16="http://schemas.microsoft.com/office/drawing/2014/main" id="{64501E28-0CD7-BEAB-240F-3FE7691367B8}"/>
+                  </a:ext>
+                </a:extLst>
+              </p:cNvPr>
+              <p:cNvPicPr>
+                <a:picLocks noChangeAspect="1"/>
+              </p:cNvPicPr>
+              <p:nvPr/>
+            </p:nvPicPr>
+            <p:blipFill>
+              <a:blip r:embed="rId5"/>
+              <a:stretch>
+                <a:fillRect/>
+              </a:stretch>
+            </p:blipFill>
+            <p:spPr>
+              <a:xfrm>
+                <a:off x="5407162" y="6503312"/>
+                <a:ext cx="338919" cy="232817"/>
+              </a:xfrm>
+              <a:prstGeom prst="rect">
+                <a:avLst/>
+              </a:prstGeom>
+            </p:spPr>
+          </p:pic>
+          <p:pic>
+            <p:nvPicPr>
+              <p:cNvPr id="30" name="Picture 29" descr="Logo, icon&#10;&#10;Description automatically generated">
+                <a:hlinkClick r:id="rId6"/>
+                <a:extLst>
+                  <a:ext uri="{FF2B5EF4-FFF2-40B4-BE49-F238E27FC236}">
+                    <a16:creationId xmlns:a16="http://schemas.microsoft.com/office/drawing/2014/main" id="{4D899894-16A2-81DC-1AC3-0E3C481677CD}"/>
+                  </a:ext>
+                </a:extLst>
+              </p:cNvPr>
+              <p:cNvPicPr>
+                <a:picLocks noChangeAspect="1"/>
+              </p:cNvPicPr>
+              <p:nvPr/>
+            </p:nvPicPr>
+            <p:blipFill>
+              <a:blip r:embed="rId7"/>
+              <a:stretch>
+                <a:fillRect/>
+              </a:stretch>
+            </p:blipFill>
+            <p:spPr>
+              <a:xfrm>
+                <a:off x="5837917" y="6503313"/>
+                <a:ext cx="338919" cy="232817"/>
+              </a:xfrm>
+              <a:prstGeom prst="rect">
+                <a:avLst/>
+              </a:prstGeom>
+            </p:spPr>
+          </p:pic>
+          <p:pic>
+            <p:nvPicPr>
+              <p:cNvPr id="31" name="Picture 30" descr="Logo&#10;&#10;Description automatically generated">
+                <a:hlinkClick r:id="rId8"/>
+                <a:extLst>
+                  <a:ext uri="{FF2B5EF4-FFF2-40B4-BE49-F238E27FC236}">
+                    <a16:creationId xmlns:a16="http://schemas.microsoft.com/office/drawing/2014/main" id="{6DECAAD2-14ED-D62E-83E5-01D62FD73E58}"/>
+                  </a:ext>
+                </a:extLst>
+              </p:cNvPr>
+              <p:cNvPicPr>
+                <a:picLocks noChangeAspect="1"/>
+              </p:cNvPicPr>
+              <p:nvPr/>
+            </p:nvPicPr>
+            <p:blipFill>
+              <a:blip r:embed="rId9"/>
+              <a:stretch>
+                <a:fillRect/>
+              </a:stretch>
+            </p:blipFill>
+            <p:spPr>
+              <a:xfrm>
+                <a:off x="6046485" y="6503313"/>
+                <a:ext cx="338919" cy="232817"/>
+              </a:xfrm>
+              <a:prstGeom prst="rect">
+                <a:avLst/>
+              </a:prstGeom>
+            </p:spPr>
+          </p:pic>
+          <p:pic>
+            <p:nvPicPr>
+              <p:cNvPr id="32" name="Picture 31" descr="Icon&#10;&#10;Description automatically generated">
+                <a:hlinkClick r:id="rId10"/>
+                <a:extLst>
+                  <a:ext uri="{FF2B5EF4-FFF2-40B4-BE49-F238E27FC236}">
+                    <a16:creationId xmlns:a16="http://schemas.microsoft.com/office/drawing/2014/main" id="{DC102836-817A-8573-C7AB-C2724E6E5F1C}"/>
+                  </a:ext>
+                </a:extLst>
+              </p:cNvPr>
+              <p:cNvPicPr>
+                <a:picLocks noChangeAspect="1"/>
+              </p:cNvPicPr>
+              <p:nvPr/>
+            </p:nvPicPr>
+            <p:blipFill>
+              <a:blip r:embed="rId11"/>
+              <a:stretch>
+                <a:fillRect/>
+              </a:stretch>
+            </p:blipFill>
+            <p:spPr>
+              <a:xfrm>
+                <a:off x="5196988" y="6503312"/>
+                <a:ext cx="338919" cy="232817"/>
+              </a:xfrm>
+              <a:prstGeom prst="rect">
+                <a:avLst/>
+              </a:prstGeom>
+            </p:spPr>
+          </p:pic>
+          <p:pic>
+            <p:nvPicPr>
+              <p:cNvPr id="33" name="Picture 32" descr="Icon&#10;&#10;Description automatically generated">
+                <a:hlinkClick r:id="rId12"/>
+                <a:extLst>
+                  <a:ext uri="{FF2B5EF4-FFF2-40B4-BE49-F238E27FC236}">
+                    <a16:creationId xmlns:a16="http://schemas.microsoft.com/office/drawing/2014/main" id="{F46B6109-4740-9E76-5C84-B96F79785CAF}"/>
+                  </a:ext>
+                </a:extLst>
+              </p:cNvPr>
+              <p:cNvPicPr>
+                <a:picLocks noChangeAspect="1"/>
+              </p:cNvPicPr>
+              <p:nvPr/>
+            </p:nvPicPr>
+            <p:blipFill>
+              <a:blip r:embed="rId13"/>
+              <a:stretch>
+                <a:fillRect/>
+              </a:stretch>
+            </p:blipFill>
+            <p:spPr>
+              <a:xfrm>
+                <a:off x="5626137" y="6503312"/>
+                <a:ext cx="338919" cy="232817"/>
+              </a:xfrm>
+              <a:prstGeom prst="rect">
+                <a:avLst/>
+              </a:prstGeom>
+            </p:spPr>
+          </p:pic>
+        </p:grpSp>
+      </p:grpSp>
     </p:spTree>
-    <p:extLst>
-      <p:ext uri="{BB962C8B-B14F-4D97-AF65-F5344CB8AC3E}">
-        <p14:creationId xmlns:p14="http://schemas.microsoft.com/office/powerpoint/2010/main" val="2844620833"/>
-      </p:ext>
-    </p:extLst>
   </p:cSld>
   <p:clrMapOvr>
     <a:masterClrMapping/>
   </p:clrMapOvr>
+  <mc:AlternateContent xmlns:mc="http://schemas.openxmlformats.org/markup-compatibility/2006" xmlns:p14="http://schemas.microsoft.com/office/powerpoint/2010/main">
+    <mc:Choice Requires="p14">
+      <p:transition spd="slow" p14:dur="2000" advTm="2283"/>
+    </mc:Choice>
+    <mc:Fallback xmlns="">
+      <p:transition spd="slow" advTm="2283"/>
+    </mc:Fallback>
+  </mc:AlternateContent>
 </p:sld>
 </file>
 
 <file path=ppt/slides/slide10.xml><?xml version="1.0" encoding="utf-8"?>
 <p:sld xmlns:a="http://schemas.openxmlformats.org/drawingml/2006/main" xmlns:r="http://schemas.openxmlformats.org/officeDocument/2006/relationships" xmlns:p="http://schemas.openxmlformats.org/presentationml/2006/main">
   <p:cSld>
+    <p:bg>
+      <p:bgPr>
+        <a:blipFill dpi="0" rotWithShape="1">
+          <a:blip r:embed="rId3">
+            <a:lum/>
+          </a:blip>
+          <a:srcRect/>
+          <a:stretch>
+            <a:fillRect/>
+          </a:stretch>
+        </a:blipFill>
+        <a:effectLst/>
+      </p:bgPr>
+    </p:bg>
     <p:spTree>
       <p:nvGrpSpPr>
         <p:cNvPr id="1" name=""/>
@@ -10528,22 +10848,15 @@
           <a:lstStyle/>
           <a:p>
             <a:r>
-              <a:rPr lang="en-US" b="0" i="0" dirty="0">
-                <a:solidFill>
-                  <a:srgbClr val="000000"/>
-                </a:solidFill>
-                <a:effectLst/>
-                <a:latin typeface="+mn-lt"/>
+              <a:rPr lang="en-US" b="1" i="0" dirty="0">
+                <a:solidFill>
+                  <a:srgbClr val="0071F6"/>
+                </a:solidFill>
+                <a:effectLst/>
+                <a:latin typeface="Lexend" panose="020B0604020202020204"/>
               </a:rPr>
               <a:t>Argument of an Exception</a:t>
             </a:r>
-            <a:endParaRPr lang="en-US" i="0" dirty="0">
-              <a:solidFill>
-                <a:srgbClr val="242424"/>
-              </a:solidFill>
-              <a:effectLst/>
-              <a:latin typeface="+mn-lt"/>
-            </a:endParaRPr>
           </a:p>
         </p:txBody>
       </p:sp>
@@ -10570,6 +10883,7 @@
                   <a:srgbClr val="000000"/>
                 </a:solidFill>
                 <a:effectLst/>
+                <a:latin typeface="Lexend Light"/>
               </a:rPr>
               <a:t>Anexception</a:t>
             </a:r>
@@ -10579,6 +10893,7 @@
                   <a:srgbClr val="000000"/>
                 </a:solidFill>
                 <a:effectLst/>
+                <a:latin typeface="Lexend Light"/>
               </a:rPr>
               <a:t> can have an argument, that holds an additional information about the problem and cause of the exception </a:t>
             </a:r>
@@ -10591,6 +10906,7 @@
               <a:solidFill>
                 <a:srgbClr val="000000"/>
               </a:solidFill>
+              <a:latin typeface="Lexend Light"/>
             </a:endParaRPr>
           </a:p>
           <a:p>
@@ -10603,8 +10919,19 @@
                   <a:srgbClr val="000000"/>
                 </a:solidFill>
                 <a:effectLst/>
-              </a:rPr>
-              <a:t>	try: </a:t>
+                <a:latin typeface="Lexend Light"/>
+              </a:rPr>
+              <a:t>	</a:t>
+            </a:r>
+            <a:r>
+              <a:rPr lang="en-US" sz="2400" b="1" i="0" dirty="0">
+                <a:solidFill>
+                  <a:srgbClr val="000000"/>
+                </a:solidFill>
+                <a:effectLst/>
+                <a:latin typeface="Lexend Light"/>
+              </a:rPr>
+              <a:t>try: </a:t>
             </a:r>
           </a:p>
           <a:p>
@@ -10617,6 +10944,7 @@
                   <a:srgbClr val="000000"/>
                 </a:solidFill>
                 <a:effectLst/>
+                <a:latin typeface="Lexend Light"/>
               </a:rPr>
               <a:t>		print(</a:t>
             </a:r>
@@ -10626,6 +10954,7 @@
                   <a:srgbClr val="000000"/>
                 </a:solidFill>
                 <a:effectLst/>
+                <a:latin typeface="Lexend Light"/>
               </a:rPr>
               <a:t>val</a:t>
             </a:r>
@@ -10635,6 +10964,7 @@
                   <a:srgbClr val="000000"/>
                 </a:solidFill>
                 <a:effectLst/>
+                <a:latin typeface="Lexend Light"/>
               </a:rPr>
               <a:t> + 10) </a:t>
             </a:r>
@@ -10649,8 +10979,29 @@
                   <a:srgbClr val="000000"/>
                 </a:solidFill>
                 <a:effectLst/>
-              </a:rPr>
-              <a:t>	except </a:t>
+                <a:latin typeface="Lexend Light"/>
+              </a:rPr>
+              <a:t>	</a:t>
+            </a:r>
+            <a:r>
+              <a:rPr lang="en-US" sz="2400" b="1" i="0" dirty="0">
+                <a:solidFill>
+                  <a:srgbClr val="000000"/>
+                </a:solidFill>
+                <a:effectLst/>
+                <a:latin typeface="Lexend Light"/>
+              </a:rPr>
+              <a:t>except</a:t>
+            </a:r>
+            <a:r>
+              <a:rPr lang="en-US" sz="2400" b="0" i="0" dirty="0">
+                <a:solidFill>
+                  <a:srgbClr val="000000"/>
+                </a:solidFill>
+                <a:effectLst/>
+                <a:latin typeface="Lexend Light"/>
+              </a:rPr>
+              <a:t> </a:t>
             </a:r>
             <a:r>
               <a:rPr lang="en-US" sz="2400" b="0" i="0" dirty="0" err="1">
@@ -10658,6 +11009,7 @@
                   <a:srgbClr val="000000"/>
                 </a:solidFill>
                 <a:effectLst/>
+                <a:latin typeface="Lexend Light"/>
               </a:rPr>
               <a:t>NameError</a:t>
             </a:r>
@@ -10667,6 +11019,7 @@
                   <a:srgbClr val="000000"/>
                 </a:solidFill>
                 <a:effectLst/>
+                <a:latin typeface="Lexend Light"/>
               </a:rPr>
               <a:t> as ne: </a:t>
             </a:r>
@@ -10681,6 +11034,7 @@
                   <a:srgbClr val="000000"/>
                 </a:solidFill>
                 <a:effectLst/>
+                <a:latin typeface="Lexend Light"/>
               </a:rPr>
               <a:t>		print(ne) </a:t>
             </a:r>
@@ -10693,6 +11047,7 @@
               <a:solidFill>
                 <a:srgbClr val="000000"/>
               </a:solidFill>
+              <a:latin typeface="Lexend Light"/>
             </a:endParaRPr>
           </a:p>
           <a:p>
@@ -10705,6 +11060,7 @@
                   <a:srgbClr val="000000"/>
                 </a:solidFill>
                 <a:effectLst/>
+                <a:latin typeface="Lexend Light"/>
               </a:rPr>
               <a:t>	File "&lt;stdin&gt;", line 1, in &lt;module&gt; </a:t>
             </a:r>
@@ -10719,6 +11075,7 @@
                   <a:srgbClr val="000000"/>
                 </a:solidFill>
                 <a:effectLst/>
+                <a:latin typeface="Lexend Light"/>
               </a:rPr>
               <a:t>	</a:t>
             </a:r>
@@ -10728,6 +11085,7 @@
                   <a:srgbClr val="000000"/>
                 </a:solidFill>
                 <a:effectLst/>
+                <a:latin typeface="Lexend Light"/>
               </a:rPr>
               <a:t>NameError</a:t>
             </a:r>
@@ -10737,6 +11095,7 @@
                   <a:srgbClr val="000000"/>
                 </a:solidFill>
                 <a:effectLst/>
+                <a:latin typeface="Lexend Light"/>
               </a:rPr>
               <a:t>: name '‘</a:t>
             </a:r>
@@ -10746,6 +11105,7 @@
                   <a:srgbClr val="000000"/>
                 </a:solidFill>
                 <a:effectLst/>
+                <a:latin typeface="Lexend Light"/>
               </a:rPr>
               <a:t>val</a:t>
             </a:r>
@@ -10755,10 +11115,12 @@
                   <a:srgbClr val="000000"/>
                 </a:solidFill>
                 <a:effectLst/>
+                <a:latin typeface="Lexend Light"/>
               </a:rPr>
               <a:t>' is not defined</a:t>
             </a:r>
             <a:endParaRPr lang="en-US" sz="2400" dirty="0">
+              <a:latin typeface="Lexend Light"/>
               <a:cs typeface="Calibri" panose="020F0502020204030204" pitchFamily="34" charset="0"/>
             </a:endParaRPr>
           </a:p>
@@ -10780,6 +11142,20 @@
 <file path=ppt/slides/slide11.xml><?xml version="1.0" encoding="utf-8"?>
 <p:sld xmlns:a="http://schemas.openxmlformats.org/drawingml/2006/main" xmlns:r="http://schemas.openxmlformats.org/officeDocument/2006/relationships" xmlns:p="http://schemas.openxmlformats.org/presentationml/2006/main">
   <p:cSld>
+    <p:bg>
+      <p:bgPr>
+        <a:blipFill dpi="0" rotWithShape="1">
+          <a:blip r:embed="rId3">
+            <a:lum/>
+          </a:blip>
+          <a:srcRect/>
+          <a:stretch>
+            <a:fillRect/>
+          </a:stretch>
+        </a:blipFill>
+        <a:effectLst/>
+      </p:bgPr>
+    </p:bg>
     <p:spTree>
       <p:nvGrpSpPr>
         <p:cNvPr id="1" name=""/>
@@ -10812,17 +11188,20 @@
           <a:lstStyle/>
           <a:p>
             <a:r>
-              <a:rPr lang="en-US" b="0" i="0" dirty="0">
-                <a:solidFill>
-                  <a:srgbClr val="000000"/>
-                </a:solidFill>
-                <a:effectLst/>
-                <a:latin typeface="+mn-lt"/>
+              <a:rPr lang="en-US" b="1" i="0" dirty="0">
+                <a:solidFill>
+                  <a:srgbClr val="0071F6"/>
+                </a:solidFill>
+                <a:effectLst/>
+                <a:latin typeface="Lexend" panose="020B0604020202020204"/>
               </a:rPr>
               <a:t>Multiple excepts</a:t>
             </a:r>
-            <a:endParaRPr lang="en-US" dirty="0">
-              <a:latin typeface="+mn-lt"/>
+            <a:endParaRPr lang="en-US" b="1" dirty="0">
+              <a:solidFill>
+                <a:srgbClr val="0071F6"/>
+              </a:solidFill>
+              <a:latin typeface="Lexend" panose="020B0604020202020204"/>
               <a:cs typeface="Calibri" panose="020F0502020204030204" pitchFamily="34" charset="0"/>
             </a:endParaRPr>
           </a:p>
@@ -10842,8 +11221,8 @@
         </p:nvSpPr>
         <p:spPr>
           <a:xfrm>
-            <a:off x="762000" y="1868486"/>
-            <a:ext cx="10693400" cy="3785652"/>
+            <a:off x="939800" y="1868486"/>
+            <a:ext cx="10515600" cy="3785652"/>
           </a:xfrm>
           <a:prstGeom prst="rect">
             <a:avLst/>
@@ -10862,6 +11241,7 @@
                   <a:srgbClr val="000000"/>
                 </a:solidFill>
                 <a:effectLst/>
+                <a:latin typeface="Lexend Light"/>
               </a:rPr>
               <a:t>try statement supports multiple excepts</a:t>
             </a:r>
@@ -10872,15 +11252,17 @@
                 <a:srgbClr val="000000"/>
               </a:solidFill>
               <a:effectLst/>
+              <a:latin typeface="Lexend Light"/>
             </a:endParaRPr>
           </a:p>
           <a:p>
             <a:r>
-              <a:rPr lang="en-US" sz="2400" b="0" i="0" dirty="0">
+              <a:rPr lang="en-US" sz="2400" b="1" i="0" dirty="0">
                 <a:solidFill>
                   <a:srgbClr val="000000"/>
                 </a:solidFill>
                 <a:effectLst/>
+                <a:latin typeface="Lexend Light"/>
               </a:rPr>
               <a:t> try: </a:t>
             </a:r>
@@ -10891,6 +11273,7 @@
                 <a:solidFill>
                   <a:srgbClr val="000000"/>
                 </a:solidFill>
+                <a:latin typeface="Lexend Light"/>
               </a:rPr>
               <a:t>	……</a:t>
             </a:r>
@@ -10899,6 +11282,7 @@
                 <a:srgbClr val="000000"/>
               </a:solidFill>
               <a:effectLst/>
+              <a:latin typeface="Lexend Light"/>
             </a:endParaRPr>
           </a:p>
           <a:p>
@@ -10908,8 +11292,29 @@
                   <a:srgbClr val="000000"/>
                 </a:solidFill>
                 <a:effectLst/>
-              </a:rPr>
-              <a:t> except </a:t>
+                <a:latin typeface="Lexend Light"/>
+              </a:rPr>
+              <a:t> </a:t>
+            </a:r>
+            <a:r>
+              <a:rPr lang="en-US" sz="2400" b="1" i="0" dirty="0">
+                <a:solidFill>
+                  <a:srgbClr val="000000"/>
+                </a:solidFill>
+                <a:effectLst/>
+                <a:latin typeface="Lexend Light"/>
+              </a:rPr>
+              <a:t>except</a:t>
+            </a:r>
+            <a:r>
+              <a:rPr lang="en-US" sz="2400" b="0" i="0" dirty="0">
+                <a:solidFill>
+                  <a:srgbClr val="000000"/>
+                </a:solidFill>
+                <a:effectLst/>
+                <a:latin typeface="Lexend Light"/>
+              </a:rPr>
+              <a:t> </a:t>
             </a:r>
             <a:r>
               <a:rPr lang="en-US" sz="2400" b="0" i="0" dirty="0" err="1">
@@ -10917,6 +11322,7 @@
                   <a:srgbClr val="000000"/>
                 </a:solidFill>
                 <a:effectLst/>
+                <a:latin typeface="Lexend Light"/>
               </a:rPr>
               <a:t>ValueError</a:t>
             </a:r>
@@ -10926,6 +11332,7 @@
                   <a:srgbClr val="000000"/>
                 </a:solidFill>
                 <a:effectLst/>
+                <a:latin typeface="Lexend Light"/>
               </a:rPr>
               <a:t> as </a:t>
             </a:r>
@@ -10935,6 +11342,7 @@
                   <a:srgbClr val="000000"/>
                 </a:solidFill>
                 <a:effectLst/>
+                <a:latin typeface="Lexend Light"/>
               </a:rPr>
               <a:t>ve</a:t>
             </a:r>
@@ -10944,6 +11352,7 @@
                   <a:srgbClr val="000000"/>
                 </a:solidFill>
                 <a:effectLst/>
+                <a:latin typeface="Lexend Light"/>
               </a:rPr>
               <a:t>: </a:t>
             </a:r>
@@ -10954,6 +11363,7 @@
                 <a:solidFill>
                   <a:srgbClr val="000000"/>
                 </a:solidFill>
+                <a:latin typeface="Lexend Light"/>
               </a:rPr>
               <a:t>	……</a:t>
             </a:r>
@@ -10962,6 +11372,7 @@
                 <a:srgbClr val="000000"/>
               </a:solidFill>
               <a:effectLst/>
+              <a:latin typeface="Lexend Light"/>
             </a:endParaRPr>
           </a:p>
           <a:p>
@@ -10971,8 +11382,29 @@
                   <a:srgbClr val="000000"/>
                 </a:solidFill>
                 <a:effectLst/>
-              </a:rPr>
-              <a:t> except </a:t>
+                <a:latin typeface="Lexend Light"/>
+              </a:rPr>
+              <a:t> </a:t>
+            </a:r>
+            <a:r>
+              <a:rPr lang="en-US" sz="2400" b="1" i="0" dirty="0">
+                <a:solidFill>
+                  <a:srgbClr val="000000"/>
+                </a:solidFill>
+                <a:effectLst/>
+                <a:latin typeface="Lexend Light"/>
+              </a:rPr>
+              <a:t>except</a:t>
+            </a:r>
+            <a:r>
+              <a:rPr lang="en-US" sz="2400" b="0" i="0" dirty="0">
+                <a:solidFill>
+                  <a:srgbClr val="000000"/>
+                </a:solidFill>
+                <a:effectLst/>
+                <a:latin typeface="Lexend Light"/>
+              </a:rPr>
+              <a:t> </a:t>
             </a:r>
             <a:r>
               <a:rPr lang="en-US" sz="2400" b="0" i="0" dirty="0" err="1">
@@ -10980,6 +11412,7 @@
                   <a:srgbClr val="000000"/>
                 </a:solidFill>
                 <a:effectLst/>
+                <a:latin typeface="Lexend Light"/>
               </a:rPr>
               <a:t>ArithmeticError</a:t>
             </a:r>
@@ -10989,6 +11422,7 @@
                   <a:srgbClr val="000000"/>
                 </a:solidFill>
                 <a:effectLst/>
+                <a:latin typeface="Lexend Light"/>
               </a:rPr>
               <a:t> as ae: </a:t>
             </a:r>
@@ -10999,6 +11433,7 @@
                 <a:solidFill>
                   <a:srgbClr val="000000"/>
                 </a:solidFill>
+                <a:latin typeface="Lexend Light"/>
               </a:rPr>
               <a:t>	……</a:t>
             </a:r>
@@ -11007,17 +11442,29 @@
                 <a:srgbClr val="000000"/>
               </a:solidFill>
               <a:effectLst/>
+              <a:latin typeface="Lexend Light"/>
             </a:endParaRPr>
           </a:p>
           <a:p>
             <a:r>
+              <a:rPr lang="en-US" sz="2400" b="1" i="0" dirty="0">
+                <a:solidFill>
+                  <a:srgbClr val="000000"/>
+                </a:solidFill>
+                <a:effectLst/>
+                <a:latin typeface="Lexend Light"/>
+              </a:rPr>
+              <a:t> except </a:t>
+            </a:r>
+            <a:r>
               <a:rPr lang="en-US" sz="2400" b="0" i="0" dirty="0">
                 <a:solidFill>
                   <a:srgbClr val="000000"/>
                 </a:solidFill>
                 <a:effectLst/>
-              </a:rPr>
-              <a:t> except Exception:</a:t>
+                <a:latin typeface="Lexend Light"/>
+              </a:rPr>
+              <a:t>Exception:</a:t>
             </a:r>
           </a:p>
           <a:p>
@@ -11026,6 +11473,7 @@
                 <a:solidFill>
                   <a:srgbClr val="000000"/>
                 </a:solidFill>
+                <a:latin typeface="Lexend Light"/>
               </a:rPr>
               <a:t>	……</a:t>
             </a:r>
@@ -11034,6 +11482,7 @@
                 <a:srgbClr val="000000"/>
               </a:solidFill>
               <a:effectLst/>
+              <a:latin typeface="Lexend Light"/>
             </a:endParaRPr>
           </a:p>
         </p:txBody>
@@ -11054,6 +11503,20 @@
 <file path=ppt/slides/slide12.xml><?xml version="1.0" encoding="utf-8"?>
 <p:sld xmlns:a="http://schemas.openxmlformats.org/drawingml/2006/main" xmlns:r="http://schemas.openxmlformats.org/officeDocument/2006/relationships" xmlns:p="http://schemas.openxmlformats.org/presentationml/2006/main">
   <p:cSld>
+    <p:bg>
+      <p:bgPr>
+        <a:blipFill dpi="0" rotWithShape="1">
+          <a:blip r:embed="rId3">
+            <a:lum/>
+          </a:blip>
+          <a:srcRect/>
+          <a:stretch>
+            <a:fillRect/>
+          </a:stretch>
+        </a:blipFill>
+        <a:effectLst/>
+      </p:bgPr>
+    </p:bg>
     <p:spTree>
       <p:nvGrpSpPr>
         <p:cNvPr id="1" name=""/>
@@ -11086,17 +11549,20 @@
           <a:lstStyle/>
           <a:p>
             <a:r>
-              <a:rPr lang="en-US" b="0" i="0" dirty="0">
-                <a:solidFill>
-                  <a:srgbClr val="000000"/>
-                </a:solidFill>
-                <a:effectLst/>
-                <a:latin typeface="+mn-lt"/>
+              <a:rPr lang="en-US" b="1" i="0" dirty="0">
+                <a:solidFill>
+                  <a:srgbClr val="0071F6"/>
+                </a:solidFill>
+                <a:effectLst/>
+                <a:latin typeface="Lexend" panose="020B0604020202020204"/>
               </a:rPr>
               <a:t>Try ... finally example</a:t>
             </a:r>
-            <a:endParaRPr lang="en-US" dirty="0">
-              <a:latin typeface="+mn-lt"/>
+            <a:endParaRPr lang="en-US" b="1" dirty="0">
+              <a:solidFill>
+                <a:srgbClr val="0071F6"/>
+              </a:solidFill>
+              <a:latin typeface="Lexend" panose="020B0604020202020204"/>
               <a:cs typeface="Calibri" panose="020F0502020204030204" pitchFamily="34" charset="0"/>
             </a:endParaRPr>
           </a:p>
@@ -11136,6 +11602,7 @@
                   <a:srgbClr val="000000"/>
                 </a:solidFill>
                 <a:effectLst/>
+                <a:latin typeface="Lexend Light"/>
               </a:rPr>
               <a:t>fo</a:t>
             </a:r>
@@ -11145,6 +11612,7 @@
                   <a:srgbClr val="000000"/>
                 </a:solidFill>
                 <a:effectLst/>
+                <a:latin typeface="Lexend Light"/>
               </a:rPr>
               <a:t> = open("some </a:t>
             </a:r>
@@ -11154,6 +11622,7 @@
                   <a:srgbClr val="000000"/>
                 </a:solidFill>
                 <a:effectLst/>
+                <a:latin typeface="Lexend Light"/>
               </a:rPr>
               <a:t>file","r</a:t>
             </a:r>
@@ -11163,6 +11632,7 @@
                   <a:srgbClr val="000000"/>
                 </a:solidFill>
                 <a:effectLst/>
+                <a:latin typeface="Lexend Light"/>
               </a:rPr>
               <a:t>") </a:t>
             </a:r>
@@ -11174,6 +11644,7 @@
                   <a:srgbClr val="000000"/>
                 </a:solidFill>
                 <a:effectLst/>
+                <a:latin typeface="Lexend Light"/>
               </a:rPr>
               <a:t>try: </a:t>
             </a:r>
@@ -11185,6 +11656,7 @@
                   <a:srgbClr val="000000"/>
                 </a:solidFill>
                 <a:effectLst/>
+                <a:latin typeface="Lexend Light"/>
               </a:rPr>
               <a:t>	# work with file </a:t>
             </a:r>
@@ -11196,6 +11668,7 @@
                   <a:srgbClr val="000000"/>
                 </a:solidFill>
                 <a:effectLst/>
+                <a:latin typeface="Lexend Light"/>
               </a:rPr>
               <a:t>finally: </a:t>
             </a:r>
@@ -11208,6 +11681,7 @@
                   <a:srgbClr val="000000"/>
                 </a:solidFill>
                 <a:effectLst/>
+                <a:latin typeface="Lexend Light"/>
               </a:rPr>
               <a:t>fo.close</a:t>
             </a:r>
@@ -11217,10 +11691,12 @@
                   <a:srgbClr val="000000"/>
                 </a:solidFill>
                 <a:effectLst/>
+                <a:latin typeface="Lexend Light"/>
               </a:rPr>
               <a:t>()</a:t>
             </a:r>
             <a:endParaRPr lang="en-GB" sz="3200" dirty="0">
+              <a:latin typeface="Lexend Light"/>
               <a:cs typeface="Calibri" panose="020F0502020204030204" pitchFamily="34" charset="0"/>
             </a:endParaRPr>
           </a:p>
@@ -11241,7 +11717,7 @@
           <p:nvPr/>
         </p:nvPicPr>
         <p:blipFill>
-          <a:blip r:embed="rId3">
+          <a:blip r:embed="rId4">
             <a:extLst>
               <a:ext uri="{28A0092B-C50C-407E-A947-70E740481C1C}">
                 <a14:useLocalDpi xmlns:a14="http://schemas.microsoft.com/office/drawing/2010/main" val="0"/>
@@ -11289,6 +11765,20 @@
 <file path=ppt/slides/slide13.xml><?xml version="1.0" encoding="utf-8"?>
 <p:sld xmlns:a="http://schemas.openxmlformats.org/drawingml/2006/main" xmlns:r="http://schemas.openxmlformats.org/officeDocument/2006/relationships" xmlns:p="http://schemas.openxmlformats.org/presentationml/2006/main">
   <p:cSld>
+    <p:bg>
+      <p:bgPr>
+        <a:blipFill dpi="0" rotWithShape="1">
+          <a:blip r:embed="rId3">
+            <a:lum/>
+          </a:blip>
+          <a:srcRect/>
+          <a:stretch>
+            <a:fillRect/>
+          </a:stretch>
+        </a:blipFill>
+        <a:effectLst/>
+      </p:bgPr>
+    </p:bg>
     <p:spTree>
       <p:nvGrpSpPr>
         <p:cNvPr id="1" name=""/>
@@ -11321,17 +11811,20 @@
           <a:lstStyle/>
           <a:p>
             <a:r>
-              <a:rPr lang="en-US" b="0" i="0" dirty="0">
-                <a:solidFill>
-                  <a:srgbClr val="000000"/>
-                </a:solidFill>
-                <a:effectLst/>
-                <a:latin typeface="+mn-lt"/>
+              <a:rPr lang="en-US" b="1" i="0" dirty="0">
+                <a:solidFill>
+                  <a:srgbClr val="0071F6"/>
+                </a:solidFill>
+                <a:effectLst/>
+                <a:latin typeface="Lexend" panose="020B0604020202020204"/>
               </a:rPr>
               <a:t>Raising Exceptions</a:t>
             </a:r>
-            <a:endParaRPr lang="en-US" dirty="0">
-              <a:latin typeface="+mn-lt"/>
+            <a:endParaRPr lang="en-US" b="1" dirty="0">
+              <a:solidFill>
+                <a:srgbClr val="0071F6"/>
+              </a:solidFill>
+              <a:latin typeface="Lexend" panose="020B0604020202020204"/>
               <a:cs typeface="Calibri" panose="020F0502020204030204" pitchFamily="34" charset="0"/>
             </a:endParaRPr>
           </a:p>
@@ -11375,6 +11868,7 @@
                   <a:srgbClr val="000000"/>
                 </a:solidFill>
                 <a:effectLst/>
+                <a:latin typeface="Lexend Light"/>
               </a:rPr>
               <a:t>The raise statement allows the programmer to force a </a:t>
             </a:r>
@@ -11384,6 +11878,7 @@
                   <a:srgbClr val="000000"/>
                 </a:solidFill>
                 <a:effectLst/>
+                <a:latin typeface="Lexend Light"/>
               </a:rPr>
               <a:t>specinie</a:t>
             </a:r>
@@ -11393,6 +11888,7 @@
                   <a:srgbClr val="000000"/>
                 </a:solidFill>
                 <a:effectLst/>
+                <a:latin typeface="Lexend Light"/>
               </a:rPr>
               <a:t> exception to occur </a:t>
             </a:r>
@@ -11407,6 +11903,7 @@
                 <a:srgbClr val="000000"/>
               </a:solidFill>
               <a:effectLst/>
+              <a:latin typeface="Lexend Light"/>
             </a:endParaRPr>
           </a:p>
           <a:p>
@@ -11420,6 +11917,7 @@
                   <a:srgbClr val="000000"/>
                 </a:solidFill>
                 <a:effectLst/>
+                <a:latin typeface="Lexend Light"/>
               </a:rPr>
               <a:t>raise can come with a parameter (or several parameters). The parameter is a message or any additional information about the error </a:t>
             </a:r>
@@ -11434,6 +11932,7 @@
                 <a:srgbClr val="000000"/>
               </a:solidFill>
               <a:effectLst/>
+              <a:latin typeface="Lexend Light"/>
             </a:endParaRPr>
           </a:p>
           <a:p>
@@ -11447,6 +11946,7 @@
                   <a:srgbClr val="000000"/>
                 </a:solidFill>
                 <a:effectLst/>
+                <a:latin typeface="Lexend Light"/>
               </a:rPr>
               <a:t>raise usually placed in infrastructure methods, classes and modules.</a:t>
             </a:r>
@@ -11458,6 +11958,7 @@
                   <a:srgbClr val="000000"/>
                 </a:solidFill>
                 <a:effectLst/>
+                <a:latin typeface="Lexend Light"/>
               </a:rPr>
               <a:t> </a:t>
             </a:r>
@@ -11480,6 +11981,20 @@
 <file path=ppt/slides/slide14.xml><?xml version="1.0" encoding="utf-8"?>
 <p:sld xmlns:a="http://schemas.openxmlformats.org/drawingml/2006/main" xmlns:r="http://schemas.openxmlformats.org/officeDocument/2006/relationships" xmlns:p="http://schemas.openxmlformats.org/presentationml/2006/main">
   <p:cSld>
+    <p:bg>
+      <p:bgPr>
+        <a:blipFill dpi="0" rotWithShape="1">
+          <a:blip r:embed="rId2">
+            <a:lum/>
+          </a:blip>
+          <a:srcRect/>
+          <a:stretch>
+            <a:fillRect/>
+          </a:stretch>
+        </a:blipFill>
+        <a:effectLst/>
+      </p:bgPr>
+    </p:bg>
     <p:spTree>
       <p:nvGrpSpPr>
         <p:cNvPr id="1" name=""/>
@@ -11510,16 +12025,18 @@
           <a:lstStyle/>
           <a:p>
             <a:r>
-              <a:rPr lang="en-US" b="0" i="0" dirty="0">
+              <a:rPr lang="en-US" b="1" i="0" dirty="0">
                 <a:solidFill>
                   <a:srgbClr val="000000"/>
                 </a:solidFill>
                 <a:effectLst/>
-                <a:latin typeface="+mn-lt"/>
+                <a:latin typeface="Lexend Light"/>
               </a:rPr>
               <a:t>Raising Exceptions</a:t>
             </a:r>
-            <a:endParaRPr lang="he-IL" dirty="0"/>
+            <a:endParaRPr lang="he-IL" b="1" dirty="0">
+              <a:latin typeface="Lexend Light"/>
+            </a:endParaRPr>
           </a:p>
         </p:txBody>
       </p:sp>
@@ -11539,6 +12056,20 @@
 <file path=ppt/slides/slide15.xml><?xml version="1.0" encoding="utf-8"?>
 <p:sld xmlns:a="http://schemas.openxmlformats.org/drawingml/2006/main" xmlns:r="http://schemas.openxmlformats.org/officeDocument/2006/relationships" xmlns:p="http://schemas.openxmlformats.org/presentationml/2006/main">
   <p:cSld>
+    <p:bg>
+      <p:bgPr>
+        <a:blipFill dpi="0" rotWithShape="1">
+          <a:blip r:embed="rId3">
+            <a:lum/>
+          </a:blip>
+          <a:srcRect/>
+          <a:stretch>
+            <a:fillRect/>
+          </a:stretch>
+        </a:blipFill>
+        <a:effectLst/>
+      </p:bgPr>
+    </p:bg>
     <p:spTree>
       <p:nvGrpSpPr>
         <p:cNvPr id="1" name=""/>
@@ -11576,17 +12107,14 @@
           <a:lstStyle/>
           <a:p>
             <a:r>
-              <a:rPr lang="en-US" b="0" i="0" dirty="0">
-                <a:solidFill>
-                  <a:srgbClr val="000000"/>
-                </a:solidFill>
-                <a:effectLst/>
-                <a:latin typeface="+mn-lt"/>
+              <a:rPr lang="en-US" b="1" i="0" dirty="0">
+                <a:effectLst/>
+                <a:latin typeface="Lexend Light"/>
               </a:rPr>
               <a:t>Raising Exceptions</a:t>
             </a:r>
-            <a:endParaRPr lang="en-US" dirty="0">
-              <a:latin typeface="+mn-lt"/>
+            <a:endParaRPr lang="en-US" b="1" dirty="0">
+              <a:latin typeface="Lexend Light"/>
               <a:cs typeface="Calibri" panose="020F0502020204030204" pitchFamily="34" charset="0"/>
             </a:endParaRPr>
           </a:p>
@@ -12212,6 +12740,20 @@
 <file path=ppt/slides/slide16.xml><?xml version="1.0" encoding="utf-8"?>
 <p:sld xmlns:a="http://schemas.openxmlformats.org/drawingml/2006/main" xmlns:r="http://schemas.openxmlformats.org/officeDocument/2006/relationships" xmlns:p="http://schemas.openxmlformats.org/presentationml/2006/main">
   <p:cSld>
+    <p:bg>
+      <p:bgPr>
+        <a:blipFill dpi="0" rotWithShape="1">
+          <a:blip r:embed="rId3">
+            <a:lum/>
+          </a:blip>
+          <a:srcRect/>
+          <a:stretch>
+            <a:fillRect/>
+          </a:stretch>
+        </a:blipFill>
+        <a:effectLst/>
+      </p:bgPr>
+    </p:bg>
     <p:spTree>
       <p:nvGrpSpPr>
         <p:cNvPr id="1" name=""/>
@@ -12244,17 +12786,20 @@
           <a:lstStyle/>
           <a:p>
             <a:r>
-              <a:rPr lang="en-US" b="0" i="0" dirty="0">
-                <a:solidFill>
-                  <a:srgbClr val="000000"/>
-                </a:solidFill>
-                <a:effectLst/>
-                <a:latin typeface="+mn-lt"/>
+              <a:rPr lang="en-US" b="1" i="0" dirty="0">
+                <a:solidFill>
+                  <a:srgbClr val="0071F6"/>
+                </a:solidFill>
+                <a:effectLst/>
+                <a:latin typeface="Lexend" panose="020B0604020202020204"/>
               </a:rPr>
               <a:t>User-Defined Exceptions</a:t>
             </a:r>
-            <a:endParaRPr lang="en-US" dirty="0">
-              <a:latin typeface="+mn-lt"/>
+            <a:endParaRPr lang="en-US" b="1" dirty="0">
+              <a:solidFill>
+                <a:srgbClr val="0071F6"/>
+              </a:solidFill>
+              <a:latin typeface="Lexend" panose="020B0604020202020204"/>
               <a:cs typeface="Calibri" panose="020F0502020204030204" pitchFamily="34" charset="0"/>
             </a:endParaRPr>
           </a:p>
@@ -12368,6 +12913,20 @@
 <file path=ppt/slides/slide17.xml><?xml version="1.0" encoding="utf-8"?>
 <p:sld xmlns:a="http://schemas.openxmlformats.org/drawingml/2006/main" xmlns:r="http://schemas.openxmlformats.org/officeDocument/2006/relationships" xmlns:p="http://schemas.openxmlformats.org/presentationml/2006/main">
   <p:cSld>
+    <p:bg>
+      <p:bgPr>
+        <a:blipFill dpi="0" rotWithShape="1">
+          <a:blip r:embed="rId2">
+            <a:lum/>
+          </a:blip>
+          <a:srcRect/>
+          <a:stretch>
+            <a:fillRect/>
+          </a:stretch>
+        </a:blipFill>
+        <a:effectLst/>
+      </p:bgPr>
+    </p:bg>
     <p:spTree>
       <p:nvGrpSpPr>
         <p:cNvPr id="1" name=""/>
@@ -12398,16 +12957,18 @@
           <a:lstStyle/>
           <a:p>
             <a:r>
-              <a:rPr lang="en-US" b="0" i="0" dirty="0">
+              <a:rPr lang="en-US" b="1" i="0" dirty="0">
                 <a:solidFill>
                   <a:srgbClr val="000000"/>
                 </a:solidFill>
                 <a:effectLst/>
-                <a:latin typeface="+mn-lt"/>
+                <a:latin typeface="Lexend Light"/>
               </a:rPr>
               <a:t>User-Defined Exceptions</a:t>
             </a:r>
-            <a:endParaRPr lang="he-IL" dirty="0"/>
+            <a:endParaRPr lang="he-IL" b="1" dirty="0">
+              <a:latin typeface="Lexend Light"/>
+            </a:endParaRPr>
           </a:p>
         </p:txBody>
       </p:sp>
@@ -12427,6 +12988,20 @@
 <file path=ppt/slides/slide18.xml><?xml version="1.0" encoding="utf-8"?>
 <p:sld xmlns:a="http://schemas.openxmlformats.org/drawingml/2006/main" xmlns:r="http://schemas.openxmlformats.org/officeDocument/2006/relationships" xmlns:p="http://schemas.openxmlformats.org/presentationml/2006/main">
   <p:cSld>
+    <p:bg>
+      <p:bgPr>
+        <a:blipFill dpi="0" rotWithShape="1">
+          <a:blip r:embed="rId3">
+            <a:lum/>
+          </a:blip>
+          <a:srcRect/>
+          <a:stretch>
+            <a:fillRect/>
+          </a:stretch>
+        </a:blipFill>
+        <a:effectLst/>
+      </p:bgPr>
+    </p:bg>
     <p:spTree>
       <p:nvGrpSpPr>
         <p:cNvPr id="1" name=""/>
@@ -12459,17 +13034,17 @@
           <a:lstStyle/>
           <a:p>
             <a:r>
-              <a:rPr lang="en-US" b="0" i="0" dirty="0">
+              <a:rPr lang="en-US" b="1" i="0" dirty="0">
                 <a:solidFill>
                   <a:srgbClr val="000000"/>
                 </a:solidFill>
                 <a:effectLst/>
-                <a:latin typeface="+mn-lt"/>
+                <a:latin typeface="Lexend" panose="020B0604020202020204"/>
               </a:rPr>
               <a:t>User-Defined Exceptions</a:t>
             </a:r>
-            <a:endParaRPr lang="en-US" dirty="0">
-              <a:latin typeface="+mn-lt"/>
+            <a:endParaRPr lang="en-US" b="1" dirty="0">
+              <a:latin typeface="Lexend" panose="020B0604020202020204"/>
               <a:cs typeface="Calibri" panose="020F0502020204030204" pitchFamily="34" charset="0"/>
             </a:endParaRPr>
           </a:p>
@@ -13354,6 +13929,20 @@
 <file path=ppt/slides/slide19.xml><?xml version="1.0" encoding="utf-8"?>
 <p:sld xmlns:a="http://schemas.openxmlformats.org/drawingml/2006/main" xmlns:r="http://schemas.openxmlformats.org/officeDocument/2006/relationships" xmlns:p="http://schemas.openxmlformats.org/presentationml/2006/main">
   <p:cSld>
+    <p:bg>
+      <p:bgPr>
+        <a:blipFill dpi="0" rotWithShape="1">
+          <a:blip r:embed="rId2">
+            <a:lum/>
+          </a:blip>
+          <a:srcRect/>
+          <a:stretch>
+            <a:fillRect/>
+          </a:stretch>
+        </a:blipFill>
+        <a:effectLst/>
+      </p:bgPr>
+    </p:bg>
     <p:spTree>
       <p:nvGrpSpPr>
         <p:cNvPr id="1" name=""/>
@@ -13384,10 +13973,14 @@
           <a:lstStyle/>
           <a:p>
             <a:r>
-              <a:rPr lang="en-US" dirty="0"/>
+              <a:rPr lang="en-US" b="1" dirty="0">
+                <a:latin typeface="Lexend Light"/>
+              </a:rPr>
               <a:t>Lab 02</a:t>
             </a:r>
-            <a:endParaRPr lang="he-IL" dirty="0"/>
+            <a:endParaRPr lang="he-IL" b="1" dirty="0">
+              <a:latin typeface="Lexend Light"/>
+            </a:endParaRPr>
           </a:p>
         </p:txBody>
       </p:sp>
@@ -13407,6 +14000,20 @@
 <file path=ppt/slides/slide2.xml><?xml version="1.0" encoding="utf-8"?>
 <p:sld xmlns:a="http://schemas.openxmlformats.org/drawingml/2006/main" xmlns:r="http://schemas.openxmlformats.org/officeDocument/2006/relationships" xmlns:p="http://schemas.openxmlformats.org/presentationml/2006/main">
   <p:cSld>
+    <p:bg>
+      <p:bgPr>
+        <a:blipFill dpi="0" rotWithShape="1">
+          <a:blip r:embed="rId2">
+            <a:lum/>
+          </a:blip>
+          <a:srcRect/>
+          <a:stretch>
+            <a:fillRect/>
+          </a:stretch>
+        </a:blipFill>
+        <a:effectLst/>
+      </p:bgPr>
+    </p:bg>
     <p:spTree>
       <p:nvGrpSpPr>
         <p:cNvPr id="1" name=""/>
@@ -13454,7 +14061,7 @@
                   <a:srgbClr val="000000"/>
                 </a:solidFill>
                 <a:effectLst/>
-                <a:latin typeface="+mn-lt"/>
+                <a:latin typeface="Lexend Light"/>
               </a:rPr>
               <a:t>Exceptions Intro</a:t>
             </a:r>
@@ -13471,7 +14078,7 @@
                   <a:srgbClr val="000000"/>
                 </a:solidFill>
                 <a:effectLst/>
-                <a:latin typeface="+mn-lt"/>
+                <a:latin typeface="Lexend Light"/>
               </a:rPr>
               <a:t>Exceptions handling</a:t>
             </a:r>
@@ -13488,7 +14095,7 @@
                   <a:srgbClr val="000000"/>
                 </a:solidFill>
                 <a:effectLst/>
-                <a:latin typeface="+mn-lt"/>
+                <a:latin typeface="Lexend Light"/>
               </a:rPr>
               <a:t>Argument of an Exception</a:t>
             </a:r>
@@ -13505,7 +14112,7 @@
                   <a:srgbClr val="000000"/>
                 </a:solidFill>
                 <a:effectLst/>
-                <a:latin typeface="+mn-lt"/>
+                <a:latin typeface="Lexend Light"/>
               </a:rPr>
               <a:t>Raising Exceptions</a:t>
             </a:r>
@@ -13522,7 +14129,7 @@
                   <a:srgbClr val="000000"/>
                 </a:solidFill>
                 <a:effectLst/>
-                <a:latin typeface="+mn-lt"/>
+                <a:latin typeface="Lexend Light"/>
               </a:rPr>
               <a:t>User-Defined Exceptions</a:t>
             </a:r>
@@ -13535,13 +14142,13 @@
             </a:pPr>
             <a:r>
               <a:rPr lang="en-US" dirty="0">
-                <a:latin typeface="Lucida Grande"/>
+                <a:latin typeface="Lexend Light"/>
               </a:rPr>
               <a:t>Logging</a:t>
             </a:r>
             <a:endParaRPr lang="en-US" b="0" i="0" dirty="0">
               <a:effectLst/>
-              <a:latin typeface="+mn-lt"/>
+              <a:latin typeface="Lexend Light"/>
             </a:endParaRPr>
           </a:p>
           <a:p>
@@ -13552,7 +14159,7 @@
                   <a:srgbClr val="1A1A1A"/>
                 </a:solidFill>
                 <a:effectLst/>
-                <a:latin typeface="Lucida Grande"/>
+                <a:latin typeface="Lexend Light"/>
               </a:rPr>
               <a:t>Logging to a file</a:t>
             </a:r>
@@ -13565,7 +14172,7 @@
                   <a:srgbClr val="1A1A1A"/>
                 </a:solidFill>
                 <a:effectLst/>
-                <a:latin typeface="Lucida Grande"/>
+                <a:latin typeface="Lexend Light"/>
               </a:rPr>
               <a:t>Logging from multiple modules</a:t>
             </a:r>
@@ -13582,7 +14189,7 @@
                   <a:srgbClr val="1A1A1A"/>
                 </a:solidFill>
                 <a:effectLst/>
-                <a:latin typeface="Lucida Grande"/>
+                <a:latin typeface="Lexend Light"/>
               </a:rPr>
               <a:t>Logging variable data</a:t>
             </a:r>
@@ -13599,7 +14206,7 @@
                 <a:srgbClr val="000000"/>
               </a:solidFill>
               <a:effectLst/>
-              <a:latin typeface="+mn-lt"/>
+              <a:latin typeface="Lexend Light"/>
             </a:endParaRPr>
           </a:p>
         </p:txBody>
@@ -13620,10 +14227,20 @@
           <a:lstStyle/>
           <a:p>
             <a:r>
-              <a:rPr lang="en-US" dirty="0"/>
+              <a:rPr lang="en-US" b="1" dirty="0">
+                <a:solidFill>
+                  <a:srgbClr val="0071F6"/>
+                </a:solidFill>
+                <a:latin typeface="Lexend" panose="020B0604020202020204"/>
+              </a:rPr>
               <a:t>Agenda</a:t>
             </a:r>
-            <a:endParaRPr lang="he-IL" dirty="0"/>
+            <a:endParaRPr lang="he-IL" b="1" dirty="0">
+              <a:solidFill>
+                <a:srgbClr val="0071F6"/>
+              </a:solidFill>
+              <a:latin typeface="Lexend" panose="020B0604020202020204"/>
+            </a:endParaRPr>
           </a:p>
         </p:txBody>
       </p:sp>
@@ -13643,6 +14260,20 @@
 <file path=ppt/slides/slide20.xml><?xml version="1.0" encoding="utf-8"?>
 <p:sld xmlns:a="http://schemas.openxmlformats.org/drawingml/2006/main" xmlns:r="http://schemas.openxmlformats.org/officeDocument/2006/relationships" xmlns:p="http://schemas.openxmlformats.org/presentationml/2006/main">
   <p:cSld>
+    <p:bg>
+      <p:bgPr>
+        <a:blipFill dpi="0" rotWithShape="1">
+          <a:blip r:embed="rId3">
+            <a:lum/>
+          </a:blip>
+          <a:srcRect/>
+          <a:stretch>
+            <a:fillRect/>
+          </a:stretch>
+        </a:blipFill>
+        <a:effectLst/>
+      </p:bgPr>
+    </p:bg>
     <p:spTree>
       <p:nvGrpSpPr>
         <p:cNvPr id="1" name=""/>
@@ -13675,17 +14306,20 @@
           <a:lstStyle/>
           <a:p>
             <a:r>
-              <a:rPr lang="en-US" b="0" i="0" dirty="0">
-                <a:solidFill>
-                  <a:srgbClr val="000000"/>
-                </a:solidFill>
-                <a:effectLst/>
-                <a:latin typeface="+mn-lt"/>
+              <a:rPr lang="en-US" b="1" i="0" dirty="0">
+                <a:solidFill>
+                  <a:srgbClr val="0071F6"/>
+                </a:solidFill>
+                <a:effectLst/>
+                <a:latin typeface="Lexend" panose="020B0604020202020204"/>
               </a:rPr>
               <a:t>Logging</a:t>
             </a:r>
-            <a:endParaRPr lang="en-US" dirty="0">
-              <a:latin typeface="+mn-lt"/>
+            <a:endParaRPr lang="en-US" b="1" dirty="0">
+              <a:solidFill>
+                <a:srgbClr val="0071F6"/>
+              </a:solidFill>
+              <a:latin typeface="Lexend" panose="020B0604020202020204"/>
               <a:cs typeface="Calibri" panose="020F0502020204030204" pitchFamily="34" charset="0"/>
             </a:endParaRPr>
           </a:p>
@@ -13729,6 +14363,7 @@
                   <a:srgbClr val="000000"/>
                 </a:solidFill>
                 <a:effectLst/>
+                <a:latin typeface="Lexend Light"/>
               </a:rPr>
               <a:t>Logging is a means of tracking events that happen when some software runs. </a:t>
             </a:r>
@@ -13737,6 +14372,7 @@
                 <a:srgbClr val="000000"/>
               </a:solidFill>
               <a:effectLst/>
+              <a:latin typeface="Lexend Light"/>
             </a:endParaRPr>
           </a:p>
           <a:p>
@@ -13750,6 +14386,7 @@
                   <a:srgbClr val="000000"/>
                 </a:solidFill>
                 <a:effectLst/>
+                <a:latin typeface="Lexend Light"/>
               </a:rPr>
               <a:t>The software’s developer adds logging calls to their code to indicate that certain events have occurred.</a:t>
             </a:r>
@@ -13758,6 +14395,7 @@
                 <a:srgbClr val="000000"/>
               </a:solidFill>
               <a:effectLst/>
+              <a:latin typeface="Lexend Light"/>
             </a:endParaRPr>
           </a:p>
           <a:p>
@@ -13771,6 +14409,7 @@
                   <a:srgbClr val="000000"/>
                 </a:solidFill>
                 <a:effectLst/>
+                <a:latin typeface="Lexend Light"/>
               </a:rPr>
               <a:t> An event is described by a descriptive message which can optionally contain variable data (i.e. data that is potentially different for each occurrence of the event).</a:t>
             </a:r>
@@ -13779,6 +14418,7 @@
                 <a:srgbClr val="000000"/>
               </a:solidFill>
               <a:effectLst/>
+              <a:latin typeface="Lexend Light"/>
             </a:endParaRPr>
           </a:p>
           <a:p>
@@ -13792,10 +14432,12 @@
                   <a:srgbClr val="000000"/>
                 </a:solidFill>
                 <a:effectLst/>
+                <a:latin typeface="Lexend Light"/>
               </a:rPr>
               <a:t> Events also have an importance which the developer ascribes to the event; the importance can also be called the level or severity.</a:t>
             </a:r>
             <a:endParaRPr lang="en-GB" sz="2800" dirty="0">
+              <a:latin typeface="Lexend Light"/>
               <a:cs typeface="Calibri" panose="020F0502020204030204" pitchFamily="34" charset="0"/>
             </a:endParaRPr>
           </a:p>
@@ -13817,6 +14459,20 @@
 <file path=ppt/slides/slide21.xml><?xml version="1.0" encoding="utf-8"?>
 <p:sld xmlns:a="http://schemas.openxmlformats.org/drawingml/2006/main" xmlns:r="http://schemas.openxmlformats.org/officeDocument/2006/relationships" xmlns:p="http://schemas.openxmlformats.org/presentationml/2006/main">
   <p:cSld>
+    <p:bg>
+      <p:bgPr>
+        <a:blipFill dpi="0" rotWithShape="1">
+          <a:blip r:embed="rId3">
+            <a:lum/>
+          </a:blip>
+          <a:srcRect/>
+          <a:stretch>
+            <a:fillRect/>
+          </a:stretch>
+        </a:blipFill>
+        <a:effectLst/>
+      </p:bgPr>
+    </p:bg>
     <p:spTree>
       <p:nvGrpSpPr>
         <p:cNvPr id="1" name=""/>
@@ -13841,7 +14497,12 @@
             <p:ph type="title"/>
           </p:nvPr>
         </p:nvSpPr>
-        <p:spPr/>
+        <p:spPr>
+          <a:xfrm>
+            <a:off x="838200" y="564717"/>
+            <a:ext cx="10515600" cy="923330"/>
+          </a:xfrm>
+        </p:spPr>
         <p:txBody>
           <a:bodyPr>
             <a:normAutofit/>
@@ -13849,17 +14510,20 @@
           <a:lstStyle/>
           <a:p>
             <a:r>
-              <a:rPr lang="en-US" b="0" i="0" dirty="0">
-                <a:solidFill>
-                  <a:srgbClr val="1A1A1A"/>
-                </a:solidFill>
-                <a:effectLst/>
-                <a:latin typeface="Lucida Grande"/>
+              <a:rPr lang="en-US" b="1" i="0" dirty="0">
+                <a:solidFill>
+                  <a:srgbClr val="0071F6"/>
+                </a:solidFill>
+                <a:effectLst/>
+                <a:latin typeface="Lexend" panose="020B0604020202020204"/>
               </a:rPr>
               <a:t>When to use logging?</a:t>
             </a:r>
-            <a:endParaRPr lang="en-US" dirty="0">
-              <a:latin typeface="+mn-lt"/>
+            <a:endParaRPr lang="en-US" b="1" dirty="0">
+              <a:solidFill>
+                <a:srgbClr val="0071F6"/>
+              </a:solidFill>
+              <a:latin typeface="Lexend" panose="020B0604020202020204"/>
               <a:cs typeface="Calibri" panose="020F0502020204030204" pitchFamily="34" charset="0"/>
             </a:endParaRPr>
           </a:p>
@@ -13879,8 +14543,8 @@
         </p:nvSpPr>
         <p:spPr>
           <a:xfrm>
-            <a:off x="838200" y="1884279"/>
-            <a:ext cx="10397067" cy="523220"/>
+            <a:off x="838200" y="1413148"/>
+            <a:ext cx="10515600" cy="830997"/>
           </a:xfrm>
           <a:prstGeom prst="rect">
             <a:avLst/>
@@ -13898,15 +14562,17 @@
               <a:buChar char="•"/>
             </a:pPr>
             <a:r>
-              <a:rPr lang="en-US" sz="1400" b="0" i="0" dirty="0">
+              <a:rPr lang="en-US" sz="1600" b="0" i="0" dirty="0">
                 <a:solidFill>
                   <a:srgbClr val="000000"/>
                 </a:solidFill>
                 <a:effectLst/>
+                <a:latin typeface="Lexend Light"/>
               </a:rPr>
               <a:t>Logging provides a set of convenience functions for simple logging usage. These are debug(), info(), warning(), error() and critical(). To determine when to use logging, see the table below, which states, for each of a set of common tasks, the best tool to use for it.</a:t>
             </a:r>
-            <a:endParaRPr lang="en-GB" sz="1400" dirty="0">
+            <a:endParaRPr lang="en-GB" sz="1600" dirty="0">
+              <a:latin typeface="Lexend Light"/>
               <a:cs typeface="Calibri" panose="020F0502020204030204" pitchFamily="34" charset="0"/>
             </a:endParaRPr>
           </a:p>
@@ -13927,13 +14593,13 @@
           <p:nvPr>
             <p:extLst>
               <p:ext uri="{D42A27DB-BD31-4B8C-83A1-F6EECF244321}">
-                <p14:modId xmlns:p14="http://schemas.microsoft.com/office/powerpoint/2010/main" val="2344498306"/>
+                <p14:modId xmlns:p14="http://schemas.microsoft.com/office/powerpoint/2010/main" val="3626602780"/>
               </p:ext>
             </p:extLst>
           </p:nvPr>
         </p:nvGraphicFramePr>
         <p:xfrm>
-          <a:off x="956733" y="2407499"/>
+          <a:off x="1054388" y="2336478"/>
           <a:ext cx="9266738" cy="4384920"/>
         </p:xfrm>
         <a:graphic>
@@ -13964,8 +14630,9 @@
                     <a:p>
                       <a:pPr algn="l"/>
                       <a:r>
-                        <a:rPr lang="en-US" sz="1600">
+                        <a:rPr lang="en-US" sz="1600" dirty="0">
                           <a:effectLst/>
+                          <a:latin typeface="Lexend Light"/>
                         </a:rPr>
                         <a:t>Task you want to perform</a:t>
                       </a:r>
@@ -14022,6 +14689,7 @@
                       <a:r>
                         <a:rPr lang="en-US" sz="1600" dirty="0">
                           <a:effectLst/>
+                          <a:latin typeface="Lexend Light"/>
                         </a:rPr>
                         <a:t>The best tool for the task</a:t>
                       </a:r>
@@ -14083,8 +14751,9 @@
                     <a:p>
                       <a:pPr algn="l"/>
                       <a:r>
-                        <a:rPr lang="en-US" sz="1600">
+                        <a:rPr lang="en-US" sz="1600" dirty="0">
                           <a:effectLst/>
+                          <a:latin typeface="Lexend Light"/>
                         </a:rPr>
                         <a:t>Display console output for ordinary usage of a command line script or program</a:t>
                       </a:r>
@@ -14144,12 +14813,14 @@
                             <a:srgbClr val="0072AA"/>
                           </a:solidFill>
                           <a:effectLst/>
-                          <a:hlinkClick r:id="rId3" tooltip="print"/>
+                          <a:latin typeface="Lexend Light"/>
+                          <a:hlinkClick r:id="rId4" tooltip="print"/>
                         </a:rPr>
                         <a:t>print()</a:t>
                       </a:r>
                       <a:endParaRPr lang="en-US" sz="1600" dirty="0">
                         <a:effectLst/>
+                        <a:latin typeface="Lexend Light"/>
                       </a:endParaRPr>
                     </a:p>
                   </a:txBody>
@@ -14209,8 +14880,9 @@
                     <a:p>
                       <a:pPr algn="l"/>
                       <a:r>
-                        <a:rPr lang="en-US" sz="1600">
+                        <a:rPr lang="en-US" sz="1600" dirty="0">
                           <a:effectLst/>
+                          <a:latin typeface="Lexend Light"/>
                         </a:rPr>
                         <a:t>Report events that occur during normal operation of a program (e.g. for status monitoring or fault investigation)</a:t>
                       </a:r>
@@ -14270,13 +14942,15 @@
                             <a:srgbClr val="0072AA"/>
                           </a:solidFill>
                           <a:effectLst/>
-                          <a:hlinkClick r:id="rId4" tooltip="logging.info"/>
+                          <a:latin typeface="Lexend Light"/>
+                          <a:hlinkClick r:id="rId5" tooltip="logging.info"/>
                         </a:rPr>
                         <a:t>logging.info()</a:t>
                       </a:r>
                       <a:r>
                         <a:rPr lang="en-US" sz="1600">
                           <a:effectLst/>
+                          <a:latin typeface="Lexend Light"/>
                         </a:rPr>
                         <a:t> (or </a:t>
                       </a:r>
@@ -14286,13 +14960,15 @@
                             <a:srgbClr val="0072AA"/>
                           </a:solidFill>
                           <a:effectLst/>
-                          <a:hlinkClick r:id="rId5" tooltip="logging.debug"/>
+                          <a:latin typeface="Lexend Light"/>
+                          <a:hlinkClick r:id="rId6" tooltip="logging.debug"/>
                         </a:rPr>
                         <a:t>logging.debug()</a:t>
                       </a:r>
                       <a:r>
                         <a:rPr lang="en-US" sz="1600">
                           <a:effectLst/>
+                          <a:latin typeface="Lexend Light"/>
                         </a:rPr>
                         <a:t> for very detailed output for diagnostic purposes)</a:t>
                       </a:r>
@@ -14356,6 +15032,7 @@
                       <a:r>
                         <a:rPr lang="en-US" sz="1600">
                           <a:effectLst/>
+                          <a:latin typeface="Lexend Light"/>
                         </a:rPr>
                         <a:t>Issue a warning regarding a particular runtime event</a:t>
                       </a:r>
@@ -14415,13 +15092,15 @@
                             <a:srgbClr val="0072AA"/>
                           </a:solidFill>
                           <a:effectLst/>
-                          <a:hlinkClick r:id="rId6" tooltip="warnings.warn"/>
+                          <a:latin typeface="Lexend Light"/>
+                          <a:hlinkClick r:id="rId7" tooltip="warnings.warn"/>
                         </a:rPr>
                         <a:t>warnings.warn()</a:t>
                       </a:r>
                       <a:r>
                         <a:rPr lang="en-US" sz="1600">
                           <a:effectLst/>
+                          <a:latin typeface="Lexend Light"/>
                         </a:rPr>
                         <a:t> in library code if the issue is avoidable and the client application should be modified to eliminate the warning</a:t>
                       </a:r>
@@ -14434,13 +15113,15 @@
                             <a:srgbClr val="0072AA"/>
                           </a:solidFill>
                           <a:effectLst/>
-                          <a:hlinkClick r:id="rId7" tooltip="logging.warning"/>
+                          <a:latin typeface="Lexend Light"/>
+                          <a:hlinkClick r:id="rId8" tooltip="logging.warning"/>
                         </a:rPr>
                         <a:t>logging.warning()</a:t>
                       </a:r>
                       <a:r>
                         <a:rPr lang="en-US" sz="1600">
                           <a:effectLst/>
+                          <a:latin typeface="Lexend Light"/>
                         </a:rPr>
                         <a:t> if there is nothing the client application can do about the situation, but the event should still be noted</a:t>
                       </a:r>
@@ -14504,6 +15185,7 @@
                       <a:r>
                         <a:rPr lang="en-US" sz="1600">
                           <a:effectLst/>
+                          <a:latin typeface="Lexend Light"/>
                         </a:rPr>
                         <a:t>Report an error regarding a particular runtime event</a:t>
                       </a:r>
@@ -14560,6 +15242,7 @@
                       <a:r>
                         <a:rPr lang="en-US" sz="1600">
                           <a:effectLst/>
+                          <a:latin typeface="Lexend Light"/>
                         </a:rPr>
                         <a:t>Raise an exception</a:t>
                       </a:r>
@@ -14623,6 +15306,7 @@
                       <a:r>
                         <a:rPr lang="en-US" sz="1600">
                           <a:effectLst/>
+                          <a:latin typeface="Lexend Light"/>
                         </a:rPr>
                         <a:t>Report suppression of an error without raising an exception (e.g. error handler in a long-running server process)</a:t>
                       </a:r>
@@ -14682,7 +15366,8 @@
                             <a:srgbClr val="0072AA"/>
                           </a:solidFill>
                           <a:effectLst/>
-                          <a:hlinkClick r:id="rId8" tooltip="logging.error"/>
+                          <a:latin typeface="Lexend Light"/>
+                          <a:hlinkClick r:id="rId9" tooltip="logging.error"/>
                         </a:rPr>
                         <a:t>logging.error</a:t>
                       </a:r>
@@ -14692,13 +15377,15 @@
                             <a:srgbClr val="0072AA"/>
                           </a:solidFill>
                           <a:effectLst/>
-                          <a:hlinkClick r:id="rId8" tooltip="logging.error"/>
+                          <a:latin typeface="Lexend Light"/>
+                          <a:hlinkClick r:id="rId9" tooltip="logging.error"/>
                         </a:rPr>
                         <a:t>()</a:t>
                       </a:r>
                       <a:r>
                         <a:rPr lang="en-US" sz="1600" dirty="0">
                           <a:effectLst/>
+                          <a:latin typeface="Lexend Light"/>
                         </a:rPr>
                         <a:t>, </a:t>
                       </a:r>
@@ -14708,7 +15395,8 @@
                             <a:srgbClr val="0072AA"/>
                           </a:solidFill>
                           <a:effectLst/>
-                          <a:hlinkClick r:id="rId9" tooltip="logging.exception"/>
+                          <a:latin typeface="Lexend Light"/>
+                          <a:hlinkClick r:id="rId10" tooltip="logging.exception"/>
                         </a:rPr>
                         <a:t>logging.exception</a:t>
                       </a:r>
@@ -14718,13 +15406,15 @@
                             <a:srgbClr val="0072AA"/>
                           </a:solidFill>
                           <a:effectLst/>
-                          <a:hlinkClick r:id="rId9" tooltip="logging.exception"/>
+                          <a:latin typeface="Lexend Light"/>
+                          <a:hlinkClick r:id="rId10" tooltip="logging.exception"/>
                         </a:rPr>
                         <a:t>()</a:t>
                       </a:r>
                       <a:r>
                         <a:rPr lang="en-US" sz="1600" dirty="0">
                           <a:effectLst/>
+                          <a:latin typeface="Lexend Light"/>
                         </a:rPr>
                         <a:t> or </a:t>
                       </a:r>
@@ -14734,7 +15424,8 @@
                             <a:srgbClr val="0072AA"/>
                           </a:solidFill>
                           <a:effectLst/>
-                          <a:hlinkClick r:id="rId10" tooltip="logging.critical"/>
+                          <a:latin typeface="Lexend Light"/>
+                          <a:hlinkClick r:id="rId11" tooltip="logging.critical"/>
                         </a:rPr>
                         <a:t>logging.critical</a:t>
                       </a:r>
@@ -14744,13 +15435,15 @@
                             <a:srgbClr val="0072AA"/>
                           </a:solidFill>
                           <a:effectLst/>
-                          <a:hlinkClick r:id="rId10" tooltip="logging.critical"/>
+                          <a:latin typeface="Lexend Light"/>
+                          <a:hlinkClick r:id="rId11" tooltip="logging.critical"/>
                         </a:rPr>
                         <a:t>()</a:t>
                       </a:r>
                       <a:r>
                         <a:rPr lang="en-US" sz="1600" dirty="0">
                           <a:effectLst/>
+                          <a:latin typeface="Lexend Light"/>
                         </a:rPr>
                         <a:t> as appropriate for the specific error and application domain</a:t>
                       </a:r>
@@ -14824,6 +15517,20 @@
 <file path=ppt/slides/slide22.xml><?xml version="1.0" encoding="utf-8"?>
 <p:sld xmlns:a="http://schemas.openxmlformats.org/drawingml/2006/main" xmlns:r="http://schemas.openxmlformats.org/officeDocument/2006/relationships" xmlns:p="http://schemas.openxmlformats.org/presentationml/2006/main">
   <p:cSld>
+    <p:bg>
+      <p:bgPr>
+        <a:blipFill dpi="0" rotWithShape="1">
+          <a:blip r:embed="rId3">
+            <a:lum/>
+          </a:blip>
+          <a:srcRect/>
+          <a:stretch>
+            <a:fillRect/>
+          </a:stretch>
+        </a:blipFill>
+        <a:effectLst/>
+      </p:bgPr>
+    </p:bg>
     <p:spTree>
       <p:nvGrpSpPr>
         <p:cNvPr id="1" name=""/>
@@ -14856,17 +15563,20 @@
           <a:lstStyle/>
           <a:p>
             <a:r>
-              <a:rPr lang="en-US" b="0" i="0" dirty="0">
-                <a:solidFill>
-                  <a:srgbClr val="1A1A1A"/>
-                </a:solidFill>
-                <a:effectLst/>
-                <a:latin typeface="Lucida Grande"/>
+              <a:rPr lang="en-US" b="1" i="0" dirty="0">
+                <a:solidFill>
+                  <a:srgbClr val="0071F6"/>
+                </a:solidFill>
+                <a:effectLst/>
+                <a:latin typeface="Lexend" panose="020B0604020202020204"/>
               </a:rPr>
               <a:t>When to use logging?</a:t>
             </a:r>
-            <a:endParaRPr lang="en-US" dirty="0">
-              <a:latin typeface="+mn-lt"/>
+            <a:endParaRPr lang="en-US" b="1" dirty="0">
+              <a:solidFill>
+                <a:srgbClr val="0071F6"/>
+              </a:solidFill>
+              <a:latin typeface="Lexend" panose="020B0604020202020204"/>
               <a:cs typeface="Calibri" panose="020F0502020204030204" pitchFamily="34" charset="0"/>
             </a:endParaRPr>
           </a:p>
@@ -14886,8 +15596,8 @@
         </p:nvSpPr>
         <p:spPr>
           <a:xfrm>
-            <a:off x="838200" y="1884279"/>
-            <a:ext cx="10397067" cy="523220"/>
+            <a:off x="838200" y="1787309"/>
+            <a:ext cx="10397067" cy="646331"/>
           </a:xfrm>
           <a:prstGeom prst="rect">
             <a:avLst/>
@@ -14905,15 +15615,17 @@
               <a:buChar char="•"/>
             </a:pPr>
             <a:r>
-              <a:rPr lang="en-US" sz="1400" b="0" i="0" dirty="0">
+              <a:rPr lang="en-US" b="0" i="0" dirty="0">
                 <a:solidFill>
                   <a:srgbClr val="000000"/>
                 </a:solidFill>
                 <a:effectLst/>
+                <a:latin typeface="Lexend Light"/>
               </a:rPr>
               <a:t>The logging functions are named after the level or severity of the events they are used to track. The standard levels and their applicability are described below (in increasing order of severity):</a:t>
             </a:r>
-            <a:endParaRPr lang="en-GB" sz="1400" dirty="0">
+            <a:endParaRPr lang="en-GB" dirty="0">
+              <a:latin typeface="Lexend Light"/>
               <a:cs typeface="Calibri" panose="020F0502020204030204" pitchFamily="34" charset="0"/>
             </a:endParaRPr>
           </a:p>
@@ -15697,6 +16409,20 @@
 <file path=ppt/slides/slide23.xml><?xml version="1.0" encoding="utf-8"?>
 <p:sld xmlns:a="http://schemas.openxmlformats.org/drawingml/2006/main" xmlns:r="http://schemas.openxmlformats.org/officeDocument/2006/relationships" xmlns:p="http://schemas.openxmlformats.org/presentationml/2006/main">
   <p:cSld>
+    <p:bg>
+      <p:bgPr>
+        <a:blipFill dpi="0" rotWithShape="1">
+          <a:blip r:embed="rId2">
+            <a:lum/>
+          </a:blip>
+          <a:srcRect/>
+          <a:stretch>
+            <a:fillRect/>
+          </a:stretch>
+        </a:blipFill>
+        <a:effectLst/>
+      </p:bgPr>
+    </p:bg>
     <p:spTree>
       <p:nvGrpSpPr>
         <p:cNvPr id="1" name=""/>
@@ -15727,16 +16453,18 @@
           <a:lstStyle/>
           <a:p>
             <a:r>
-              <a:rPr lang="en-US" b="0" i="0" dirty="0">
+              <a:rPr lang="en-US" b="1" i="0" dirty="0">
                 <a:solidFill>
                   <a:srgbClr val="000000"/>
                 </a:solidFill>
                 <a:effectLst/>
-                <a:latin typeface="+mn-lt"/>
+                <a:latin typeface="Lexend Light"/>
               </a:rPr>
               <a:t>Logging simple example</a:t>
             </a:r>
-            <a:endParaRPr lang="he-IL" dirty="0"/>
+            <a:endParaRPr lang="he-IL" b="1" dirty="0">
+              <a:latin typeface="Lexend Light"/>
+            </a:endParaRPr>
           </a:p>
         </p:txBody>
       </p:sp>
@@ -15756,6 +16484,20 @@
 <file path=ppt/slides/slide24.xml><?xml version="1.0" encoding="utf-8"?>
 <p:sld xmlns:a="http://schemas.openxmlformats.org/drawingml/2006/main" xmlns:r="http://schemas.openxmlformats.org/officeDocument/2006/relationships" xmlns:p="http://schemas.openxmlformats.org/presentationml/2006/main">
   <p:cSld>
+    <p:bg>
+      <p:bgPr>
+        <a:blipFill dpi="0" rotWithShape="1">
+          <a:blip r:embed="rId3">
+            <a:lum/>
+          </a:blip>
+          <a:srcRect/>
+          <a:stretch>
+            <a:fillRect/>
+          </a:stretch>
+        </a:blipFill>
+        <a:effectLst/>
+      </p:bgPr>
+    </p:bg>
     <p:spTree>
       <p:nvGrpSpPr>
         <p:cNvPr id="1" name=""/>
@@ -15788,17 +16530,17 @@
           <a:lstStyle/>
           <a:p>
             <a:r>
-              <a:rPr lang="en-US" b="0" i="0" dirty="0">
+              <a:rPr lang="en-US" b="1" i="0" dirty="0">
                 <a:solidFill>
                   <a:srgbClr val="000000"/>
                 </a:solidFill>
                 <a:effectLst/>
-                <a:latin typeface="+mn-lt"/>
+                <a:latin typeface="Lexend" panose="020B0604020202020204"/>
               </a:rPr>
               <a:t>Example</a:t>
             </a:r>
-            <a:endParaRPr lang="en-US" dirty="0">
-              <a:latin typeface="+mn-lt"/>
+            <a:endParaRPr lang="en-US" b="1" dirty="0">
+              <a:latin typeface="Lexend" panose="020B0604020202020204"/>
               <a:cs typeface="Calibri" panose="020F0502020204030204" pitchFamily="34" charset="0"/>
             </a:endParaRPr>
           </a:p>
@@ -16076,6 +16818,20 @@
 <file path=ppt/slides/slide25.xml><?xml version="1.0" encoding="utf-8"?>
 <p:sld xmlns:a="http://schemas.openxmlformats.org/drawingml/2006/main" xmlns:r="http://schemas.openxmlformats.org/officeDocument/2006/relationships" xmlns:p="http://schemas.openxmlformats.org/presentationml/2006/main">
   <p:cSld>
+    <p:bg>
+      <p:bgPr>
+        <a:blipFill dpi="0" rotWithShape="1">
+          <a:blip r:embed="rId3">
+            <a:lum/>
+          </a:blip>
+          <a:srcRect/>
+          <a:stretch>
+            <a:fillRect/>
+          </a:stretch>
+        </a:blipFill>
+        <a:effectLst/>
+      </p:bgPr>
+    </p:bg>
     <p:spTree>
       <p:nvGrpSpPr>
         <p:cNvPr id="1" name=""/>
@@ -16108,17 +16864,20 @@
           <a:lstStyle/>
           <a:p>
             <a:r>
-              <a:rPr lang="en-US" b="0" i="0" dirty="0">
-                <a:solidFill>
-                  <a:srgbClr val="000000"/>
-                </a:solidFill>
-                <a:effectLst/>
-                <a:latin typeface="+mn-lt"/>
+              <a:rPr lang="en-US" b="1" i="0" dirty="0">
+                <a:solidFill>
+                  <a:srgbClr val="0071F6"/>
+                </a:solidFill>
+                <a:effectLst/>
+                <a:latin typeface="Lexend" panose="020B0604020202020204"/>
               </a:rPr>
               <a:t>Logging to a file</a:t>
             </a:r>
-            <a:endParaRPr lang="en-US" dirty="0">
-              <a:latin typeface="+mn-lt"/>
+            <a:endParaRPr lang="en-US" b="1" dirty="0">
+              <a:solidFill>
+                <a:srgbClr val="0071F6"/>
+              </a:solidFill>
+              <a:latin typeface="Lexend" panose="020B0604020202020204"/>
               <a:cs typeface="Calibri" panose="020F0502020204030204" pitchFamily="34" charset="0"/>
             </a:endParaRPr>
           </a:p>
@@ -16162,6 +16921,7 @@
                   <a:srgbClr val="000000"/>
                 </a:solidFill>
                 <a:effectLst/>
+                <a:latin typeface="Lexend Light"/>
               </a:rPr>
               <a:t>A very common situation is that of recording logging events in a file, so let’s look at that next. Be sure to try the following in a newly started Python interpreter, and don’t just continue from the session described above:</a:t>
             </a:r>
@@ -16175,6 +16935,7 @@
               <a:solidFill>
                 <a:srgbClr val="000000"/>
               </a:solidFill>
+              <a:latin typeface="Lexend Light"/>
               <a:cs typeface="Calibri" panose="020F0502020204030204" pitchFamily="34" charset="0"/>
             </a:endParaRPr>
           </a:p>
@@ -16187,6 +16948,7 @@
               <a:solidFill>
                 <a:srgbClr val="000000"/>
               </a:solidFill>
+              <a:latin typeface="Lexend Light"/>
               <a:cs typeface="Calibri" panose="020F0502020204030204" pitchFamily="34" charset="0"/>
             </a:endParaRPr>
           </a:p>
@@ -16199,6 +16961,7 @@
               <a:solidFill>
                 <a:srgbClr val="000000"/>
               </a:solidFill>
+              <a:latin typeface="Lexend Light"/>
               <a:cs typeface="Calibri" panose="020F0502020204030204" pitchFamily="34" charset="0"/>
             </a:endParaRPr>
           </a:p>
@@ -16211,6 +16974,7 @@
               <a:solidFill>
                 <a:srgbClr val="000000"/>
               </a:solidFill>
+              <a:latin typeface="Lexend Light"/>
               <a:cs typeface="Calibri" panose="020F0502020204030204" pitchFamily="34" charset="0"/>
             </a:endParaRPr>
           </a:p>
@@ -16223,6 +16987,7 @@
               <a:solidFill>
                 <a:srgbClr val="000000"/>
               </a:solidFill>
+              <a:latin typeface="Lexend Light"/>
               <a:cs typeface="Calibri" panose="020F0502020204030204" pitchFamily="34" charset="0"/>
             </a:endParaRPr>
           </a:p>
@@ -16235,6 +17000,7 @@
               <a:solidFill>
                 <a:srgbClr val="000000"/>
               </a:solidFill>
+              <a:latin typeface="Lexend Light"/>
               <a:cs typeface="Calibri" panose="020F0502020204030204" pitchFamily="34" charset="0"/>
             </a:endParaRPr>
           </a:p>
@@ -16247,6 +17013,7 @@
               <a:solidFill>
                 <a:srgbClr val="000000"/>
               </a:solidFill>
+              <a:latin typeface="Lexend Light"/>
               <a:cs typeface="Calibri" panose="020F0502020204030204" pitchFamily="34" charset="0"/>
             </a:endParaRPr>
           </a:p>
@@ -16259,6 +17026,7 @@
               <a:solidFill>
                 <a:srgbClr val="000000"/>
               </a:solidFill>
+              <a:latin typeface="Lexend Light"/>
               <a:cs typeface="Calibri" panose="020F0502020204030204" pitchFamily="34" charset="0"/>
             </a:endParaRPr>
           </a:p>
@@ -16267,6 +17035,7 @@
               <a:solidFill>
                 <a:srgbClr val="000000"/>
               </a:solidFill>
+              <a:latin typeface="Lexend Light"/>
               <a:cs typeface="Calibri" panose="020F0502020204030204" pitchFamily="34" charset="0"/>
             </a:endParaRPr>
           </a:p>
@@ -16280,6 +17049,7 @@
                 <a:solidFill>
                   <a:srgbClr val="000000"/>
                 </a:solidFill>
+                <a:latin typeface="Lexend Light"/>
                 <a:cs typeface="Calibri" panose="020F0502020204030204" pitchFamily="34" charset="0"/>
               </a:rPr>
               <a:t>The encoding argument was added. In earlier Python versions, or if not specified, the encoding used is the default value used by open(). While not shown in the above example, an errors argument can also now be passed, which determines how encoding errors are handled. For available values and the default, see the documentation for open().</a:t>
@@ -16290,12 +17060,14 @@
               <a:solidFill>
                 <a:srgbClr val="000000"/>
               </a:solidFill>
+              <a:latin typeface="Lexend Light"/>
               <a:cs typeface="Calibri" panose="020F0502020204030204" pitchFamily="34" charset="0"/>
             </a:endParaRPr>
           </a:p>
           <a:p>
             <a:r>
               <a:rPr lang="en-US" sz="1400" dirty="0">
+                <a:latin typeface="Lexend Light"/>
                 <a:cs typeface="Calibri" panose="020F0502020204030204" pitchFamily="34" charset="0"/>
               </a:rPr>
               <a:t>And now if we open the file and look at what we have, we should find the log messages:</a:t>
@@ -16303,18 +17075,21 @@
           </a:p>
           <a:p>
             <a:endParaRPr lang="en-US" sz="1400" dirty="0">
+              <a:latin typeface="Lexend Light"/>
               <a:cs typeface="Calibri" panose="020F0502020204030204" pitchFamily="34" charset="0"/>
             </a:endParaRPr>
           </a:p>
           <a:p>
             <a:r>
               <a:rPr lang="en-US" sz="1400" dirty="0" err="1">
+                <a:latin typeface="Lexend Light"/>
                 <a:cs typeface="Calibri" panose="020F0502020204030204" pitchFamily="34" charset="0"/>
               </a:rPr>
               <a:t>DEBUG:root:This</a:t>
             </a:r>
             <a:r>
               <a:rPr lang="en-US" sz="1400" dirty="0">
+                <a:latin typeface="Lexend Light"/>
                 <a:cs typeface="Calibri" panose="020F0502020204030204" pitchFamily="34" charset="0"/>
               </a:rPr>
               <a:t> message should go to the log file</a:t>
@@ -16323,12 +17098,14 @@
           <a:p>
             <a:r>
               <a:rPr lang="en-US" sz="1400" dirty="0" err="1">
+                <a:latin typeface="Lexend Light"/>
                 <a:cs typeface="Calibri" panose="020F0502020204030204" pitchFamily="34" charset="0"/>
               </a:rPr>
               <a:t>INFO:root:So</a:t>
             </a:r>
             <a:r>
               <a:rPr lang="en-US" sz="1400" dirty="0">
+                <a:latin typeface="Lexend Light"/>
                 <a:cs typeface="Calibri" panose="020F0502020204030204" pitchFamily="34" charset="0"/>
               </a:rPr>
               <a:t> should this</a:t>
@@ -16337,12 +17114,14 @@
           <a:p>
             <a:r>
               <a:rPr lang="en-US" sz="1400" dirty="0" err="1">
+                <a:latin typeface="Lexend Light"/>
                 <a:cs typeface="Calibri" panose="020F0502020204030204" pitchFamily="34" charset="0"/>
               </a:rPr>
               <a:t>WARNING:root:And</a:t>
             </a:r>
             <a:r>
               <a:rPr lang="en-US" sz="1400" dirty="0">
+                <a:latin typeface="Lexend Light"/>
                 <a:cs typeface="Calibri" panose="020F0502020204030204" pitchFamily="34" charset="0"/>
               </a:rPr>
               <a:t> this, too</a:t>
@@ -16351,29 +17130,34 @@
           <a:p>
             <a:r>
               <a:rPr lang="en-US" sz="1400" dirty="0" err="1">
+                <a:latin typeface="Lexend Light"/>
                 <a:cs typeface="Calibri" panose="020F0502020204030204" pitchFamily="34" charset="0"/>
               </a:rPr>
               <a:t>ERROR:root:And</a:t>
             </a:r>
             <a:r>
               <a:rPr lang="en-US" sz="1400" dirty="0">
+                <a:latin typeface="Lexend Light"/>
                 <a:cs typeface="Calibri" panose="020F0502020204030204" pitchFamily="34" charset="0"/>
               </a:rPr>
               <a:t> non-ASCII stuff, too, like </a:t>
             </a:r>
             <a:r>
               <a:rPr lang="en-US" sz="1400" dirty="0" err="1">
+                <a:latin typeface="Lexend Light"/>
                 <a:cs typeface="Calibri" panose="020F0502020204030204" pitchFamily="34" charset="0"/>
               </a:rPr>
               <a:t>Øresund</a:t>
             </a:r>
             <a:r>
               <a:rPr lang="en-US" sz="1400" dirty="0">
+                <a:latin typeface="Lexend Light"/>
                 <a:cs typeface="Calibri" panose="020F0502020204030204" pitchFamily="34" charset="0"/>
               </a:rPr>
               <a:t> and Malmö</a:t>
             </a:r>
             <a:endParaRPr lang="en-GB" sz="1400" dirty="0">
+              <a:latin typeface="Lexend Light"/>
               <a:cs typeface="Calibri" panose="020F0502020204030204" pitchFamily="34" charset="0"/>
             </a:endParaRPr>
           </a:p>
@@ -16921,6 +17705,20 @@
 <file path=ppt/slides/slide26.xml><?xml version="1.0" encoding="utf-8"?>
 <p:sld xmlns:a="http://schemas.openxmlformats.org/drawingml/2006/main" xmlns:r="http://schemas.openxmlformats.org/officeDocument/2006/relationships" xmlns:p="http://schemas.openxmlformats.org/presentationml/2006/main">
   <p:cSld>
+    <p:bg>
+      <p:bgPr>
+        <a:blipFill dpi="0" rotWithShape="1">
+          <a:blip r:embed="rId3">
+            <a:lum/>
+          </a:blip>
+          <a:srcRect/>
+          <a:stretch>
+            <a:fillRect/>
+          </a:stretch>
+        </a:blipFill>
+        <a:effectLst/>
+      </p:bgPr>
+    </p:bg>
     <p:spTree>
       <p:nvGrpSpPr>
         <p:cNvPr id="1" name=""/>
@@ -16953,17 +17751,20 @@
           <a:lstStyle/>
           <a:p>
             <a:r>
-              <a:rPr lang="en-US" b="0" i="0" dirty="0">
-                <a:solidFill>
-                  <a:srgbClr val="000000"/>
-                </a:solidFill>
-                <a:effectLst/>
-                <a:latin typeface="+mn-lt"/>
+              <a:rPr lang="en-US" b="1" i="0" dirty="0">
+                <a:solidFill>
+                  <a:srgbClr val="0071F6"/>
+                </a:solidFill>
+                <a:effectLst/>
+                <a:latin typeface="Lexend" panose="020B0604020202020204"/>
               </a:rPr>
               <a:t>Logging to a file – cont’d</a:t>
             </a:r>
-            <a:endParaRPr lang="en-US" dirty="0">
-              <a:latin typeface="+mn-lt"/>
+            <a:endParaRPr lang="en-US" b="1" dirty="0">
+              <a:solidFill>
+                <a:srgbClr val="0071F6"/>
+              </a:solidFill>
+              <a:latin typeface="Lexend" panose="020B0604020202020204"/>
               <a:cs typeface="Calibri" panose="020F0502020204030204" pitchFamily="34" charset="0"/>
             </a:endParaRPr>
           </a:p>
@@ -17007,6 +17808,7 @@
                   <a:srgbClr val="000000"/>
                 </a:solidFill>
                 <a:effectLst/>
+                <a:latin typeface="Lexend Light"/>
               </a:rPr>
               <a:t>To get the value which you’ll pass to </a:t>
             </a:r>
@@ -17016,6 +17818,7 @@
                   <a:srgbClr val="000000"/>
                 </a:solidFill>
                 <a:effectLst/>
+                <a:latin typeface="Lexend Light"/>
               </a:rPr>
               <a:t>basicConfig</a:t>
             </a:r>
@@ -17025,6 +17828,7 @@
                   <a:srgbClr val="000000"/>
                 </a:solidFill>
                 <a:effectLst/>
+                <a:latin typeface="Lexend Light"/>
               </a:rPr>
               <a:t>() </a:t>
             </a:r>
@@ -17034,6 +17838,7 @@
                   <a:srgbClr val="000000"/>
                 </a:solidFill>
                 <a:effectLst/>
+                <a:latin typeface="Lexend Light"/>
               </a:rPr>
               <a:t>via the level argument. You may want to error check any user input value, perhaps as in the following example:</a:t>
             </a:r>
@@ -17041,6 +17846,7 @@
               <a:solidFill>
                 <a:srgbClr val="000000"/>
               </a:solidFill>
+              <a:latin typeface="Lexend Light"/>
               <a:cs typeface="Calibri" panose="020F0502020204030204" pitchFamily="34" charset="0"/>
             </a:endParaRPr>
           </a:p>
@@ -17053,6 +17859,7 @@
               <a:solidFill>
                 <a:srgbClr val="000000"/>
               </a:solidFill>
+              <a:latin typeface="Lexend Light"/>
               <a:cs typeface="Calibri" panose="020F0502020204030204" pitchFamily="34" charset="0"/>
             </a:endParaRPr>
           </a:p>
@@ -17065,6 +17872,7 @@
               <a:solidFill>
                 <a:srgbClr val="000000"/>
               </a:solidFill>
+              <a:latin typeface="Lexend Light"/>
               <a:cs typeface="Calibri" panose="020F0502020204030204" pitchFamily="34" charset="0"/>
             </a:endParaRPr>
           </a:p>
@@ -17077,6 +17885,7 @@
               <a:solidFill>
                 <a:srgbClr val="000000"/>
               </a:solidFill>
+              <a:latin typeface="Lexend Light"/>
               <a:cs typeface="Calibri" panose="020F0502020204030204" pitchFamily="34" charset="0"/>
             </a:endParaRPr>
           </a:p>
@@ -17089,6 +17898,7 @@
               <a:solidFill>
                 <a:srgbClr val="000000"/>
               </a:solidFill>
+              <a:latin typeface="Lexend Light"/>
               <a:cs typeface="Calibri" panose="020F0502020204030204" pitchFamily="34" charset="0"/>
             </a:endParaRPr>
           </a:p>
@@ -17101,6 +17911,7 @@
               <a:solidFill>
                 <a:srgbClr val="000000"/>
               </a:solidFill>
+              <a:latin typeface="Lexend Light"/>
               <a:cs typeface="Calibri" panose="020F0502020204030204" pitchFamily="34" charset="0"/>
             </a:endParaRPr>
           </a:p>
@@ -17113,6 +17924,7 @@
               <a:solidFill>
                 <a:srgbClr val="000000"/>
               </a:solidFill>
+              <a:latin typeface="Lexend Light"/>
               <a:cs typeface="Calibri" panose="020F0502020204030204" pitchFamily="34" charset="0"/>
             </a:endParaRPr>
           </a:p>
@@ -17125,6 +17937,7 @@
               <a:solidFill>
                 <a:srgbClr val="000000"/>
               </a:solidFill>
+              <a:latin typeface="Lexend Light"/>
               <a:cs typeface="Calibri" panose="020F0502020204030204" pitchFamily="34" charset="0"/>
             </a:endParaRPr>
           </a:p>
@@ -17133,6 +17946,7 @@
               <a:solidFill>
                 <a:srgbClr val="000000"/>
               </a:solidFill>
+              <a:latin typeface="Lexend Light"/>
               <a:cs typeface="Calibri" panose="020F0502020204030204" pitchFamily="34" charset="0"/>
             </a:endParaRPr>
           </a:p>
@@ -17141,6 +17955,7 @@
               <a:solidFill>
                 <a:srgbClr val="000000"/>
               </a:solidFill>
+              <a:latin typeface="Lexend Light"/>
               <a:cs typeface="Calibri" panose="020F0502020204030204" pitchFamily="34" charset="0"/>
             </a:endParaRPr>
           </a:p>
@@ -17151,35 +17966,41 @@
             </a:pPr>
             <a:r>
               <a:rPr lang="en-US" dirty="0">
+                <a:latin typeface="Lexend Light"/>
                 <a:cs typeface="Calibri" panose="020F0502020204030204" pitchFamily="34" charset="0"/>
               </a:rPr>
               <a:t>The call to </a:t>
             </a:r>
             <a:r>
               <a:rPr lang="en-US" dirty="0" err="1">
+                <a:latin typeface="Lexend Light"/>
                 <a:cs typeface="Calibri" panose="020F0502020204030204" pitchFamily="34" charset="0"/>
               </a:rPr>
               <a:t>basicConfig</a:t>
             </a:r>
             <a:r>
               <a:rPr lang="en-US" dirty="0">
+                <a:latin typeface="Lexend Light"/>
                 <a:cs typeface="Calibri" panose="020F0502020204030204" pitchFamily="34" charset="0"/>
               </a:rPr>
               <a:t>() should come before any calls to debug(), info(), etc. Otherwise, those functions will call </a:t>
             </a:r>
             <a:r>
               <a:rPr lang="en-US" dirty="0" err="1">
+                <a:latin typeface="Lexend Light"/>
                 <a:cs typeface="Calibri" panose="020F0502020204030204" pitchFamily="34" charset="0"/>
               </a:rPr>
               <a:t>basicConfig</a:t>
             </a:r>
             <a:r>
               <a:rPr lang="en-US" dirty="0">
+                <a:latin typeface="Lexend Light"/>
                 <a:cs typeface="Calibri" panose="020F0502020204030204" pitchFamily="34" charset="0"/>
               </a:rPr>
               <a:t>() for you with the default options. As it’s intended as a one-off simple configuration facility, only the first call will actually do anything: subsequent calls are effectively no-ops.</a:t>
             </a:r>
             <a:endParaRPr lang="en-GB" dirty="0">
+              <a:latin typeface="Lexend Light"/>
               <a:cs typeface="Calibri" panose="020F0502020204030204" pitchFamily="34" charset="0"/>
             </a:endParaRPr>
           </a:p>
@@ -17804,6 +18625,20 @@
 <file path=ppt/slides/slide27.xml><?xml version="1.0" encoding="utf-8"?>
 <p:sld xmlns:a="http://schemas.openxmlformats.org/drawingml/2006/main" xmlns:r="http://schemas.openxmlformats.org/officeDocument/2006/relationships" xmlns:p="http://schemas.openxmlformats.org/presentationml/2006/main">
   <p:cSld>
+    <p:bg>
+      <p:bgPr>
+        <a:blipFill dpi="0" rotWithShape="1">
+          <a:blip r:embed="rId3">
+            <a:lum/>
+          </a:blip>
+          <a:srcRect/>
+          <a:stretch>
+            <a:fillRect/>
+          </a:stretch>
+        </a:blipFill>
+        <a:effectLst/>
+      </p:bgPr>
+    </p:bg>
     <p:spTree>
       <p:nvGrpSpPr>
         <p:cNvPr id="1" name=""/>
@@ -17836,17 +18671,20 @@
           <a:lstStyle/>
           <a:p>
             <a:r>
-              <a:rPr lang="en-US" b="0" i="0" dirty="0">
-                <a:solidFill>
-                  <a:srgbClr val="000000"/>
-                </a:solidFill>
-                <a:effectLst/>
-                <a:latin typeface="+mn-lt"/>
+              <a:rPr lang="en-US" b="1" i="0" dirty="0">
+                <a:solidFill>
+                  <a:srgbClr val="0071F6"/>
+                </a:solidFill>
+                <a:effectLst/>
+                <a:latin typeface="Lexend" panose="020B0604020202020204"/>
               </a:rPr>
               <a:t>Logging to a file – cont’d</a:t>
             </a:r>
-            <a:endParaRPr lang="en-US" dirty="0">
-              <a:latin typeface="+mn-lt"/>
+            <a:endParaRPr lang="en-US" b="1" dirty="0">
+              <a:solidFill>
+                <a:srgbClr val="0071F6"/>
+              </a:solidFill>
+              <a:latin typeface="Lexend" panose="020B0604020202020204"/>
               <a:cs typeface="Calibri" panose="020F0502020204030204" pitchFamily="34" charset="0"/>
             </a:endParaRPr>
           </a:p>
@@ -17890,7 +18728,7 @@
                   <a:srgbClr val="222222"/>
                 </a:solidFill>
                 <a:effectLst/>
-                <a:latin typeface="Lucida Grande"/>
+                <a:latin typeface="Lexend Light"/>
               </a:rPr>
               <a:t>If you run the above script several times, the messages from successive runs are appended to the file </a:t>
             </a:r>
@@ -17900,7 +18738,7 @@
                   <a:srgbClr val="222222"/>
                 </a:solidFill>
                 <a:effectLst/>
-                <a:latin typeface="Lucida Grande"/>
+                <a:latin typeface="Lexend Light"/>
               </a:rPr>
               <a:t>example.log</a:t>
             </a:r>
@@ -17910,7 +18748,7 @@
                   <a:srgbClr val="222222"/>
                 </a:solidFill>
                 <a:effectLst/>
-                <a:latin typeface="Lucida Grande"/>
+                <a:latin typeface="Lexend Light"/>
               </a:rPr>
               <a:t>. If you want each run to start afresh, not remembering the messages from earlier runs, you can specify the </a:t>
             </a:r>
@@ -17920,7 +18758,7 @@
                   <a:srgbClr val="222222"/>
                 </a:solidFill>
                 <a:effectLst/>
-                <a:latin typeface="Lucida Grande"/>
+                <a:latin typeface="Lexend Light"/>
               </a:rPr>
               <a:t>filemode</a:t>
             </a:r>
@@ -17930,7 +18768,7 @@
                   <a:srgbClr val="222222"/>
                 </a:solidFill>
                 <a:effectLst/>
-                <a:latin typeface="Lucida Grande"/>
+                <a:latin typeface="Lexend Light"/>
               </a:rPr>
               <a:t> argument, by changing the call in the above example to:</a:t>
             </a:r>
@@ -17938,6 +18776,7 @@
               <a:solidFill>
                 <a:srgbClr val="000000"/>
               </a:solidFill>
+              <a:latin typeface="Lexend Light"/>
               <a:cs typeface="Calibri" panose="020F0502020204030204" pitchFamily="34" charset="0"/>
             </a:endParaRPr>
           </a:p>
@@ -17950,6 +18789,7 @@
               <a:solidFill>
                 <a:srgbClr val="000000"/>
               </a:solidFill>
+              <a:latin typeface="Lexend Light"/>
               <a:cs typeface="Calibri" panose="020F0502020204030204" pitchFamily="34" charset="0"/>
             </a:endParaRPr>
           </a:p>
@@ -17962,6 +18802,7 @@
               <a:solidFill>
                 <a:srgbClr val="000000"/>
               </a:solidFill>
+              <a:latin typeface="Lexend Light"/>
               <a:cs typeface="Calibri" panose="020F0502020204030204" pitchFamily="34" charset="0"/>
             </a:endParaRPr>
           </a:p>
@@ -17974,6 +18815,7 @@
               <a:solidFill>
                 <a:srgbClr val="000000"/>
               </a:solidFill>
+              <a:latin typeface="Lexend Light"/>
               <a:cs typeface="Calibri" panose="020F0502020204030204" pitchFamily="34" charset="0"/>
             </a:endParaRPr>
           </a:p>
@@ -17986,6 +18828,7 @@
               <a:solidFill>
                 <a:srgbClr val="000000"/>
               </a:solidFill>
+              <a:latin typeface="Lexend Light"/>
               <a:cs typeface="Calibri" panose="020F0502020204030204" pitchFamily="34" charset="0"/>
             </a:endParaRPr>
           </a:p>
@@ -17998,6 +18841,7 @@
               <a:solidFill>
                 <a:srgbClr val="000000"/>
               </a:solidFill>
+              <a:latin typeface="Lexend Light"/>
               <a:cs typeface="Calibri" panose="020F0502020204030204" pitchFamily="34" charset="0"/>
             </a:endParaRPr>
           </a:p>
@@ -18011,11 +18855,13 @@
                 <a:solidFill>
                   <a:srgbClr val="000000"/>
                 </a:solidFill>
+                <a:latin typeface="Lexend Light"/>
                 <a:cs typeface="Calibri" panose="020F0502020204030204" pitchFamily="34" charset="0"/>
               </a:rPr>
               <a:t>The output will be the same as before, but the log file is no longer appended to, so the messages from earlier runs are lost.</a:t>
             </a:r>
             <a:endParaRPr lang="en-GB" dirty="0">
+              <a:latin typeface="Lexend Light"/>
               <a:cs typeface="Calibri" panose="020F0502020204030204" pitchFamily="34" charset="0"/>
             </a:endParaRPr>
           </a:p>
@@ -18269,6 +19115,20 @@
 <file path=ppt/slides/slide28.xml><?xml version="1.0" encoding="utf-8"?>
 <p:sld xmlns:a="http://schemas.openxmlformats.org/drawingml/2006/main" xmlns:r="http://schemas.openxmlformats.org/officeDocument/2006/relationships" xmlns:p="http://schemas.openxmlformats.org/presentationml/2006/main">
   <p:cSld>
+    <p:bg>
+      <p:bgPr>
+        <a:blipFill dpi="0" rotWithShape="1">
+          <a:blip r:embed="rId3">
+            <a:lum/>
+          </a:blip>
+          <a:srcRect/>
+          <a:stretch>
+            <a:fillRect/>
+          </a:stretch>
+        </a:blipFill>
+        <a:effectLst/>
+      </p:bgPr>
+    </p:bg>
     <p:spTree>
       <p:nvGrpSpPr>
         <p:cNvPr id="1" name=""/>
@@ -18302,12 +19162,12 @@
           <a:p>
             <a:pPr algn="l"/>
             <a:r>
-              <a:rPr lang="en-US" b="0" i="0" dirty="0">
-                <a:solidFill>
-                  <a:srgbClr val="1A1A1A"/>
-                </a:solidFill>
-                <a:effectLst/>
-                <a:latin typeface="Lucida Grande"/>
+              <a:rPr lang="en-US" b="1" i="0" dirty="0">
+                <a:solidFill>
+                  <a:srgbClr val="0071F6"/>
+                </a:solidFill>
+                <a:effectLst/>
+                <a:latin typeface="Lexend" panose="020B0604020202020204"/>
               </a:rPr>
               <a:t>Logging from multiple modules</a:t>
             </a:r>
@@ -18329,7 +19189,7 @@
         <p:spPr>
           <a:xfrm>
             <a:off x="838200" y="1884279"/>
-            <a:ext cx="10397067" cy="646331"/>
+            <a:ext cx="10397067" cy="369332"/>
           </a:xfrm>
           <a:prstGeom prst="rect">
             <a:avLst/>
@@ -18352,11 +19212,12 @@
                   <a:srgbClr val="222222"/>
                 </a:solidFill>
                 <a:effectLst/>
-                <a:latin typeface="Lucida Grande"/>
+                <a:latin typeface="Lexend Light"/>
               </a:rPr>
               <a:t>If your program consists of multiple modules, here’s an example of how you could organize logging in it:</a:t>
             </a:r>
             <a:endParaRPr lang="en-GB" dirty="0">
+              <a:latin typeface="Lexend Light"/>
               <a:cs typeface="Calibri" panose="020F0502020204030204" pitchFamily="34" charset="0"/>
             </a:endParaRPr>
           </a:p>
@@ -19204,6 +20065,20 @@
 <file path=ppt/slides/slide29.xml><?xml version="1.0" encoding="utf-8"?>
 <p:sld xmlns:a="http://schemas.openxmlformats.org/drawingml/2006/main" xmlns:r="http://schemas.openxmlformats.org/officeDocument/2006/relationships" xmlns:p="http://schemas.openxmlformats.org/presentationml/2006/main">
   <p:cSld>
+    <p:bg>
+      <p:bgPr>
+        <a:blipFill dpi="0" rotWithShape="1">
+          <a:blip r:embed="rId3">
+            <a:lum/>
+          </a:blip>
+          <a:srcRect/>
+          <a:stretch>
+            <a:fillRect/>
+          </a:stretch>
+        </a:blipFill>
+        <a:effectLst/>
+      </p:bgPr>
+    </p:bg>
     <p:spTree>
       <p:nvGrpSpPr>
         <p:cNvPr id="1" name=""/>
@@ -19237,12 +20112,12 @@
           <a:p>
             <a:pPr algn="l"/>
             <a:r>
-              <a:rPr lang="en-US" b="0" i="0" dirty="0">
-                <a:solidFill>
-                  <a:srgbClr val="1A1A1A"/>
-                </a:solidFill>
-                <a:effectLst/>
-                <a:latin typeface="Lucida Grande"/>
+              <a:rPr lang="en-US" b="1" i="0" dirty="0">
+                <a:solidFill>
+                  <a:srgbClr val="0071F6"/>
+                </a:solidFill>
+                <a:effectLst/>
+                <a:latin typeface="Lexend" panose="020B0604020202020204"/>
               </a:rPr>
               <a:t>Logging from multiple modules – cont’d</a:t>
             </a:r>
@@ -19283,6 +20158,7 @@
             </a:pPr>
             <a:r>
               <a:rPr lang="en-US" sz="2400" dirty="0">
+                <a:latin typeface="Lexend Light"/>
                 <a:cs typeface="Calibri" panose="020F0502020204030204" pitchFamily="34" charset="0"/>
               </a:rPr>
               <a:t>If you run myapp.py, you should see this in myapp.log:</a:t>
@@ -19294,6 +20170,7 @@
               <a:buChar char="•"/>
             </a:pPr>
             <a:endParaRPr lang="en-US" sz="2400" dirty="0">
+              <a:latin typeface="Lexend Light"/>
               <a:cs typeface="Calibri" panose="020F0502020204030204" pitchFamily="34" charset="0"/>
             </a:endParaRPr>
           </a:p>
@@ -19301,11 +20178,13 @@
             <a:pPr lvl="1"/>
             <a:r>
               <a:rPr lang="en-US" sz="2400" dirty="0" err="1">
+                <a:latin typeface="Lexend Light"/>
                 <a:cs typeface="Calibri" panose="020F0502020204030204" pitchFamily="34" charset="0"/>
               </a:rPr>
               <a:t>INFO:root:Started</a:t>
             </a:r>
             <a:endParaRPr lang="en-US" sz="2400" dirty="0">
+              <a:latin typeface="Lexend Light"/>
               <a:cs typeface="Calibri" panose="020F0502020204030204" pitchFamily="34" charset="0"/>
             </a:endParaRPr>
           </a:p>
@@ -19313,12 +20192,14 @@
             <a:pPr lvl="1"/>
             <a:r>
               <a:rPr lang="en-US" sz="2400" dirty="0" err="1">
+                <a:latin typeface="Lexend Light"/>
                 <a:cs typeface="Calibri" panose="020F0502020204030204" pitchFamily="34" charset="0"/>
               </a:rPr>
               <a:t>INFO:root:Doing</a:t>
             </a:r>
             <a:r>
               <a:rPr lang="en-US" sz="2400" dirty="0">
+                <a:latin typeface="Lexend Light"/>
                 <a:cs typeface="Calibri" panose="020F0502020204030204" pitchFamily="34" charset="0"/>
               </a:rPr>
               <a:t> something</a:t>
@@ -19328,11 +20209,13 @@
             <a:pPr lvl="1"/>
             <a:r>
               <a:rPr lang="en-US" sz="2400" dirty="0" err="1">
+                <a:latin typeface="Lexend Light"/>
                 <a:cs typeface="Calibri" panose="020F0502020204030204" pitchFamily="34" charset="0"/>
               </a:rPr>
               <a:t>INFO:root:Finished</a:t>
             </a:r>
             <a:endParaRPr lang="en-US" sz="2400" dirty="0">
+              <a:latin typeface="Lexend Light"/>
               <a:cs typeface="Calibri" panose="020F0502020204030204" pitchFamily="34" charset="0"/>
             </a:endParaRPr>
           </a:p>
@@ -19342,6 +20225,7 @@
               <a:buChar char="•"/>
             </a:pPr>
             <a:endParaRPr lang="en-US" sz="2400" dirty="0">
+              <a:latin typeface="Lexend Light"/>
               <a:cs typeface="Calibri" panose="020F0502020204030204" pitchFamily="34" charset="0"/>
             </a:endParaRPr>
           </a:p>
@@ -19352,11 +20236,13 @@
             </a:pPr>
             <a:r>
               <a:rPr lang="en-US" sz="2400" dirty="0">
+                <a:latin typeface="Lexend Light"/>
                 <a:cs typeface="Calibri" panose="020F0502020204030204" pitchFamily="34" charset="0"/>
               </a:rPr>
               <a:t>Which is hopefully what you were expecting to see. You can generalize this to multiple modules, using the pattern in mylib.py. Note that for this simple usage pattern, you won’t know, by looking in the log file, where in your application your messages came from, apart from looking at the event description.</a:t>
             </a:r>
             <a:endParaRPr lang="en-GB" sz="2400" dirty="0">
+              <a:latin typeface="Lexend Light"/>
               <a:cs typeface="Calibri" panose="020F0502020204030204" pitchFamily="34" charset="0"/>
             </a:endParaRPr>
           </a:p>
@@ -19378,6 +20264,20 @@
 <file path=ppt/slides/slide3.xml><?xml version="1.0" encoding="utf-8"?>
 <p:sld xmlns:a="http://schemas.openxmlformats.org/drawingml/2006/main" xmlns:r="http://schemas.openxmlformats.org/officeDocument/2006/relationships" xmlns:p="http://schemas.openxmlformats.org/presentationml/2006/main">
   <p:cSld>
+    <p:bg>
+      <p:bgPr>
+        <a:blipFill dpi="0" rotWithShape="1">
+          <a:blip r:embed="rId3">
+            <a:lum/>
+          </a:blip>
+          <a:srcRect/>
+          <a:stretch>
+            <a:fillRect/>
+          </a:stretch>
+        </a:blipFill>
+        <a:effectLst/>
+      </p:bgPr>
+    </p:bg>
     <p:spTree>
       <p:nvGrpSpPr>
         <p:cNvPr id="1" name=""/>
@@ -19408,17 +20308,20 @@
           <a:lstStyle/>
           <a:p>
             <a:r>
-              <a:rPr lang="en-US" b="0" i="0" dirty="0">
-                <a:solidFill>
-                  <a:srgbClr val="000000"/>
-                </a:solidFill>
-                <a:effectLst/>
-                <a:latin typeface="+mn-lt"/>
+              <a:rPr lang="en-US" b="1" i="0" dirty="0">
+                <a:solidFill>
+                  <a:srgbClr val="0071F6"/>
+                </a:solidFill>
+                <a:effectLst/>
+                <a:latin typeface="Lexend" panose="020B0604020202020204"/>
               </a:rPr>
               <a:t>Exceptions Intro</a:t>
             </a:r>
-            <a:endParaRPr lang="he-IL" dirty="0">
-              <a:latin typeface="+mn-lt"/>
+            <a:endParaRPr lang="he-IL" b="1" dirty="0">
+              <a:solidFill>
+                <a:srgbClr val="0071F6"/>
+              </a:solidFill>
+              <a:latin typeface="Lexend" panose="020B0604020202020204"/>
             </a:endParaRPr>
           </a:p>
         </p:txBody>
@@ -19452,6 +20355,7 @@
                   <a:srgbClr val="000000"/>
                 </a:solidFill>
                 <a:effectLst/>
+                <a:latin typeface="Lexend Light"/>
               </a:rPr>
               <a:t>An exception is an error that happens during the execution of a program. When that error occurs, Python generates an exception that can be handled </a:t>
             </a:r>
@@ -19464,6 +20368,7 @@
                   <a:srgbClr val="000000"/>
                 </a:solidFill>
                 <a:effectLst/>
+                <a:latin typeface="Lexend Light"/>
               </a:rPr>
               <a:t>Unhandled exceptions cause your program to crash. </a:t>
             </a:r>
@@ -19476,6 +20381,7 @@
                   <a:srgbClr val="000000"/>
                 </a:solidFill>
                 <a:effectLst/>
+                <a:latin typeface="Lexend Light"/>
               </a:rPr>
               <a:t>Exceptions come in different types. Python generates an exception with type, suitable to an error </a:t>
             </a:r>
@@ -19488,6 +20394,7 @@
                   <a:srgbClr val="000000"/>
                 </a:solidFill>
                 <a:effectLst/>
+                <a:latin typeface="Lexend Light"/>
               </a:rPr>
               <a:t>The words "try", except" and "finally" are Python keywords that used to catch exceptions. </a:t>
             </a:r>
@@ -19500,6 +20407,7 @@
                   <a:srgbClr val="000000"/>
                 </a:solidFill>
                 <a:effectLst/>
+                <a:latin typeface="Lexend Light"/>
               </a:rPr>
               <a:t>Exceptions can be raised (thrown) using "raise" statement</a:t>
             </a:r>
@@ -19508,6 +20416,7 @@
                 <a:srgbClr val="000000"/>
               </a:solidFill>
               <a:effectLst/>
+              <a:latin typeface="Lexend Light"/>
             </a:endParaRPr>
           </a:p>
         </p:txBody>
@@ -19528,6 +20437,20 @@
 <file path=ppt/slides/slide30.xml><?xml version="1.0" encoding="utf-8"?>
 <p:sld xmlns:a="http://schemas.openxmlformats.org/drawingml/2006/main" xmlns:r="http://schemas.openxmlformats.org/officeDocument/2006/relationships" xmlns:p="http://schemas.openxmlformats.org/presentationml/2006/main">
   <p:cSld>
+    <p:bg>
+      <p:bgPr>
+        <a:blipFill dpi="0" rotWithShape="1">
+          <a:blip r:embed="rId3">
+            <a:lum/>
+          </a:blip>
+          <a:srcRect/>
+          <a:stretch>
+            <a:fillRect/>
+          </a:stretch>
+        </a:blipFill>
+        <a:effectLst/>
+      </p:bgPr>
+    </p:bg>
     <p:spTree>
       <p:nvGrpSpPr>
         <p:cNvPr id="1" name=""/>
@@ -19561,12 +20484,12 @@
           <a:p>
             <a:pPr algn="l"/>
             <a:r>
-              <a:rPr lang="en-US" b="0" i="0" dirty="0">
-                <a:solidFill>
-                  <a:srgbClr val="1A1A1A"/>
-                </a:solidFill>
-                <a:effectLst/>
-                <a:latin typeface="Lucida Grande"/>
+              <a:rPr lang="en-US" b="1" i="0" dirty="0">
+                <a:solidFill>
+                  <a:srgbClr val="0071F6"/>
+                </a:solidFill>
+                <a:effectLst/>
+                <a:latin typeface="Lexend" panose="020B0604020202020204"/>
               </a:rPr>
               <a:t>Logging variable data</a:t>
             </a:r>
@@ -19611,7 +20534,7 @@
                   <a:srgbClr val="222222"/>
                 </a:solidFill>
                 <a:effectLst/>
-                <a:latin typeface="Lucida Grande"/>
+                <a:latin typeface="Lexend Light"/>
               </a:rPr>
               <a:t>To log variable data, use a format string for the event description message and append the variable data as arguments. For example:</a:t>
             </a:r>
@@ -19625,7 +20548,7 @@
               <a:solidFill>
                 <a:srgbClr val="222222"/>
               </a:solidFill>
-              <a:latin typeface="Lucida Grande"/>
+              <a:latin typeface="Lexend Light"/>
               <a:cs typeface="Calibri" panose="020F0502020204030204" pitchFamily="34" charset="0"/>
             </a:endParaRPr>
           </a:p>
@@ -19638,7 +20561,7 @@
               <a:solidFill>
                 <a:srgbClr val="222222"/>
               </a:solidFill>
-              <a:latin typeface="Lucida Grande"/>
+              <a:latin typeface="Lexend Light"/>
               <a:cs typeface="Calibri" panose="020F0502020204030204" pitchFamily="34" charset="0"/>
             </a:endParaRPr>
           </a:p>
@@ -19647,13 +20570,14 @@
               <a:solidFill>
                 <a:srgbClr val="222222"/>
               </a:solidFill>
-              <a:latin typeface="Lucida Grande"/>
+              <a:latin typeface="Lexend Light"/>
               <a:cs typeface="Calibri" panose="020F0502020204030204" pitchFamily="34" charset="0"/>
             </a:endParaRPr>
           </a:p>
           <a:p>
             <a:r>
               <a:rPr lang="en-US" sz="2000" dirty="0">
+                <a:latin typeface="Lexend Light"/>
                 <a:cs typeface="Calibri" panose="020F0502020204030204" pitchFamily="34" charset="0"/>
               </a:rPr>
               <a:t>will display:</a:t>
@@ -19665,18 +20589,21 @@
               <a:buChar char="•"/>
             </a:pPr>
             <a:endParaRPr lang="en-US" sz="2000" dirty="0">
+              <a:latin typeface="Lexend Light"/>
               <a:cs typeface="Calibri" panose="020F0502020204030204" pitchFamily="34" charset="0"/>
             </a:endParaRPr>
           </a:p>
           <a:p>
             <a:r>
               <a:rPr lang="en-US" sz="2000" dirty="0" err="1">
+                <a:latin typeface="Lexend Light"/>
                 <a:cs typeface="Calibri" panose="020F0502020204030204" pitchFamily="34" charset="0"/>
               </a:rPr>
               <a:t>WARNING:root:Look</a:t>
             </a:r>
             <a:r>
               <a:rPr lang="en-US" sz="2000" dirty="0">
+                <a:latin typeface="Lexend Light"/>
                 <a:cs typeface="Calibri" panose="020F0502020204030204" pitchFamily="34" charset="0"/>
               </a:rPr>
               <a:t> before you leap!</a:t>
@@ -19684,6 +20611,7 @@
           </a:p>
           <a:p>
             <a:endParaRPr lang="en-US" sz="2000" dirty="0">
+              <a:latin typeface="Lexend Light"/>
               <a:cs typeface="Calibri" panose="020F0502020204030204" pitchFamily="34" charset="0"/>
             </a:endParaRPr>
           </a:p>
@@ -19694,35 +20622,41 @@
             </a:pPr>
             <a:r>
               <a:rPr lang="en-US" sz="2000" dirty="0">
+                <a:latin typeface="Lexend Light"/>
                 <a:cs typeface="Calibri" panose="020F0502020204030204" pitchFamily="34" charset="0"/>
               </a:rPr>
               <a:t>As you can see, merging of variable data into the event description message uses the old, %-style of string formatting. This is for backwards compatibility: the logging package pre-dates newer formatting options such as </a:t>
             </a:r>
             <a:r>
               <a:rPr lang="en-US" sz="2000" dirty="0" err="1">
+                <a:latin typeface="Lexend Light"/>
                 <a:cs typeface="Calibri" panose="020F0502020204030204" pitchFamily="34" charset="0"/>
               </a:rPr>
               <a:t>str.format</a:t>
             </a:r>
             <a:r>
               <a:rPr lang="en-US" sz="2000" dirty="0">
+                <a:latin typeface="Lexend Light"/>
                 <a:cs typeface="Calibri" panose="020F0502020204030204" pitchFamily="34" charset="0"/>
               </a:rPr>
               <a:t>() and </a:t>
             </a:r>
             <a:r>
               <a:rPr lang="en-US" sz="2000" dirty="0" err="1">
+                <a:latin typeface="Lexend Light"/>
                 <a:cs typeface="Calibri" panose="020F0502020204030204" pitchFamily="34" charset="0"/>
               </a:rPr>
               <a:t>string.Template</a:t>
             </a:r>
             <a:r>
               <a:rPr lang="en-US" sz="2000" dirty="0">
+                <a:latin typeface="Lexend Light"/>
                 <a:cs typeface="Calibri" panose="020F0502020204030204" pitchFamily="34" charset="0"/>
               </a:rPr>
               <a:t>. </a:t>
             </a:r>
             <a:endParaRPr lang="en-GB" sz="2000" dirty="0">
+              <a:latin typeface="Lexend Light"/>
               <a:cs typeface="Calibri" panose="020F0502020204030204" pitchFamily="34" charset="0"/>
             </a:endParaRPr>
           </a:p>
@@ -19975,6 +20909,20 @@
 <file path=ppt/slides/slide31.xml><?xml version="1.0" encoding="utf-8"?>
 <p:sld xmlns:a="http://schemas.openxmlformats.org/drawingml/2006/main" xmlns:r="http://schemas.openxmlformats.org/officeDocument/2006/relationships" xmlns:p="http://schemas.openxmlformats.org/presentationml/2006/main">
   <p:cSld>
+    <p:bg>
+      <p:bgPr>
+        <a:blipFill dpi="0" rotWithShape="1">
+          <a:blip r:embed="rId3">
+            <a:lum/>
+          </a:blip>
+          <a:srcRect/>
+          <a:stretch>
+            <a:fillRect/>
+          </a:stretch>
+        </a:blipFill>
+        <a:effectLst/>
+      </p:bgPr>
+    </p:bg>
     <p:spTree>
       <p:nvGrpSpPr>
         <p:cNvPr id="1" name=""/>
@@ -20013,12 +20961,12 @@
           <a:p>
             <a:pPr algn="l"/>
             <a:r>
-              <a:rPr lang="en-US" b="0" i="0" dirty="0">
-                <a:solidFill>
-                  <a:srgbClr val="1A1A1A"/>
-                </a:solidFill>
-                <a:effectLst/>
-                <a:latin typeface="Lucida Grande"/>
+              <a:rPr lang="en-US" b="1" i="0" dirty="0">
+                <a:solidFill>
+                  <a:srgbClr val="0071F6"/>
+                </a:solidFill>
+                <a:effectLst/>
+                <a:latin typeface="Lexend" panose="020B0604020202020204"/>
               </a:rPr>
               <a:t>Changing the format of displayed messages</a:t>
             </a:r>
@@ -20063,7 +21011,7 @@
                   <a:srgbClr val="222222"/>
                 </a:solidFill>
                 <a:effectLst/>
-                <a:latin typeface="Lucida Grande"/>
+                <a:latin typeface="Lexend Light"/>
               </a:rPr>
               <a:t>To change the format which is used to display messages, you need to specify the format you want to use:</a:t>
             </a:r>
@@ -20071,7 +21019,7 @@
               <a:solidFill>
                 <a:srgbClr val="222222"/>
               </a:solidFill>
-              <a:latin typeface="Lucida Grande"/>
+              <a:latin typeface="Lexend Light"/>
               <a:cs typeface="Calibri" panose="020F0502020204030204" pitchFamily="34" charset="0"/>
             </a:endParaRPr>
           </a:p>
@@ -20084,7 +21032,7 @@
               <a:solidFill>
                 <a:srgbClr val="222222"/>
               </a:solidFill>
-              <a:latin typeface="Lucida Grande"/>
+              <a:latin typeface="Lexend Light"/>
               <a:cs typeface="Calibri" panose="020F0502020204030204" pitchFamily="34" charset="0"/>
             </a:endParaRPr>
           </a:p>
@@ -20093,7 +21041,7 @@
               <a:solidFill>
                 <a:srgbClr val="222222"/>
               </a:solidFill>
-              <a:latin typeface="Lucida Grande"/>
+              <a:latin typeface="Lexend Light"/>
               <a:cs typeface="Calibri" panose="020F0502020204030204" pitchFamily="34" charset="0"/>
             </a:endParaRPr>
           </a:p>
@@ -20102,7 +21050,7 @@
               <a:solidFill>
                 <a:srgbClr val="222222"/>
               </a:solidFill>
-              <a:latin typeface="Lucida Grande"/>
+              <a:latin typeface="Lexend Light"/>
               <a:cs typeface="Calibri" panose="020F0502020204030204" pitchFamily="34" charset="0"/>
             </a:endParaRPr>
           </a:p>
@@ -20111,7 +21059,7 @@
               <a:solidFill>
                 <a:srgbClr val="222222"/>
               </a:solidFill>
-              <a:latin typeface="Lucida Grande"/>
+              <a:latin typeface="Lexend Light"/>
               <a:cs typeface="Calibri" panose="020F0502020204030204" pitchFamily="34" charset="0"/>
             </a:endParaRPr>
           </a:p>
@@ -20120,7 +21068,7 @@
               <a:solidFill>
                 <a:srgbClr val="222222"/>
               </a:solidFill>
-              <a:latin typeface="Lucida Grande"/>
+              <a:latin typeface="Lexend Light"/>
               <a:cs typeface="Calibri" panose="020F0502020204030204" pitchFamily="34" charset="0"/>
             </a:endParaRPr>
           </a:p>
@@ -20129,7 +21077,7 @@
               <a:solidFill>
                 <a:srgbClr val="222222"/>
               </a:solidFill>
-              <a:latin typeface="Lucida Grande"/>
+              <a:latin typeface="Lexend Light"/>
               <a:cs typeface="Calibri" panose="020F0502020204030204" pitchFamily="34" charset="0"/>
             </a:endParaRPr>
           </a:p>
@@ -20137,25 +21085,28 @@
             <a:r>
               <a:rPr lang="en-US" sz="2000" b="0" i="0" dirty="0">
                 <a:effectLst/>
-                <a:latin typeface="Lucida Grande"/>
+                <a:latin typeface="Lexend Light"/>
               </a:rPr>
               <a:t>which would print:</a:t>
             </a:r>
           </a:p>
           <a:p>
             <a:endParaRPr lang="en-US" sz="2000" dirty="0">
+              <a:latin typeface="Lexend Light"/>
               <a:cs typeface="Calibri" panose="020F0502020204030204" pitchFamily="34" charset="0"/>
             </a:endParaRPr>
           </a:p>
           <a:p>
             <a:r>
               <a:rPr lang="en-US" sz="2000" dirty="0" err="1">
+                <a:latin typeface="Lexend Light"/>
                 <a:cs typeface="Calibri" panose="020F0502020204030204" pitchFamily="34" charset="0"/>
               </a:rPr>
               <a:t>DEBUG:This</a:t>
             </a:r>
             <a:r>
               <a:rPr lang="en-US" sz="2000" dirty="0">
+                <a:latin typeface="Lexend Light"/>
                 <a:cs typeface="Calibri" panose="020F0502020204030204" pitchFamily="34" charset="0"/>
               </a:rPr>
               <a:t> message should appear on the console</a:t>
@@ -20164,12 +21115,14 @@
           <a:p>
             <a:r>
               <a:rPr lang="en-US" sz="2000" dirty="0" err="1">
+                <a:latin typeface="Lexend Light"/>
                 <a:cs typeface="Calibri" panose="020F0502020204030204" pitchFamily="34" charset="0"/>
               </a:rPr>
               <a:t>INFO:So</a:t>
             </a:r>
             <a:r>
               <a:rPr lang="en-US" sz="2000" dirty="0">
+                <a:latin typeface="Lexend Light"/>
                 <a:cs typeface="Calibri" panose="020F0502020204030204" pitchFamily="34" charset="0"/>
               </a:rPr>
               <a:t> should this</a:t>
@@ -20178,17 +21131,20 @@
           <a:p>
             <a:r>
               <a:rPr lang="en-US" sz="2000" dirty="0" err="1">
+                <a:latin typeface="Lexend Light"/>
                 <a:cs typeface="Calibri" panose="020F0502020204030204" pitchFamily="34" charset="0"/>
               </a:rPr>
               <a:t>WARNING:And</a:t>
             </a:r>
             <a:r>
               <a:rPr lang="en-US" sz="2000" dirty="0">
+                <a:latin typeface="Lexend Light"/>
                 <a:cs typeface="Calibri" panose="020F0502020204030204" pitchFamily="34" charset="0"/>
               </a:rPr>
               <a:t> this, too</a:t>
             </a:r>
             <a:endParaRPr lang="en-GB" sz="2000" dirty="0">
+              <a:latin typeface="Lexend Light"/>
               <a:cs typeface="Calibri" panose="020F0502020204030204" pitchFamily="34" charset="0"/>
             </a:endParaRPr>
           </a:p>
@@ -20633,6 +21589,20 @@
 <file path=ppt/slides/slide32.xml><?xml version="1.0" encoding="utf-8"?>
 <p:sld xmlns:a="http://schemas.openxmlformats.org/drawingml/2006/main" xmlns:r="http://schemas.openxmlformats.org/officeDocument/2006/relationships" xmlns:p="http://schemas.openxmlformats.org/presentationml/2006/main">
   <p:cSld>
+    <p:bg>
+      <p:bgPr>
+        <a:blipFill dpi="0" rotWithShape="1">
+          <a:blip r:embed="rId3">
+            <a:lum/>
+          </a:blip>
+          <a:srcRect/>
+          <a:stretch>
+            <a:fillRect/>
+          </a:stretch>
+        </a:blipFill>
+        <a:effectLst/>
+      </p:bgPr>
+    </p:bg>
     <p:spTree>
       <p:nvGrpSpPr>
         <p:cNvPr id="1" name=""/>
@@ -20671,12 +21641,12 @@
           <a:p>
             <a:pPr algn="l"/>
             <a:r>
-              <a:rPr lang="en-US" b="0" i="0" dirty="0">
-                <a:solidFill>
-                  <a:srgbClr val="1A1A1A"/>
-                </a:solidFill>
-                <a:effectLst/>
-                <a:latin typeface="Lucida Grande"/>
+              <a:rPr lang="en-US" b="1" i="0" dirty="0">
+                <a:solidFill>
+                  <a:srgbClr val="0071F6"/>
+                </a:solidFill>
+                <a:effectLst/>
+                <a:latin typeface="Lexend" panose="020B0604020202020204"/>
               </a:rPr>
               <a:t>Displaying the date/time in messages</a:t>
             </a:r>
@@ -20721,7 +21691,7 @@
                   <a:srgbClr val="222222"/>
                 </a:solidFill>
                 <a:effectLst/>
-                <a:latin typeface="Lucida Grande"/>
+                <a:latin typeface="Lexend Light"/>
               </a:rPr>
               <a:t>To display the date and time of an event, you would place ‘%(</a:t>
             </a:r>
@@ -20731,7 +21701,7 @@
                   <a:srgbClr val="222222"/>
                 </a:solidFill>
                 <a:effectLst/>
-                <a:latin typeface="Lucida Grande"/>
+                <a:latin typeface="Lexend Light"/>
               </a:rPr>
               <a:t>asctime</a:t>
             </a:r>
@@ -20741,7 +21711,7 @@
                   <a:srgbClr val="222222"/>
                 </a:solidFill>
                 <a:effectLst/>
-                <a:latin typeface="Lucida Grande"/>
+                <a:latin typeface="Lexend Light"/>
               </a:rPr>
               <a:t>)s’ in your format string:</a:t>
             </a:r>
@@ -20749,7 +21719,7 @@
               <a:solidFill>
                 <a:srgbClr val="222222"/>
               </a:solidFill>
-              <a:latin typeface="Lucida Grande"/>
+              <a:latin typeface="Lexend Light"/>
               <a:cs typeface="Calibri" panose="020F0502020204030204" pitchFamily="34" charset="0"/>
             </a:endParaRPr>
           </a:p>
@@ -20758,7 +21728,7 @@
               <a:solidFill>
                 <a:srgbClr val="222222"/>
               </a:solidFill>
-              <a:latin typeface="Lucida Grande"/>
+              <a:latin typeface="Lexend Light"/>
               <a:cs typeface="Calibri" panose="020F0502020204030204" pitchFamily="34" charset="0"/>
             </a:endParaRPr>
           </a:p>
@@ -20767,7 +21737,7 @@
               <a:solidFill>
                 <a:srgbClr val="222222"/>
               </a:solidFill>
-              <a:latin typeface="Lucida Grande"/>
+              <a:latin typeface="Lexend Light"/>
               <a:cs typeface="Calibri" panose="020F0502020204030204" pitchFamily="34" charset="0"/>
             </a:endParaRPr>
           </a:p>
@@ -20776,7 +21746,7 @@
               <a:solidFill>
                 <a:srgbClr val="222222"/>
               </a:solidFill>
-              <a:latin typeface="Lucida Grande"/>
+              <a:latin typeface="Lexend Light"/>
               <a:cs typeface="Calibri" panose="020F0502020204030204" pitchFamily="34" charset="0"/>
             </a:endParaRPr>
           </a:p>
@@ -20785,7 +21755,7 @@
               <a:solidFill>
                 <a:srgbClr val="222222"/>
               </a:solidFill>
-              <a:latin typeface="Lucida Grande"/>
+              <a:latin typeface="Lexend Light"/>
               <a:cs typeface="Calibri" panose="020F0502020204030204" pitchFamily="34" charset="0"/>
             </a:endParaRPr>
           </a:p>
@@ -20796,19 +21766,21 @@
                   <a:srgbClr val="222222"/>
                 </a:solidFill>
                 <a:effectLst/>
-                <a:latin typeface="Lucida Grande"/>
+                <a:latin typeface="Lexend Light"/>
               </a:rPr>
               <a:t>which should print something like this:</a:t>
             </a:r>
           </a:p>
           <a:p>
             <a:endParaRPr lang="en-US" sz="1600" i="1" dirty="0">
+              <a:latin typeface="Lexend Light"/>
               <a:cs typeface="Calibri" panose="020F0502020204030204" pitchFamily="34" charset="0"/>
             </a:endParaRPr>
           </a:p>
           <a:p>
             <a:r>
               <a:rPr lang="en-US" sz="1600" i="1" dirty="0">
+                <a:latin typeface="Lexend Light"/>
                 <a:cs typeface="Calibri" panose="020F0502020204030204" pitchFamily="34" charset="0"/>
               </a:rPr>
               <a:t>2010-12-12 11:41:42,612 is when this event was logged.</a:t>
@@ -20816,6 +21788,7 @@
           </a:p>
           <a:p>
             <a:endParaRPr lang="en-US" sz="1600" i="1" dirty="0">
+              <a:latin typeface="Lexend Light"/>
               <a:cs typeface="Calibri" panose="020F0502020204030204" pitchFamily="34" charset="0"/>
             </a:endParaRPr>
           </a:p>
@@ -20826,30 +21799,35 @@
             </a:pPr>
             <a:r>
               <a:rPr lang="en-US" sz="1600" dirty="0">
+                <a:latin typeface="Lexend Light"/>
                 <a:cs typeface="Calibri" panose="020F0502020204030204" pitchFamily="34" charset="0"/>
               </a:rPr>
               <a:t>The default format for date/time display (shown above) is like ISO8601 or RFC 3339. If you need more control over the formatting of the date/time, provide a </a:t>
             </a:r>
             <a:r>
               <a:rPr lang="en-US" sz="1600" b="1" dirty="0" err="1">
+                <a:latin typeface="Lexend Light"/>
                 <a:cs typeface="Calibri" panose="020F0502020204030204" pitchFamily="34" charset="0"/>
               </a:rPr>
               <a:t>datefmt</a:t>
             </a:r>
             <a:r>
               <a:rPr lang="en-US" sz="1600" dirty="0">
+                <a:latin typeface="Lexend Light"/>
                 <a:cs typeface="Calibri" panose="020F0502020204030204" pitchFamily="34" charset="0"/>
               </a:rPr>
               <a:t> argument to </a:t>
             </a:r>
             <a:r>
               <a:rPr lang="en-US" sz="1600" b="1" dirty="0" err="1">
+                <a:latin typeface="Lexend Light"/>
                 <a:cs typeface="Calibri" panose="020F0502020204030204" pitchFamily="34" charset="0"/>
               </a:rPr>
               <a:t>basicConfig</a:t>
             </a:r>
             <a:r>
               <a:rPr lang="en-US" sz="1600" dirty="0">
+                <a:latin typeface="Lexend Light"/>
                 <a:cs typeface="Calibri" panose="020F0502020204030204" pitchFamily="34" charset="0"/>
               </a:rPr>
               <a:t>, as in this example:</a:t>
@@ -20857,27 +21835,32 @@
           </a:p>
           <a:p>
             <a:endParaRPr lang="en-US" sz="1600" i="1" dirty="0">
+              <a:latin typeface="Lexend Light"/>
               <a:cs typeface="Calibri" panose="020F0502020204030204" pitchFamily="34" charset="0"/>
             </a:endParaRPr>
           </a:p>
           <a:p>
             <a:endParaRPr lang="en-US" sz="1600" i="1" dirty="0">
+              <a:latin typeface="Lexend Light"/>
               <a:cs typeface="Calibri" panose="020F0502020204030204" pitchFamily="34" charset="0"/>
             </a:endParaRPr>
           </a:p>
           <a:p>
             <a:endParaRPr lang="en-US" sz="1600" i="1" dirty="0">
+              <a:latin typeface="Lexend Light"/>
               <a:cs typeface="Calibri" panose="020F0502020204030204" pitchFamily="34" charset="0"/>
             </a:endParaRPr>
           </a:p>
           <a:p>
             <a:endParaRPr lang="en-US" sz="1600" i="1" dirty="0">
+              <a:latin typeface="Lexend Light"/>
               <a:cs typeface="Calibri" panose="020F0502020204030204" pitchFamily="34" charset="0"/>
             </a:endParaRPr>
           </a:p>
           <a:p>
             <a:r>
               <a:rPr lang="en-US" sz="1600" dirty="0">
+                <a:latin typeface="Lexend Light"/>
                 <a:cs typeface="Calibri" panose="020F0502020204030204" pitchFamily="34" charset="0"/>
               </a:rPr>
               <a:t>which would display something like this:</a:t>
@@ -20885,17 +21868,20 @@
           </a:p>
           <a:p>
             <a:endParaRPr lang="en-US" sz="1600" i="1" dirty="0">
+              <a:latin typeface="Lexend Light"/>
               <a:cs typeface="Calibri" panose="020F0502020204030204" pitchFamily="34" charset="0"/>
             </a:endParaRPr>
           </a:p>
           <a:p>
             <a:r>
               <a:rPr lang="en-US" sz="1600" i="1" dirty="0">
+                <a:latin typeface="Lexend Light"/>
                 <a:cs typeface="Calibri" panose="020F0502020204030204" pitchFamily="34" charset="0"/>
               </a:rPr>
               <a:t>12/12/2010 11:46:36 AM is when this event was logged.</a:t>
             </a:r>
             <a:endParaRPr lang="en-GB" sz="1600" i="1" dirty="0">
+              <a:latin typeface="Lexend Light"/>
               <a:cs typeface="Calibri" panose="020F0502020204030204" pitchFamily="34" charset="0"/>
             </a:endParaRPr>
           </a:p>
@@ -21559,6 +22545,20 @@
 <file path=ppt/slides/slide33.xml><?xml version="1.0" encoding="utf-8"?>
 <p:sld xmlns:a="http://schemas.openxmlformats.org/drawingml/2006/main" xmlns:r="http://schemas.openxmlformats.org/officeDocument/2006/relationships" xmlns:p="http://schemas.openxmlformats.org/presentationml/2006/main">
   <p:cSld>
+    <p:bg>
+      <p:bgPr>
+        <a:blipFill dpi="0" rotWithShape="1">
+          <a:blip r:embed="rId2">
+            <a:lum/>
+          </a:blip>
+          <a:srcRect/>
+          <a:stretch>
+            <a:fillRect/>
+          </a:stretch>
+        </a:blipFill>
+        <a:effectLst/>
+      </p:bgPr>
+    </p:bg>
     <p:spTree>
       <p:nvGrpSpPr>
         <p:cNvPr id="1" name=""/>
@@ -21591,10 +22591,14 @@
           <a:lstStyle/>
           <a:p>
             <a:r>
-              <a:rPr lang="en-US" dirty="0"/>
+              <a:rPr lang="en-US" b="1" dirty="0">
+                <a:latin typeface="Lexend Light"/>
+              </a:rPr>
               <a:t>Lab 03</a:t>
             </a:r>
-            <a:endParaRPr lang="he-IL" dirty="0"/>
+            <a:endParaRPr lang="he-IL" b="1" dirty="0">
+              <a:latin typeface="Lexend Light"/>
+            </a:endParaRPr>
           </a:p>
         </p:txBody>
       </p:sp>
@@ -21614,6 +22618,20 @@
 <file path=ppt/slides/slide34.xml><?xml version="1.0" encoding="utf-8"?>
 <p:sld xmlns:a="http://schemas.openxmlformats.org/drawingml/2006/main" xmlns:r="http://schemas.openxmlformats.org/officeDocument/2006/relationships" xmlns:p="http://schemas.openxmlformats.org/presentationml/2006/main">
   <p:cSld>
+    <p:bg>
+      <p:bgPr>
+        <a:blipFill dpi="0" rotWithShape="1">
+          <a:blip r:embed="rId2">
+            <a:lum/>
+          </a:blip>
+          <a:srcRect/>
+          <a:stretch>
+            <a:fillRect/>
+          </a:stretch>
+        </a:blipFill>
+        <a:effectLst/>
+      </p:bgPr>
+    </p:bg>
     <p:spTree>
       <p:nvGrpSpPr>
         <p:cNvPr id="1" name=""/>
@@ -21644,6 +22662,20 @@
 <file path=ppt/slides/slide4.xml><?xml version="1.0" encoding="utf-8"?>
 <p:sld xmlns:a="http://schemas.openxmlformats.org/drawingml/2006/main" xmlns:r="http://schemas.openxmlformats.org/officeDocument/2006/relationships" xmlns:p="http://schemas.openxmlformats.org/presentationml/2006/main">
   <p:cSld>
+    <p:bg>
+      <p:bgPr>
+        <a:blipFill dpi="0" rotWithShape="1">
+          <a:blip r:embed="rId3">
+            <a:lum/>
+          </a:blip>
+          <a:srcRect/>
+          <a:stretch>
+            <a:fillRect/>
+          </a:stretch>
+        </a:blipFill>
+        <a:effectLst/>
+      </p:bgPr>
+    </p:bg>
     <p:spTree>
       <p:nvGrpSpPr>
         <p:cNvPr id="1" name=""/>
@@ -21676,19 +22708,29 @@
           <a:lstStyle/>
           <a:p>
             <a:r>
-              <a:rPr lang="en-US" b="0" i="0" dirty="0">
-                <a:solidFill>
-                  <a:srgbClr val="000000"/>
-                </a:solidFill>
-                <a:effectLst/>
-                <a:latin typeface="+mn-lt"/>
+              <a:rPr lang="en-US" b="1" i="0" dirty="0">
+                <a:solidFill>
+                  <a:srgbClr val="0071F6"/>
+                </a:solidFill>
+                <a:effectLst/>
+                <a:latin typeface="Lexend" panose="020B0604020202020204"/>
               </a:rPr>
               <a:t>Exceptions Intro — cont’d </a:t>
             </a:r>
             <a:br>
-              <a:rPr lang="en-US" dirty="0"/>
+              <a:rPr lang="en-US" b="1" dirty="0">
+                <a:solidFill>
+                  <a:srgbClr val="0071F6"/>
+                </a:solidFill>
+                <a:latin typeface="Lexend" panose="020B0604020202020204"/>
+              </a:rPr>
             </a:br>
-            <a:endParaRPr lang="he-IL" dirty="0"/>
+            <a:endParaRPr lang="he-IL" b="1" dirty="0">
+              <a:solidFill>
+                <a:srgbClr val="0071F6"/>
+              </a:solidFill>
+              <a:latin typeface="Lexend" panose="020B0604020202020204"/>
+            </a:endParaRPr>
           </a:p>
         </p:txBody>
       </p:sp>
@@ -21723,6 +22765,7 @@
                   <a:srgbClr val="000000"/>
                 </a:solidFill>
                 <a:effectLst/>
+                <a:latin typeface="Lexend Light"/>
               </a:rPr>
               <a:t>For Example: </a:t>
             </a:r>
@@ -21732,11 +22775,12 @@
               <a:buNone/>
             </a:pPr>
             <a:r>
-              <a:rPr lang="en-US" sz="2000" b="0" i="0" dirty="0">
+              <a:rPr lang="en-US" sz="2000" b="1" i="0" dirty="0">
                 <a:solidFill>
                   <a:srgbClr val="000000"/>
                 </a:solidFill>
                 <a:effectLst/>
+                <a:latin typeface="Lexend Light"/>
               </a:rPr>
               <a:t>try: </a:t>
             </a:r>
@@ -21751,6 +22795,7 @@
                   <a:srgbClr val="000000"/>
                 </a:solidFill>
                 <a:effectLst/>
+                <a:latin typeface="Lexend Light"/>
               </a:rPr>
               <a:t>	print(1/0) </a:t>
             </a:r>
@@ -21760,13 +22805,24 @@
               <a:buNone/>
             </a:pPr>
             <a:r>
+              <a:rPr lang="en-US" sz="2000" b="1" i="0" dirty="0">
+                <a:solidFill>
+                  <a:srgbClr val="000000"/>
+                </a:solidFill>
+                <a:effectLst/>
+                <a:latin typeface="Lexend Light"/>
+              </a:rPr>
+              <a:t>except</a:t>
+            </a:r>
+            <a:r>
               <a:rPr lang="en-US" sz="2000" b="0" i="0" dirty="0">
                 <a:solidFill>
                   <a:srgbClr val="000000"/>
                 </a:solidFill>
                 <a:effectLst/>
-              </a:rPr>
-              <a:t>except </a:t>
+                <a:latin typeface="Lexend Light"/>
+              </a:rPr>
+              <a:t> </a:t>
             </a:r>
             <a:r>
               <a:rPr lang="en-US" sz="2000" b="0" i="0" dirty="0" err="1">
@@ -21774,6 +22830,7 @@
                   <a:srgbClr val="000000"/>
                 </a:solidFill>
                 <a:effectLst/>
+                <a:latin typeface="Lexend Light"/>
               </a:rPr>
               <a:t>ZeroDivisionError</a:t>
             </a:r>
@@ -21783,6 +22840,7 @@
                   <a:srgbClr val="000000"/>
                 </a:solidFill>
                 <a:effectLst/>
+                <a:latin typeface="Lexend Light"/>
               </a:rPr>
               <a:t>: </a:t>
             </a:r>
@@ -21797,6 +22855,7 @@
                   <a:srgbClr val="000000"/>
                 </a:solidFill>
                 <a:effectLst/>
+                <a:latin typeface="Lexend Light"/>
               </a:rPr>
               <a:t>	print ("You can't divide by zero")</a:t>
             </a:r>
@@ -21804,6 +22863,7 @@
               <a:solidFill>
                 <a:srgbClr val="000000"/>
               </a:solidFill>
+              <a:latin typeface="Lexend Light"/>
             </a:endParaRPr>
           </a:p>
         </p:txBody>
@@ -21823,7 +22883,7 @@
           <p:nvPr/>
         </p:nvPicPr>
         <p:blipFill>
-          <a:blip r:embed="rId3">
+          <a:blip r:embed="rId4">
             <a:extLst>
               <a:ext uri="{28A0092B-C50C-407E-A947-70E740481C1C}">
                 <a14:useLocalDpi xmlns:a14="http://schemas.microsoft.com/office/drawing/2010/main" val="0"/>
@@ -21871,6 +22931,20 @@
 <file path=ppt/slides/slide5.xml><?xml version="1.0" encoding="utf-8"?>
 <p:sld xmlns:a="http://schemas.openxmlformats.org/drawingml/2006/main" xmlns:r="http://schemas.openxmlformats.org/officeDocument/2006/relationships" xmlns:p="http://schemas.openxmlformats.org/presentationml/2006/main">
   <p:cSld>
+    <p:bg>
+      <p:bgPr>
+        <a:blipFill dpi="0" rotWithShape="1">
+          <a:blip r:embed="rId2">
+            <a:lum/>
+          </a:blip>
+          <a:srcRect/>
+          <a:stretch>
+            <a:fillRect/>
+          </a:stretch>
+        </a:blipFill>
+        <a:effectLst/>
+      </p:bgPr>
+    </p:bg>
     <p:spTree>
       <p:nvGrpSpPr>
         <p:cNvPr id="1" name=""/>
@@ -21897,8 +22971,8 @@
         </p:nvSpPr>
         <p:spPr>
           <a:xfrm>
-            <a:off x="136237" y="291155"/>
-            <a:ext cx="10515600" cy="1325563"/>
+            <a:off x="479393" y="291155"/>
+            <a:ext cx="10172443" cy="1325563"/>
           </a:xfrm>
         </p:spPr>
         <p:txBody>
@@ -21908,17 +22982,20 @@
           <a:lstStyle/>
           <a:p>
             <a:r>
-              <a:rPr lang="en-US" b="0" i="0" dirty="0">
-                <a:solidFill>
-                  <a:srgbClr val="000000"/>
-                </a:solidFill>
-                <a:effectLst/>
-                <a:latin typeface="+mn-lt"/>
+              <a:rPr lang="en-US" b="1" i="0" dirty="0">
+                <a:solidFill>
+                  <a:srgbClr val="0071F6"/>
+                </a:solidFill>
+                <a:effectLst/>
+                <a:latin typeface="Lexend" panose="020B0604020202020204"/>
               </a:rPr>
               <a:t>Some Built-in Exception Errors</a:t>
             </a:r>
-            <a:endParaRPr lang="he-IL" dirty="0">
-              <a:latin typeface="+mn-lt"/>
+            <a:endParaRPr lang="he-IL" b="1" dirty="0">
+              <a:solidFill>
+                <a:srgbClr val="0071F6"/>
+              </a:solidFill>
+              <a:latin typeface="Lexend" panose="020B0604020202020204"/>
             </a:endParaRPr>
           </a:p>
         </p:txBody>
@@ -21937,8 +23014,8 @@
         </p:nvSpPr>
         <p:spPr>
           <a:xfrm>
-            <a:off x="136238" y="1616718"/>
-            <a:ext cx="11734029" cy="5447645"/>
+            <a:off x="479393" y="1616718"/>
+            <a:ext cx="10884024" cy="3785652"/>
           </a:xfrm>
           <a:prstGeom prst="rect">
             <a:avLst/>
@@ -21961,6 +23038,7 @@
                   <a:srgbClr val="000000"/>
                 </a:solidFill>
                 <a:effectLst/>
+                <a:latin typeface="Lexend Light"/>
               </a:rPr>
               <a:t>Below is some common exceptions errors in Python: </a:t>
             </a:r>
@@ -21976,6 +23054,7 @@
                   <a:srgbClr val="000000"/>
                 </a:solidFill>
                 <a:effectLst/>
+                <a:latin typeface="Lexend Light"/>
               </a:rPr>
               <a:t>Exception</a:t>
             </a:r>
@@ -21985,6 +23064,7 @@
                   <a:srgbClr val="000000"/>
                 </a:solidFill>
                 <a:effectLst/>
+                <a:latin typeface="Lexend Light"/>
               </a:rPr>
               <a:t> Base class for all exceptions </a:t>
             </a:r>
@@ -22000,6 +23080,7 @@
                   <a:srgbClr val="000000"/>
                 </a:solidFill>
                 <a:effectLst/>
+                <a:latin typeface="Lexend Light"/>
               </a:rPr>
               <a:t>lOError</a:t>
             </a:r>
@@ -22009,6 +23090,7 @@
                   <a:srgbClr val="000000"/>
                 </a:solidFill>
                 <a:effectLst/>
+                <a:latin typeface="Lexend Light"/>
               </a:rPr>
               <a:t> If the file cannot be opened. </a:t>
             </a:r>
@@ -22024,6 +23106,7 @@
                   <a:srgbClr val="000000"/>
                 </a:solidFill>
                 <a:effectLst/>
+                <a:latin typeface="Lexend Light"/>
               </a:rPr>
               <a:t>ImportError</a:t>
             </a:r>
@@ -22033,6 +23116,7 @@
                   <a:srgbClr val="000000"/>
                 </a:solidFill>
                 <a:effectLst/>
+                <a:latin typeface="Lexend Light"/>
               </a:rPr>
               <a:t> If python cannot find the module </a:t>
             </a:r>
@@ -22048,6 +23132,7 @@
                   <a:srgbClr val="000000"/>
                 </a:solidFill>
                 <a:effectLst/>
+                <a:latin typeface="Lexend Light"/>
               </a:rPr>
               <a:t>ValueError</a:t>
             </a:r>
@@ -22057,6 +23142,7 @@
                   <a:srgbClr val="000000"/>
                 </a:solidFill>
                 <a:effectLst/>
+                <a:latin typeface="Lexend Light"/>
               </a:rPr>
               <a:t> Raised when built-in function receives an inappropriate value </a:t>
             </a:r>
@@ -22072,6 +23158,7 @@
                   <a:srgbClr val="000000"/>
                 </a:solidFill>
                 <a:effectLst/>
+                <a:latin typeface="Lexend Light"/>
               </a:rPr>
               <a:t>KeyError</a:t>
             </a:r>
@@ -22081,6 +23168,7 @@
                   <a:srgbClr val="000000"/>
                 </a:solidFill>
                 <a:effectLst/>
+                <a:latin typeface="Lexend Light"/>
               </a:rPr>
               <a:t> Raised when the specified key is not found in the dictionary.</a:t>
             </a:r>
@@ -22096,6 +23184,7 @@
                   <a:srgbClr val="000000"/>
                 </a:solidFill>
                 <a:effectLst/>
+                <a:latin typeface="Lexend Light"/>
               </a:rPr>
               <a:t>NameError</a:t>
             </a:r>
@@ -22105,6 +23194,7 @@
                   <a:srgbClr val="000000"/>
                 </a:solidFill>
                 <a:effectLst/>
+                <a:latin typeface="Lexend Light"/>
               </a:rPr>
               <a:t> Raised when an identifier is not found in the local or global namespace. </a:t>
             </a:r>
@@ -22120,6 +23210,7 @@
                   <a:srgbClr val="000000"/>
                 </a:solidFill>
                 <a:effectLst/>
+                <a:latin typeface="Lexend Light"/>
               </a:rPr>
               <a:t>EOFError</a:t>
             </a:r>
@@ -22129,6 +23220,7 @@
                   <a:srgbClr val="000000"/>
                 </a:solidFill>
                 <a:effectLst/>
+                <a:latin typeface="Lexend Light"/>
               </a:rPr>
               <a:t> Raised when one of the built-in functions (input() or </a:t>
             </a:r>
@@ -22138,6 +23230,7 @@
                   <a:srgbClr val="000000"/>
                 </a:solidFill>
                 <a:effectLst/>
+                <a:latin typeface="Lexend Light"/>
               </a:rPr>
               <a:t>raw_input</a:t>
             </a:r>
@@ -22147,6 +23240,7 @@
                   <a:srgbClr val="000000"/>
                 </a:solidFill>
                 <a:effectLst/>
+                <a:latin typeface="Lexend Light"/>
               </a:rPr>
               <a:t>()) hits an end-of-file condition (EOF) without reading any data </a:t>
             </a:r>
@@ -22162,6 +23256,7 @@
                   <a:srgbClr val="000000"/>
                 </a:solidFill>
                 <a:effectLst/>
+                <a:latin typeface="Lexend Light"/>
               </a:rPr>
               <a:t>ArithmeticError</a:t>
             </a:r>
@@ -22171,6 +23266,7 @@
                   <a:srgbClr val="000000"/>
                 </a:solidFill>
                 <a:effectLst/>
+                <a:latin typeface="Lexend Light"/>
               </a:rPr>
               <a:t> The base exceptions for various arithmetic errors: </a:t>
             </a:r>
@@ -22180,6 +23276,7 @@
                   <a:srgbClr val="000000"/>
                 </a:solidFill>
                 <a:effectLst/>
+                <a:latin typeface="Lexend Light"/>
               </a:rPr>
               <a:t>OverflowError</a:t>
             </a:r>
@@ -22189,6 +23286,7 @@
                   <a:srgbClr val="000000"/>
                 </a:solidFill>
                 <a:effectLst/>
+                <a:latin typeface="Lexend Light"/>
               </a:rPr>
               <a:t>, </a:t>
             </a:r>
@@ -22198,6 +23296,7 @@
                   <a:srgbClr val="000000"/>
                 </a:solidFill>
                 <a:effectLst/>
+                <a:latin typeface="Lexend Light"/>
               </a:rPr>
               <a:t>ZeroDivisionError</a:t>
             </a:r>
@@ -22207,6 +23306,7 @@
                   <a:srgbClr val="000000"/>
                 </a:solidFill>
                 <a:effectLst/>
+                <a:latin typeface="Lexend Light"/>
               </a:rPr>
               <a:t>, </a:t>
             </a:r>
@@ -22216,6 +23316,7 @@
                   <a:srgbClr val="000000"/>
                 </a:solidFill>
                 <a:effectLst/>
+                <a:latin typeface="Lexend Light"/>
               </a:rPr>
               <a:t>FloatingPointError</a:t>
             </a:r>
@@ -22225,6 +23326,7 @@
                   <a:srgbClr val="000000"/>
                 </a:solidFill>
                 <a:effectLst/>
+                <a:latin typeface="Lexend Light"/>
               </a:rPr>
               <a:t> </a:t>
             </a:r>
@@ -22240,6 +23342,7 @@
                   <a:srgbClr val="000000"/>
                 </a:solidFill>
                 <a:effectLst/>
+                <a:latin typeface="Lexend Light"/>
               </a:rPr>
               <a:t>SyntaxError</a:t>
             </a:r>
@@ -22249,28 +23352,13 @@
                   <a:srgbClr val="000000"/>
                 </a:solidFill>
                 <a:effectLst/>
+                <a:latin typeface="Lexend Light"/>
               </a:rPr>
               <a:t> Raised when the syntax is incorrect</a:t>
             </a:r>
-            <a:endParaRPr lang="en-US" dirty="0"/>
-          </a:p>
-          <a:p>
-            <a:endParaRPr lang="en-US" dirty="0"/>
-          </a:p>
-          <a:p>
-            <a:endParaRPr lang="en-US" dirty="0"/>
-          </a:p>
-          <a:p>
-            <a:endParaRPr lang="en-US" dirty="0"/>
-          </a:p>
-          <a:p>
-            <a:endParaRPr lang="en-US" dirty="0"/>
-          </a:p>
-          <a:p>
-            <a:endParaRPr lang="en-US" dirty="0"/>
-          </a:p>
-          <a:p>
-            <a:endParaRPr lang="he-IL" dirty="0"/>
+            <a:endParaRPr lang="en-US" dirty="0">
+              <a:latin typeface="Lexend Light"/>
+            </a:endParaRPr>
           </a:p>
         </p:txBody>
       </p:sp>
@@ -22290,6 +23378,20 @@
 <file path=ppt/slides/slide6.xml><?xml version="1.0" encoding="utf-8"?>
 <p:sld xmlns:a="http://schemas.openxmlformats.org/drawingml/2006/main" xmlns:r="http://schemas.openxmlformats.org/officeDocument/2006/relationships" xmlns:p="http://schemas.openxmlformats.org/presentationml/2006/main">
   <p:cSld>
+    <p:bg>
+      <p:bgPr>
+        <a:blipFill dpi="0" rotWithShape="1">
+          <a:blip r:embed="rId2">
+            <a:lum/>
+          </a:blip>
+          <a:srcRect/>
+          <a:stretch>
+            <a:fillRect/>
+          </a:stretch>
+        </a:blipFill>
+        <a:effectLst/>
+      </p:bgPr>
+    </p:bg>
     <p:spTree>
       <p:nvGrpSpPr>
         <p:cNvPr id="1" name=""/>
@@ -22320,16 +23422,18 @@
           <a:lstStyle/>
           <a:p>
             <a:r>
-              <a:rPr lang="en-US" b="0" i="0" dirty="0">
+              <a:rPr lang="en-US" b="1" i="0" dirty="0">
                 <a:solidFill>
                   <a:srgbClr val="000000"/>
                 </a:solidFill>
                 <a:effectLst/>
-                <a:latin typeface="+mn-lt"/>
+                <a:latin typeface="Lexend Light"/>
               </a:rPr>
               <a:t>Exception handling example</a:t>
             </a:r>
-            <a:endParaRPr lang="he-IL" dirty="0"/>
+            <a:endParaRPr lang="he-IL" b="1" dirty="0">
+              <a:latin typeface="Lexend Light"/>
+            </a:endParaRPr>
           </a:p>
         </p:txBody>
       </p:sp>
@@ -22349,6 +23453,20 @@
 <file path=ppt/slides/slide7.xml><?xml version="1.0" encoding="utf-8"?>
 <p:sld xmlns:a="http://schemas.openxmlformats.org/drawingml/2006/main" xmlns:r="http://schemas.openxmlformats.org/officeDocument/2006/relationships" xmlns:p="http://schemas.openxmlformats.org/presentationml/2006/main">
   <p:cSld>
+    <p:bg>
+      <p:bgPr>
+        <a:blipFill dpi="0" rotWithShape="1">
+          <a:blip r:embed="rId2">
+            <a:lum/>
+          </a:blip>
+          <a:srcRect/>
+          <a:stretch>
+            <a:fillRect/>
+          </a:stretch>
+        </a:blipFill>
+        <a:effectLst/>
+      </p:bgPr>
+    </p:bg>
     <p:spTree>
       <p:nvGrpSpPr>
         <p:cNvPr id="1" name=""/>
@@ -22393,11 +23511,12 @@
               <a:buNone/>
             </a:pPr>
             <a:r>
-              <a:rPr lang="en-US" b="0" i="0" dirty="0">
+              <a:rPr lang="en-US" b="1" i="0" dirty="0">
                 <a:solidFill>
                   <a:srgbClr val="000000"/>
                 </a:solidFill>
                 <a:effectLst/>
+                <a:latin typeface="Lexend Light"/>
               </a:rPr>
               <a:t>Version 1: </a:t>
             </a:r>
@@ -22439,6 +23558,7 @@
               <a:solidFill>
                 <a:srgbClr val="000000"/>
               </a:solidFill>
+              <a:latin typeface="Lexend Light"/>
             </a:endParaRPr>
           </a:p>
           <a:p>
@@ -22450,6 +23570,7 @@
                 <a:srgbClr val="000000"/>
               </a:solidFill>
               <a:effectLst/>
+              <a:latin typeface="Lexend Light"/>
             </a:endParaRPr>
           </a:p>
           <a:p>
@@ -22461,6 +23582,7 @@
                 <a:srgbClr val="000000"/>
               </a:solidFill>
               <a:effectLst/>
+              <a:latin typeface="Lexend Light"/>
             </a:endParaRPr>
           </a:p>
           <a:p>
@@ -22472,6 +23594,7 @@
                 <a:srgbClr val="000000"/>
               </a:solidFill>
               <a:effectLst/>
+              <a:latin typeface="Lexend Light"/>
             </a:endParaRPr>
           </a:p>
           <a:p>
@@ -22481,6 +23604,7 @@
                   <a:srgbClr val="000000"/>
                 </a:solidFill>
                 <a:effectLst/>
+                <a:latin typeface="Lexend Light"/>
               </a:rPr>
               <a:t>If the input is not numeric, "67a" for example, the code — raises exception: </a:t>
             </a:r>
@@ -22495,6 +23619,7 @@
                   <a:srgbClr val="000000"/>
                 </a:solidFill>
                 <a:effectLst/>
+                <a:latin typeface="Lexend Light"/>
               </a:rPr>
               <a:t>	</a:t>
             </a:r>
@@ -22504,6 +23629,7 @@
                   <a:srgbClr val="000000"/>
                 </a:solidFill>
                 <a:effectLst/>
+                <a:latin typeface="Lexend Light"/>
               </a:rPr>
               <a:t>ValueError</a:t>
             </a:r>
@@ -22513,10 +23639,12 @@
                   <a:srgbClr val="000000"/>
                 </a:solidFill>
                 <a:effectLst/>
+                <a:latin typeface="Lexend Light"/>
               </a:rPr>
               <a:t>: invalid literal for int() with base 10: ‘67a’</a:t>
             </a:r>
             <a:endParaRPr lang="he-IL" i="1" dirty="0">
+              <a:latin typeface="Lexend Light"/>
               <a:cs typeface="Calibri" panose="020F0502020204030204" pitchFamily="34" charset="0"/>
             </a:endParaRPr>
           </a:p>
@@ -22742,6 +23870,20 @@
 <file path=ppt/slides/slide8.xml><?xml version="1.0" encoding="utf-8"?>
 <p:sld xmlns:a="http://schemas.openxmlformats.org/drawingml/2006/main" xmlns:r="http://schemas.openxmlformats.org/officeDocument/2006/relationships" xmlns:p="http://schemas.openxmlformats.org/presentationml/2006/main">
   <p:cSld>
+    <p:bg>
+      <p:bgPr>
+        <a:blipFill dpi="0" rotWithShape="1">
+          <a:blip r:embed="rId3">
+            <a:lum/>
+          </a:blip>
+          <a:srcRect/>
+          <a:stretch>
+            <a:fillRect/>
+          </a:stretch>
+        </a:blipFill>
+        <a:effectLst/>
+      </p:bgPr>
+    </p:bg>
     <p:spTree>
       <p:nvGrpSpPr>
         <p:cNvPr id="1" name=""/>
@@ -22777,11 +23919,12 @@
               <a:buNone/>
             </a:pPr>
             <a:r>
-              <a:rPr lang="en-US" b="0" i="0" dirty="0">
+              <a:rPr lang="en-US" b="1" i="0" dirty="0">
                 <a:solidFill>
                   <a:srgbClr val="000000"/>
                 </a:solidFill>
                 <a:effectLst/>
+                <a:latin typeface="Lexend Light"/>
               </a:rPr>
               <a:t>Version 2: </a:t>
             </a:r>
@@ -22813,6 +23956,7 @@
                 <a:srgbClr val="000000"/>
               </a:solidFill>
               <a:effectLst/>
+              <a:latin typeface="Lexend Light"/>
             </a:endParaRPr>
           </a:p>
           <a:p>
@@ -22823,6 +23967,7 @@
               <a:solidFill>
                 <a:srgbClr val="000000"/>
               </a:solidFill>
+              <a:latin typeface="Lexend Light"/>
             </a:endParaRPr>
           </a:p>
           <a:p>
@@ -22834,6 +23979,7 @@
                 <a:srgbClr val="000000"/>
               </a:solidFill>
               <a:effectLst/>
+              <a:latin typeface="Lexend Light"/>
             </a:endParaRPr>
           </a:p>
           <a:p>
@@ -22844,6 +23990,7 @@
               <a:solidFill>
                 <a:srgbClr val="000000"/>
               </a:solidFill>
+              <a:latin typeface="Lexend Light"/>
             </a:endParaRPr>
           </a:p>
           <a:p>
@@ -22855,6 +24002,7 @@
                 <a:srgbClr val="000000"/>
               </a:solidFill>
               <a:effectLst/>
+              <a:latin typeface="Lexend Light"/>
             </a:endParaRPr>
           </a:p>
           <a:p>
@@ -22866,6 +24014,7 @@
                 <a:srgbClr val="000000"/>
               </a:solidFill>
               <a:effectLst/>
+              <a:latin typeface="Lexend Light"/>
             </a:endParaRPr>
           </a:p>
           <a:p>
@@ -22877,6 +24026,7 @@
                 <a:srgbClr val="000000"/>
               </a:solidFill>
               <a:effectLst/>
+              <a:latin typeface="Lexend Light"/>
             </a:endParaRPr>
           </a:p>
           <a:p>
@@ -22886,10 +24036,12 @@
                   <a:srgbClr val="000000"/>
                 </a:solidFill>
                 <a:effectLst/>
+                <a:latin typeface="Lexend Light"/>
               </a:rPr>
               <a:t>The program will continue running whether the input is correct or not.</a:t>
             </a:r>
             <a:endParaRPr lang="en-US" dirty="0">
+              <a:latin typeface="Lexend Light"/>
               <a:cs typeface="Calibri" panose="020F0502020204030204" pitchFamily="34" charset="0"/>
             </a:endParaRPr>
           </a:p>
@@ -23384,6 +24536,20 @@
 <file path=ppt/slides/slide9.xml><?xml version="1.0" encoding="utf-8"?>
 <p:sld xmlns:a="http://schemas.openxmlformats.org/drawingml/2006/main" xmlns:r="http://schemas.openxmlformats.org/officeDocument/2006/relationships" xmlns:p="http://schemas.openxmlformats.org/presentationml/2006/main">
   <p:cSld>
+    <p:bg>
+      <p:bgPr>
+        <a:blipFill dpi="0" rotWithShape="1">
+          <a:blip r:embed="rId2">
+            <a:lum/>
+          </a:blip>
+          <a:srcRect/>
+          <a:stretch>
+            <a:fillRect/>
+          </a:stretch>
+        </a:blipFill>
+        <a:effectLst/>
+      </p:bgPr>
+    </p:bg>
     <p:spTree>
       <p:nvGrpSpPr>
         <p:cNvPr id="1" name=""/>
@@ -23414,10 +24580,14 @@
           <a:lstStyle/>
           <a:p>
             <a:r>
-              <a:rPr lang="en-US"/>
+              <a:rPr lang="en-US" b="1" dirty="0">
+                <a:latin typeface="Lexend Light"/>
+              </a:rPr>
               <a:t>Lab 01</a:t>
             </a:r>
-            <a:endParaRPr lang="he-IL"/>
+            <a:endParaRPr lang="he-IL" b="1" dirty="0">
+              <a:latin typeface="Lexend Light"/>
+            </a:endParaRPr>
           </a:p>
         </p:txBody>
       </p:sp>
